--- a/PLPTH813Bioinformatis/2025/2_lab/lab03_alignment.pptx
+++ b/PLPTH813Bioinformatis/2025/2_lab/lab03_alignment.pptx
@@ -5,7 +5,7 @@
     <p:sldMasterId id="2147483648" r:id="rId1"/>
   </p:sldMasterIdLst>
   <p:notesMasterIdLst>
-    <p:notesMasterId r:id="rId20"/>
+    <p:notesMasterId r:id="rId21"/>
   </p:notesMasterIdLst>
   <p:sldIdLst>
     <p:sldId id="256" r:id="rId2"/>
@@ -26,6 +26,7 @@
     <p:sldId id="290" r:id="rId17"/>
     <p:sldId id="291" r:id="rId18"/>
     <p:sldId id="279" r:id="rId19"/>
+    <p:sldId id="313" r:id="rId20"/>
   </p:sldIdLst>
   <p:sldSz cx="9144000" cy="5143500" type="screen16x9"/>
   <p:notesSz cx="6858000" cy="9144000"/>
@@ -8809,6 +8810,177 @@
 </p:sld>
 </file>
 
+<file path=ppt/slides/slide19.xml><?xml version="1.0" encoding="utf-8"?>
+<p:sld xmlns:a="http://schemas.openxmlformats.org/drawingml/2006/main" xmlns:r="http://schemas.openxmlformats.org/officeDocument/2006/relationships" xmlns:p="http://schemas.openxmlformats.org/presentationml/2006/main">
+  <p:cSld>
+    <p:spTree>
+      <p:nvGrpSpPr>
+        <p:cNvPr id="1" name=""/>
+        <p:cNvGrpSpPr/>
+        <p:nvPr/>
+      </p:nvGrpSpPr>
+      <p:grpSpPr>
+        <a:xfrm>
+          <a:off x="0" y="0"/>
+          <a:ext cx="0" cy="0"/>
+          <a:chOff x="0" y="0"/>
+          <a:chExt cx="0" cy="0"/>
+        </a:xfrm>
+      </p:grpSpPr>
+      <p:sp>
+        <p:nvSpPr>
+          <p:cNvPr id="2" name="Title 1">
+            <a:extLst>
+              <a:ext uri="{FF2B5EF4-FFF2-40B4-BE49-F238E27FC236}">
+                <a16:creationId xmlns:a16="http://schemas.microsoft.com/office/drawing/2014/main" id="{AA926515-48B8-6E23-CF86-4933C0D1F948}"/>
+              </a:ext>
+            </a:extLst>
+          </p:cNvPr>
+          <p:cNvSpPr>
+            <a:spLocks noGrp="1"/>
+          </p:cNvSpPr>
+          <p:nvPr>
+            <p:ph type="title"/>
+          </p:nvPr>
+        </p:nvSpPr>
+        <p:spPr/>
+        <p:txBody>
+          <a:bodyPr/>
+          <a:lstStyle/>
+          <a:p>
+            <a:r>
+              <a:rPr lang="en-US" dirty="0"/>
+              <a:t>Problem 2</a:t>
+            </a:r>
+          </a:p>
+        </p:txBody>
+      </p:sp>
+      <p:sp>
+        <p:nvSpPr>
+          <p:cNvPr id="3" name="Content Placeholder 2">
+            <a:extLst>
+              <a:ext uri="{FF2B5EF4-FFF2-40B4-BE49-F238E27FC236}">
+                <a16:creationId xmlns:a16="http://schemas.microsoft.com/office/drawing/2014/main" id="{C02AEF2A-B239-DE39-1442-6649CD572784}"/>
+              </a:ext>
+            </a:extLst>
+          </p:cNvPr>
+          <p:cNvSpPr>
+            <a:spLocks noGrp="1"/>
+          </p:cNvSpPr>
+          <p:nvPr>
+            <p:ph idx="1"/>
+          </p:nvPr>
+        </p:nvSpPr>
+        <p:spPr>
+          <a:xfrm>
+            <a:off x="457200" y="1038657"/>
+            <a:ext cx="8229600" cy="1712707"/>
+          </a:xfrm>
+        </p:spPr>
+        <p:txBody>
+          <a:bodyPr/>
+          <a:lstStyle/>
+          <a:p>
+            <a:r>
+              <a:rPr lang="en-US" dirty="0"/>
+              <a:t>Create a FASTA file containing both </a:t>
+            </a:r>
+            <a:r>
+              <a:rPr lang="en-US" dirty="0" err="1"/>
+              <a:t>ZmA</a:t>
+            </a:r>
+            <a:r>
+              <a:rPr lang="en-US" dirty="0"/>
+              <a:t> and </a:t>
+            </a:r>
+            <a:r>
+              <a:rPr lang="en-US" dirty="0" err="1"/>
+              <a:t>ZmB</a:t>
+            </a:r>
+            <a:endParaRPr lang="en-US" dirty="0"/>
+          </a:p>
+          <a:p>
+            <a:r>
+              <a:rPr lang="en-US" dirty="0"/>
+              <a:t>Make a BLAST database using the new FASTA file</a:t>
+            </a:r>
+          </a:p>
+          <a:p>
+            <a:r>
+              <a:rPr lang="en-US" dirty="0"/>
+              <a:t>Use “</a:t>
+            </a:r>
+            <a:r>
+              <a:rPr lang="en-US" dirty="0" err="1"/>
+              <a:t>blastn</a:t>
+            </a:r>
+            <a:r>
+              <a:rPr lang="en-US" dirty="0"/>
+              <a:t>” to search the following sequence in this new FASTA file</a:t>
+            </a:r>
+          </a:p>
+        </p:txBody>
+      </p:sp>
+      <p:sp>
+        <p:nvSpPr>
+          <p:cNvPr id="4" name="TextBox 3">
+            <a:extLst>
+              <a:ext uri="{FF2B5EF4-FFF2-40B4-BE49-F238E27FC236}">
+                <a16:creationId xmlns:a16="http://schemas.microsoft.com/office/drawing/2014/main" id="{3C2D3FAE-ED4B-B1D5-F00C-CC3CFBA7311A}"/>
+              </a:ext>
+            </a:extLst>
+          </p:cNvPr>
+          <p:cNvSpPr txBox="1"/>
+          <p:nvPr/>
+        </p:nvSpPr>
+        <p:spPr>
+          <a:xfrm>
+            <a:off x="591911" y="3027625"/>
+            <a:ext cx="8450036" cy="1077218"/>
+          </a:xfrm>
+          <a:prstGeom prst="rect">
+            <a:avLst/>
+          </a:prstGeom>
+          <a:noFill/>
+        </p:spPr>
+        <p:txBody>
+          <a:bodyPr wrap="square" rtlCol="0">
+            <a:spAutoFit/>
+          </a:bodyPr>
+          <a:lstStyle/>
+          <a:p>
+            <a:r>
+              <a:rPr lang="en-US" sz="1600" dirty="0">
+                <a:latin typeface="Courier New" panose="02070309020205020404" pitchFamily="49" charset="0"/>
+                <a:cs typeface="Courier New" panose="02070309020205020404" pitchFamily="49" charset="0"/>
+              </a:rPr>
+              <a:t>&gt;query</a:t>
+            </a:r>
+          </a:p>
+          <a:p>
+            <a:r>
+              <a:rPr lang="en-US" sz="1600" dirty="0">
+                <a:latin typeface="Courier New" panose="02070309020205020404" pitchFamily="49" charset="0"/>
+                <a:cs typeface="Courier New" panose="02070309020205020404" pitchFamily="49" charset="0"/>
+              </a:rPr>
+              <a:t>GCCCAACTAATACCAATATATATAATACTACGCCTAATAATCCGATGCGATTAACGCCCACTGATGATGCATCCTTCTAAGTTCTAATGCTTCCTTAAGAACGTAGCTTGCCTGCCAATCCAGCCACAGCTGAAGCCTGAAGGCCAGTCGATGTAAAAG</a:t>
+            </a:r>
+          </a:p>
+        </p:txBody>
+      </p:sp>
+    </p:spTree>
+    <p:extLst>
+      <p:ext uri="{BB962C8B-B14F-4D97-AF65-F5344CB8AC3E}">
+        <p14:creationId xmlns:p14="http://schemas.microsoft.com/office/powerpoint/2010/main" val="3054588135"/>
+      </p:ext>
+    </p:extLst>
+  </p:cSld>
+  <p:clrMapOvr>
+    <a:masterClrMapping/>
+  </p:clrMapOvr>
+</p:sld>
+</file>
+
 <file path=ppt/slides/slide2.xml><?xml version="1.0" encoding="utf-8"?>
 <p:sld xmlns:a="http://schemas.openxmlformats.org/drawingml/2006/main" xmlns:r="http://schemas.openxmlformats.org/officeDocument/2006/relationships" xmlns:p="http://schemas.openxmlformats.org/presentationml/2006/main">
   <p:cSld>
@@ -9441,9 +9613,16 @@
             <p:ph idx="1"/>
           </p:nvPr>
         </p:nvSpPr>
-        <p:spPr/>
-        <p:txBody>
-          <a:bodyPr/>
+        <p:spPr>
+          <a:xfrm>
+            <a:off x="457200" y="891700"/>
+            <a:ext cx="8229600" cy="1680050"/>
+          </a:xfrm>
+        </p:spPr>
+        <p:txBody>
+          <a:bodyPr>
+            <a:normAutofit/>
+          </a:bodyPr>
           <a:lstStyle/>
           <a:p>
             <a:pPr marL="0" indent="0">
@@ -9451,36 +9630,134 @@
             </a:pPr>
             <a:r>
               <a:rPr lang="en-US" dirty="0"/>
-              <a:t>Two sequences: </a:t>
-            </a:r>
-            <a:r>
-              <a:rPr lang="en-US" dirty="0" err="1"/>
+              <a:t>Two sequences:</a:t>
+            </a:r>
+          </a:p>
+          <a:p>
+            <a:pPr marL="0" indent="0">
+              <a:buNone/>
+            </a:pPr>
+            <a:r>
+              <a:rPr lang="en-US" sz="1800" dirty="0" err="1"/>
               <a:t>ZmA</a:t>
             </a:r>
-            <a:r>
-              <a:rPr lang="en-US" dirty="0"/>
-              <a:t> and </a:t>
-            </a:r>
-            <a:r>
-              <a:rPr lang="en-US" dirty="0" err="1"/>
+            <a:endParaRPr lang="en-US" sz="1800" dirty="0">
+              <a:hlinkClick r:id="rId2"/>
+            </a:endParaRPr>
+          </a:p>
+          <a:p>
+            <a:pPr marL="0" indent="0">
+              <a:buNone/>
+            </a:pPr>
+            <a:r>
+              <a:rPr lang="en-US" sz="1200" dirty="0">
+                <a:hlinkClick r:id="rId2"/>
+              </a:rPr>
+              <a:t>https://github.com/liu3zhenlab/teaching/raw/refs/heads/master/PLPTH813Bioinformatis/2025/3_data/lab03/ZmA.fasta</a:t>
+            </a:r>
+            <a:endParaRPr lang="en-US" sz="1200" dirty="0"/>
+          </a:p>
+          <a:p>
+            <a:pPr marL="0" indent="0">
+              <a:buNone/>
+            </a:pPr>
+            <a:r>
+              <a:rPr lang="en-US" sz="1800" dirty="0" err="1"/>
               <a:t>ZmB</a:t>
             </a:r>
-            <a:endParaRPr lang="en-US" dirty="0"/>
+            <a:endParaRPr lang="en-US" sz="1800" dirty="0"/>
           </a:p>
           <a:p>
             <a:pPr marL="0" indent="0">
               <a:buNone/>
             </a:pPr>
             <a:r>
-              <a:rPr lang="en-US"/>
-              <a:t>Data source:</a:t>
-            </a:r>
+              <a:rPr lang="en-US" sz="1200" dirty="0">
+                <a:hlinkClick r:id="rId3"/>
+              </a:rPr>
+              <a:t>https://github.com/liu3zhenlab/teaching/raw/refs/heads/master/PLPTH813Bioinformatis/2025/3_data/lab03/ZmB.fasta</a:t>
+            </a:r>
+            <a:endParaRPr lang="en-US" sz="1200" dirty="0"/>
           </a:p>
           <a:p>
             <a:pPr marL="0" indent="0">
               <a:buNone/>
             </a:pPr>
-            <a:endParaRPr lang="en-US"/>
+            <a:endParaRPr lang="en-US" sz="1200" dirty="0"/>
+          </a:p>
+        </p:txBody>
+      </p:sp>
+      <p:sp>
+        <p:nvSpPr>
+          <p:cNvPr id="4" name="TextBox 3">
+            <a:extLst>
+              <a:ext uri="{FF2B5EF4-FFF2-40B4-BE49-F238E27FC236}">
+                <a16:creationId xmlns:a16="http://schemas.microsoft.com/office/drawing/2014/main" id="{8A7CB271-EF14-26C9-2DA4-BD0743F38D4C}"/>
+              </a:ext>
+            </a:extLst>
+          </p:cNvPr>
+          <p:cNvSpPr txBox="1"/>
+          <p:nvPr/>
+        </p:nvSpPr>
+        <p:spPr>
+          <a:xfrm>
+            <a:off x="665389" y="2841172"/>
+            <a:ext cx="7813222" cy="1569660"/>
+          </a:xfrm>
+          <a:prstGeom prst="rect">
+            <a:avLst/>
+          </a:prstGeom>
+          <a:noFill/>
+        </p:spPr>
+        <p:txBody>
+          <a:bodyPr wrap="square" rtlCol="0">
+            <a:spAutoFit/>
+          </a:bodyPr>
+          <a:lstStyle/>
+          <a:p>
+            <a:r>
+              <a:rPr lang="en-US" sz="2400" dirty="0"/>
+              <a:t>Please download the data and plot a </a:t>
+            </a:r>
+            <a:r>
+              <a:rPr lang="en-US" sz="2400" dirty="0" err="1"/>
+              <a:t>dotplot</a:t>
+            </a:r>
+            <a:r>
+              <a:rPr lang="en-US" sz="2400" dirty="0"/>
+              <a:t> between the two sequence.</a:t>
+            </a:r>
+          </a:p>
+          <a:p>
+            <a:endParaRPr lang="en-US" sz="2400" dirty="0"/>
+          </a:p>
+          <a:p>
+            <a:r>
+              <a:rPr lang="en-US" sz="2400" dirty="0"/>
+              <a:t>Possible parameter: </a:t>
+            </a:r>
+            <a:r>
+              <a:rPr lang="en-US" sz="2400" dirty="0">
+                <a:latin typeface="Courier New" panose="02070309020205020404" pitchFamily="49" charset="0"/>
+                <a:cs typeface="Courier New" panose="02070309020205020404" pitchFamily="49" charset="0"/>
+              </a:rPr>
+              <a:t>--</a:t>
+            </a:r>
+            <a:r>
+              <a:rPr lang="en-US" sz="2400" dirty="0" err="1">
+                <a:latin typeface="Courier New" panose="02070309020205020404" pitchFamily="49" charset="0"/>
+                <a:cs typeface="Courier New" panose="02070309020205020404" pitchFamily="49" charset="0"/>
+              </a:rPr>
+              <a:t>minaln</a:t>
+            </a:r>
+            <a:r>
+              <a:rPr lang="en-US" sz="2400" dirty="0">
+                <a:latin typeface="Courier New" panose="02070309020205020404" pitchFamily="49" charset="0"/>
+                <a:cs typeface="Courier New" panose="02070309020205020404" pitchFamily="49" charset="0"/>
+              </a:rPr>
+              <a:t> 100</a:t>
+            </a:r>
+            <a:endParaRPr lang="en-US" sz="2400" dirty="0"/>
           </a:p>
         </p:txBody>
       </p:sp>
@@ -9526,7 +9803,7 @@
         </p:nvSpPr>
         <p:spPr>
           <a:xfrm>
-            <a:off x="457200" y="0"/>
+            <a:off x="457200" y="210031"/>
             <a:ext cx="8229600" cy="924806"/>
           </a:xfrm>
         </p:spPr>
@@ -9555,7 +9832,7 @@
         </p:nvSpPr>
         <p:spPr>
           <a:xfrm>
-            <a:off x="1823338" y="1347106"/>
+            <a:off x="1774352" y="1461406"/>
             <a:ext cx="5823876" cy="2661557"/>
           </a:xfrm>
         </p:spPr>
@@ -9665,7 +9942,12 @@
             <p:ph type="title"/>
           </p:nvPr>
         </p:nvSpPr>
-        <p:spPr/>
+        <p:spPr>
+          <a:xfrm>
+            <a:off x="457200" y="279457"/>
+            <a:ext cx="8229600" cy="579740"/>
+          </a:xfrm>
+        </p:spPr>
         <p:txBody>
           <a:bodyPr>
             <a:normAutofit/>

--- a/PLPTH813Bioinformatis/2025/2_lab/lab03_alignment.pptx
+++ b/PLPTH813Bioinformatis/2025/2_lab/lab03_alignment.pptx
@@ -5,28 +5,29 @@
     <p:sldMasterId id="2147483648" r:id="rId1"/>
   </p:sldMasterIdLst>
   <p:notesMasterIdLst>
-    <p:notesMasterId r:id="rId21"/>
+    <p:notesMasterId r:id="rId22"/>
   </p:notesMasterIdLst>
   <p:sldIdLst>
     <p:sldId id="256" r:id="rId2"/>
     <p:sldId id="269" r:id="rId3"/>
-    <p:sldId id="310" r:id="rId4"/>
-    <p:sldId id="311" r:id="rId5"/>
-    <p:sldId id="312" r:id="rId6"/>
-    <p:sldId id="297" r:id="rId7"/>
-    <p:sldId id="309" r:id="rId8"/>
-    <p:sldId id="271" r:id="rId9"/>
-    <p:sldId id="280" r:id="rId10"/>
-    <p:sldId id="285" r:id="rId11"/>
-    <p:sldId id="275" r:id="rId12"/>
-    <p:sldId id="286" r:id="rId13"/>
-    <p:sldId id="287" r:id="rId14"/>
-    <p:sldId id="289" r:id="rId15"/>
-    <p:sldId id="288" r:id="rId16"/>
-    <p:sldId id="290" r:id="rId17"/>
-    <p:sldId id="291" r:id="rId18"/>
-    <p:sldId id="279" r:id="rId19"/>
-    <p:sldId id="313" r:id="rId20"/>
+    <p:sldId id="314" r:id="rId4"/>
+    <p:sldId id="310" r:id="rId5"/>
+    <p:sldId id="311" r:id="rId6"/>
+    <p:sldId id="312" r:id="rId7"/>
+    <p:sldId id="297" r:id="rId8"/>
+    <p:sldId id="309" r:id="rId9"/>
+    <p:sldId id="271" r:id="rId10"/>
+    <p:sldId id="280" r:id="rId11"/>
+    <p:sldId id="285" r:id="rId12"/>
+    <p:sldId id="275" r:id="rId13"/>
+    <p:sldId id="286" r:id="rId14"/>
+    <p:sldId id="287" r:id="rId15"/>
+    <p:sldId id="289" r:id="rId16"/>
+    <p:sldId id="288" r:id="rId17"/>
+    <p:sldId id="290" r:id="rId18"/>
+    <p:sldId id="291" r:id="rId19"/>
+    <p:sldId id="279" r:id="rId20"/>
+    <p:sldId id="313" r:id="rId21"/>
   </p:sldIdLst>
   <p:sldSz cx="9144000" cy="5143500" type="screen16x9"/>
   <p:notesSz cx="6858000" cy="9144000"/>
@@ -226,7 +227,7 @@
           <a:p>
             <a:fld id="{08E6E0A8-E17C-C949-B17E-7A1A6494483A}" type="datetimeFigureOut">
               <a:rPr lang="en-US" smtClean="0"/>
-              <a:t>2/5/25</a:t>
+              <a:t>2/6/25</a:t>
             </a:fld>
             <a:endParaRPr lang="en-US"/>
           </a:p>
@@ -520,12 +521,7 @@
             <p:ph type="sldImg"/>
           </p:nvPr>
         </p:nvSpPr>
-        <p:spPr>
-          <a:xfrm>
-            <a:off x="381000" y="685800"/>
-            <a:ext cx="6096000" cy="3429000"/>
-          </a:xfrm>
-        </p:spPr>
+        <p:spPr/>
       </p:sp>
       <p:sp>
         <p:nvSpPr>
@@ -563,7 +559,96 @@
           <a:p>
             <a:fld id="{DC2B8C24-ACAE-AE41-B565-178ED93271F0}" type="slidenum">
               <a:rPr lang="en-US" smtClean="0"/>
-              <a:t>8</a:t>
+              <a:t>3</a:t>
+            </a:fld>
+            <a:endParaRPr lang="en-US"/>
+          </a:p>
+        </p:txBody>
+      </p:sp>
+    </p:spTree>
+    <p:extLst>
+      <p:ext uri="{BB962C8B-B14F-4D97-AF65-F5344CB8AC3E}">
+        <p14:creationId xmlns:p14="http://schemas.microsoft.com/office/powerpoint/2010/main" val="1359576132"/>
+      </p:ext>
+    </p:extLst>
+  </p:cSld>
+  <p:clrMapOvr>
+    <a:masterClrMapping/>
+  </p:clrMapOvr>
+</p:notes>
+</file>
+
+<file path=ppt/notesSlides/notesSlide2.xml><?xml version="1.0" encoding="utf-8"?>
+<p:notes xmlns:a="http://schemas.openxmlformats.org/drawingml/2006/main" xmlns:r="http://schemas.openxmlformats.org/officeDocument/2006/relationships" xmlns:p="http://schemas.openxmlformats.org/presentationml/2006/main">
+  <p:cSld>
+    <p:spTree>
+      <p:nvGrpSpPr>
+        <p:cNvPr id="1" name=""/>
+        <p:cNvGrpSpPr/>
+        <p:nvPr/>
+      </p:nvGrpSpPr>
+      <p:grpSpPr>
+        <a:xfrm>
+          <a:off x="0" y="0"/>
+          <a:ext cx="0" cy="0"/>
+          <a:chOff x="0" y="0"/>
+          <a:chExt cx="0" cy="0"/>
+        </a:xfrm>
+      </p:grpSpPr>
+      <p:sp>
+        <p:nvSpPr>
+          <p:cNvPr id="2" name="Slide Image Placeholder 1"/>
+          <p:cNvSpPr>
+            <a:spLocks noGrp="1" noRot="1" noChangeAspect="1"/>
+          </p:cNvSpPr>
+          <p:nvPr>
+            <p:ph type="sldImg"/>
+          </p:nvPr>
+        </p:nvSpPr>
+        <p:spPr>
+          <a:xfrm>
+            <a:off x="381000" y="685800"/>
+            <a:ext cx="6096000" cy="3429000"/>
+          </a:xfrm>
+        </p:spPr>
+      </p:sp>
+      <p:sp>
+        <p:nvSpPr>
+          <p:cNvPr id="3" name="Notes Placeholder 2"/>
+          <p:cNvSpPr>
+            <a:spLocks noGrp="1"/>
+          </p:cNvSpPr>
+          <p:nvPr>
+            <p:ph type="body" idx="1"/>
+          </p:nvPr>
+        </p:nvSpPr>
+        <p:spPr/>
+        <p:txBody>
+          <a:bodyPr/>
+          <a:lstStyle/>
+          <a:p>
+            <a:endParaRPr lang="en-US" dirty="0"/>
+          </a:p>
+        </p:txBody>
+      </p:sp>
+      <p:sp>
+        <p:nvSpPr>
+          <p:cNvPr id="4" name="Slide Number Placeholder 3"/>
+          <p:cNvSpPr>
+            <a:spLocks noGrp="1"/>
+          </p:cNvSpPr>
+          <p:nvPr>
+            <p:ph type="sldNum" sz="quarter" idx="5"/>
+          </p:nvPr>
+        </p:nvSpPr>
+        <p:spPr/>
+        <p:txBody>
+          <a:bodyPr/>
+          <a:lstStyle/>
+          <a:p>
+            <a:fld id="{DC2B8C24-ACAE-AE41-B565-178ED93271F0}" type="slidenum">
+              <a:rPr lang="en-US" smtClean="0"/>
+              <a:t>9</a:t>
             </a:fld>
             <a:endParaRPr lang="en-US"/>
           </a:p>
@@ -761,7 +846,7 @@
           <a:p>
             <a:fld id="{42B8B0BE-C8D7-EB48-AD68-71DB5002F24B}" type="datetimeFigureOut">
               <a:rPr lang="en-US" smtClean="0"/>
-              <a:t>2/5/25</a:t>
+              <a:t>2/6/25</a:t>
             </a:fld>
             <a:endParaRPr lang="en-US"/>
           </a:p>
@@ -929,7 +1014,7 @@
           <a:p>
             <a:fld id="{42B8B0BE-C8D7-EB48-AD68-71DB5002F24B}" type="datetimeFigureOut">
               <a:rPr lang="en-US" smtClean="0"/>
-              <a:t>2/5/25</a:t>
+              <a:t>2/6/25</a:t>
             </a:fld>
             <a:endParaRPr lang="en-US"/>
           </a:p>
@@ -1107,7 +1192,7 @@
           <a:p>
             <a:fld id="{42B8B0BE-C8D7-EB48-AD68-71DB5002F24B}" type="datetimeFigureOut">
               <a:rPr lang="en-US" smtClean="0"/>
-              <a:t>2/5/25</a:t>
+              <a:t>2/6/25</a:t>
             </a:fld>
             <a:endParaRPr lang="en-US"/>
           </a:p>
@@ -1275,7 +1360,7 @@
           <a:p>
             <a:fld id="{42B8B0BE-C8D7-EB48-AD68-71DB5002F24B}" type="datetimeFigureOut">
               <a:rPr lang="en-US" smtClean="0"/>
-              <a:t>2/5/25</a:t>
+              <a:t>2/6/25</a:t>
             </a:fld>
             <a:endParaRPr lang="en-US"/>
           </a:p>
@@ -1520,7 +1605,7 @@
           <a:p>
             <a:fld id="{42B8B0BE-C8D7-EB48-AD68-71DB5002F24B}" type="datetimeFigureOut">
               <a:rPr lang="en-US" smtClean="0"/>
-              <a:t>2/5/25</a:t>
+              <a:t>2/6/25</a:t>
             </a:fld>
             <a:endParaRPr lang="en-US"/>
           </a:p>
@@ -1805,7 +1890,7 @@
           <a:p>
             <a:fld id="{42B8B0BE-C8D7-EB48-AD68-71DB5002F24B}" type="datetimeFigureOut">
               <a:rPr lang="en-US" smtClean="0"/>
-              <a:t>2/5/25</a:t>
+              <a:t>2/6/25</a:t>
             </a:fld>
             <a:endParaRPr lang="en-US"/>
           </a:p>
@@ -2224,7 +2309,7 @@
           <a:p>
             <a:fld id="{42B8B0BE-C8D7-EB48-AD68-71DB5002F24B}" type="datetimeFigureOut">
               <a:rPr lang="en-US" smtClean="0"/>
-              <a:t>2/5/25</a:t>
+              <a:t>2/6/25</a:t>
             </a:fld>
             <a:endParaRPr lang="en-US"/>
           </a:p>
@@ -2341,7 +2426,7 @@
           <a:p>
             <a:fld id="{42B8B0BE-C8D7-EB48-AD68-71DB5002F24B}" type="datetimeFigureOut">
               <a:rPr lang="en-US" smtClean="0"/>
-              <a:t>2/5/25</a:t>
+              <a:t>2/6/25</a:t>
             </a:fld>
             <a:endParaRPr lang="en-US"/>
           </a:p>
@@ -2436,7 +2521,7 @@
           <a:p>
             <a:fld id="{42B8B0BE-C8D7-EB48-AD68-71DB5002F24B}" type="datetimeFigureOut">
               <a:rPr lang="en-US" smtClean="0"/>
-              <a:t>2/5/25</a:t>
+              <a:t>2/6/25</a:t>
             </a:fld>
             <a:endParaRPr lang="en-US"/>
           </a:p>
@@ -2711,7 +2796,7 @@
           <a:p>
             <a:fld id="{42B8B0BE-C8D7-EB48-AD68-71DB5002F24B}" type="datetimeFigureOut">
               <a:rPr lang="en-US" smtClean="0"/>
-              <a:t>2/5/25</a:t>
+              <a:t>2/6/25</a:t>
             </a:fld>
             <a:endParaRPr lang="en-US"/>
           </a:p>
@@ -2963,7 +3048,7 @@
           <a:p>
             <a:fld id="{42B8B0BE-C8D7-EB48-AD68-71DB5002F24B}" type="datetimeFigureOut">
               <a:rPr lang="en-US" smtClean="0"/>
-              <a:t>2/5/25</a:t>
+              <a:t>2/6/25</a:t>
             </a:fld>
             <a:endParaRPr lang="en-US"/>
           </a:p>
@@ -3174,7 +3259,7 @@
           <a:p>
             <a:fld id="{42B8B0BE-C8D7-EB48-AD68-71DB5002F24B}" type="datetimeFigureOut">
               <a:rPr lang="en-US" smtClean="0"/>
-              <a:t>2/5/25</a:t>
+              <a:t>2/6/25</a:t>
             </a:fld>
             <a:endParaRPr lang="en-US"/>
           </a:p>
@@ -3677,6 +3762,241 @@
           <a:p>
             <a:r>
               <a:rPr lang="en-US" dirty="0"/>
+              <a:t>Step 1: Create a database</a:t>
+            </a:r>
+          </a:p>
+        </p:txBody>
+      </p:sp>
+      <p:sp>
+        <p:nvSpPr>
+          <p:cNvPr id="3" name="Content Placeholder 2"/>
+          <p:cNvSpPr>
+            <a:spLocks noGrp="1"/>
+          </p:cNvSpPr>
+          <p:nvPr>
+            <p:ph idx="1"/>
+          </p:nvPr>
+        </p:nvSpPr>
+        <p:spPr>
+          <a:xfrm>
+            <a:off x="288894" y="673077"/>
+            <a:ext cx="8686800" cy="4347959"/>
+          </a:xfrm>
+        </p:spPr>
+        <p:txBody>
+          <a:bodyPr>
+            <a:normAutofit/>
+          </a:bodyPr>
+          <a:lstStyle/>
+          <a:p>
+            <a:pPr>
+              <a:lnSpc>
+                <a:spcPct val="130000"/>
+              </a:lnSpc>
+            </a:pPr>
+            <a:r>
+              <a:rPr lang="en-US" b="1" dirty="0" err="1">
+                <a:solidFill>
+                  <a:srgbClr val="17375E"/>
+                </a:solidFill>
+              </a:rPr>
+              <a:t>makeblastdb</a:t>
+            </a:r>
+            <a:endParaRPr lang="en-US" b="1" dirty="0">
+              <a:solidFill>
+                <a:srgbClr val="17375E"/>
+              </a:solidFill>
+            </a:endParaRPr>
+          </a:p>
+          <a:p>
+            <a:pPr marL="0" indent="0">
+              <a:lnSpc>
+                <a:spcPct val="130000"/>
+              </a:lnSpc>
+              <a:buNone/>
+            </a:pPr>
+            <a:r>
+              <a:rPr lang="en-US" dirty="0"/>
+              <a:t>A program to create a BLAST database</a:t>
+            </a:r>
+          </a:p>
+          <a:p>
+            <a:pPr marL="0" indent="0">
+              <a:lnSpc>
+                <a:spcPct val="130000"/>
+              </a:lnSpc>
+              <a:buNone/>
+            </a:pPr>
+            <a:r>
+              <a:rPr lang="en-US" sz="2800" dirty="0">
+                <a:latin typeface="Courier New"/>
+                <a:cs typeface="Courier New"/>
+              </a:rPr>
+              <a:t>module load BLAST+</a:t>
+            </a:r>
+          </a:p>
+          <a:p>
+            <a:pPr marL="0" indent="0">
+              <a:lnSpc>
+                <a:spcPct val="130000"/>
+              </a:lnSpc>
+              <a:buNone/>
+            </a:pPr>
+            <a:r>
+              <a:rPr lang="en-US" sz="2800" dirty="0" err="1">
+                <a:latin typeface="Courier New"/>
+                <a:cs typeface="Courier New"/>
+              </a:rPr>
+              <a:t>makeblastdb</a:t>
+            </a:r>
+            <a:r>
+              <a:rPr lang="en-US" sz="2800" dirty="0">
+                <a:latin typeface="Courier New"/>
+                <a:cs typeface="Courier New"/>
+              </a:rPr>
+              <a:t> –h</a:t>
+            </a:r>
+          </a:p>
+          <a:p>
+            <a:pPr marL="0" indent="0">
+              <a:lnSpc>
+                <a:spcPct val="130000"/>
+              </a:lnSpc>
+              <a:buNone/>
+            </a:pPr>
+            <a:r>
+              <a:rPr lang="en-US" sz="2800" dirty="0" err="1">
+                <a:latin typeface="Courier New"/>
+                <a:cs typeface="Courier New"/>
+              </a:rPr>
+              <a:t>makeblastdb</a:t>
+            </a:r>
+            <a:r>
+              <a:rPr lang="en-US" sz="2800" dirty="0">
+                <a:latin typeface="Courier New"/>
+                <a:cs typeface="Courier New"/>
+              </a:rPr>
+              <a:t> -in MG1655.fasta \</a:t>
+            </a:r>
+          </a:p>
+          <a:p>
+            <a:pPr marL="0" indent="0">
+              <a:lnSpc>
+                <a:spcPct val="130000"/>
+              </a:lnSpc>
+              <a:buNone/>
+            </a:pPr>
+            <a:r>
+              <a:rPr lang="en-US" sz="2800" dirty="0">
+                <a:latin typeface="Courier New"/>
+                <a:cs typeface="Courier New"/>
+              </a:rPr>
+              <a:t>	-out MG1655 -</a:t>
+            </a:r>
+            <a:r>
+              <a:rPr lang="en-US" sz="2800" dirty="0" err="1">
+                <a:latin typeface="Courier New"/>
+                <a:cs typeface="Courier New"/>
+              </a:rPr>
+              <a:t>dbtype</a:t>
+            </a:r>
+            <a:r>
+              <a:rPr lang="en-US" sz="2800" dirty="0">
+                <a:latin typeface="Courier New"/>
+                <a:cs typeface="Courier New"/>
+              </a:rPr>
+              <a:t> </a:t>
+            </a:r>
+            <a:r>
+              <a:rPr lang="en-US" sz="2800" dirty="0" err="1">
+                <a:latin typeface="Courier New"/>
+                <a:cs typeface="Courier New"/>
+              </a:rPr>
+              <a:t>nucl</a:t>
+            </a:r>
+            <a:r>
+              <a:rPr lang="en-US" sz="2800" dirty="0">
+                <a:latin typeface="Courier New"/>
+                <a:cs typeface="Courier New"/>
+              </a:rPr>
+              <a:t> \</a:t>
+            </a:r>
+          </a:p>
+          <a:p>
+            <a:pPr marL="0" indent="0">
+              <a:lnSpc>
+                <a:spcPct val="130000"/>
+              </a:lnSpc>
+              <a:buNone/>
+            </a:pPr>
+            <a:r>
+              <a:rPr lang="en-US" sz="2800" dirty="0">
+                <a:latin typeface="Courier New"/>
+                <a:cs typeface="Courier New"/>
+              </a:rPr>
+              <a:t>	-</a:t>
+            </a:r>
+            <a:r>
+              <a:rPr lang="en-US" sz="2800" dirty="0" err="1">
+                <a:latin typeface="Courier New"/>
+                <a:cs typeface="Courier New"/>
+              </a:rPr>
+              <a:t>parse_seqids</a:t>
+            </a:r>
+            <a:endParaRPr lang="en-US" sz="2800" dirty="0">
+              <a:latin typeface="Courier New"/>
+              <a:cs typeface="Courier New"/>
+            </a:endParaRPr>
+          </a:p>
+        </p:txBody>
+      </p:sp>
+    </p:spTree>
+    <p:extLst>
+      <p:ext uri="{BB962C8B-B14F-4D97-AF65-F5344CB8AC3E}">
+        <p14:creationId xmlns:p14="http://schemas.microsoft.com/office/powerpoint/2010/main" val="1487461360"/>
+      </p:ext>
+    </p:extLst>
+  </p:cSld>
+  <p:clrMapOvr>
+    <a:masterClrMapping/>
+  </p:clrMapOvr>
+</p:sld>
+</file>
+
+<file path=ppt/slides/slide11.xml><?xml version="1.0" encoding="utf-8"?>
+<p:sld xmlns:a="http://schemas.openxmlformats.org/drawingml/2006/main" xmlns:r="http://schemas.openxmlformats.org/officeDocument/2006/relationships" xmlns:p="http://schemas.openxmlformats.org/presentationml/2006/main">
+  <p:cSld>
+    <p:spTree>
+      <p:nvGrpSpPr>
+        <p:cNvPr id="1" name=""/>
+        <p:cNvGrpSpPr/>
+        <p:nvPr/>
+      </p:nvGrpSpPr>
+      <p:grpSpPr>
+        <a:xfrm>
+          <a:off x="0" y="0"/>
+          <a:ext cx="0" cy="0"/>
+          <a:chOff x="0" y="0"/>
+          <a:chExt cx="0" cy="0"/>
+        </a:xfrm>
+      </p:grpSpPr>
+      <p:sp>
+        <p:nvSpPr>
+          <p:cNvPr id="2" name="Title 1"/>
+          <p:cNvSpPr>
+            <a:spLocks noGrp="1"/>
+          </p:cNvSpPr>
+          <p:nvPr>
+            <p:ph type="title"/>
+          </p:nvPr>
+        </p:nvSpPr>
+        <p:spPr/>
+        <p:txBody>
+          <a:bodyPr/>
+          <a:lstStyle/>
+          <a:p>
+            <a:r>
+              <a:rPr lang="en-US" dirty="0"/>
               <a:t>Query data</a:t>
             </a:r>
           </a:p>
@@ -3892,7 +4212,7 @@
 </p:sld>
 </file>
 
-<file path=ppt/slides/slide11.xml><?xml version="1.0" encoding="utf-8"?>
+<file path=ppt/slides/slide12.xml><?xml version="1.0" encoding="utf-8"?>
 <p:sld xmlns:a="http://schemas.openxmlformats.org/drawingml/2006/main" xmlns:r="http://schemas.openxmlformats.org/officeDocument/2006/relationships" xmlns:p="http://schemas.openxmlformats.org/presentationml/2006/main">
   <p:cSld>
     <p:spTree>
@@ -4617,7 +4937,7 @@
 </p:sld>
 </file>
 
-<file path=ppt/slides/slide12.xml><?xml version="1.0" encoding="utf-8"?>
+<file path=ppt/slides/slide13.xml><?xml version="1.0" encoding="utf-8"?>
 <p:sld xmlns:a="http://schemas.openxmlformats.org/drawingml/2006/main" xmlns:r="http://schemas.openxmlformats.org/officeDocument/2006/relationships" xmlns:p="http://schemas.openxmlformats.org/presentationml/2006/main">
   <p:cSld>
     <p:spTree>
@@ -6527,7 +6847,7 @@
 </p:sld>
 </file>
 
-<file path=ppt/slides/slide13.xml><?xml version="1.0" encoding="utf-8"?>
+<file path=ppt/slides/slide14.xml><?xml version="1.0" encoding="utf-8"?>
 <p:sld xmlns:a="http://schemas.openxmlformats.org/drawingml/2006/main" xmlns:r="http://schemas.openxmlformats.org/officeDocument/2006/relationships" xmlns:p="http://schemas.openxmlformats.org/presentationml/2006/main">
   <p:cSld>
     <p:spTree>
@@ -6888,7 +7208,7 @@
 </p:sld>
 </file>
 
-<file path=ppt/slides/slide14.xml><?xml version="1.0" encoding="utf-8"?>
+<file path=ppt/slides/slide15.xml><?xml version="1.0" encoding="utf-8"?>
 <p:sld xmlns:a="http://schemas.openxmlformats.org/drawingml/2006/main" xmlns:r="http://schemas.openxmlformats.org/officeDocument/2006/relationships" xmlns:p="http://schemas.openxmlformats.org/presentationml/2006/main">
   <p:cSld>
     <p:spTree>
@@ -7617,7 +7937,7 @@
 </p:sld>
 </file>
 
-<file path=ppt/slides/slide15.xml><?xml version="1.0" encoding="utf-8"?>
+<file path=ppt/slides/slide16.xml><?xml version="1.0" encoding="utf-8"?>
 <p:sld xmlns:a="http://schemas.openxmlformats.org/drawingml/2006/main" xmlns:r="http://schemas.openxmlformats.org/officeDocument/2006/relationships" xmlns:p="http://schemas.openxmlformats.org/presentationml/2006/main">
   <p:cSld>
     <p:spTree>
@@ -7930,255 +8250,6 @@
 </p:sld>
 </file>
 
-<file path=ppt/slides/slide16.xml><?xml version="1.0" encoding="utf-8"?>
-<p:sld xmlns:a="http://schemas.openxmlformats.org/drawingml/2006/main" xmlns:r="http://schemas.openxmlformats.org/officeDocument/2006/relationships" xmlns:p="http://schemas.openxmlformats.org/presentationml/2006/main">
-  <p:cSld>
-    <p:spTree>
-      <p:nvGrpSpPr>
-        <p:cNvPr id="1" name=""/>
-        <p:cNvGrpSpPr/>
-        <p:nvPr/>
-      </p:nvGrpSpPr>
-      <p:grpSpPr>
-        <a:xfrm>
-          <a:off x="0" y="0"/>
-          <a:ext cx="0" cy="0"/>
-          <a:chOff x="0" y="0"/>
-          <a:chExt cx="0" cy="0"/>
-        </a:xfrm>
-      </p:grpSpPr>
-      <p:sp>
-        <p:nvSpPr>
-          <p:cNvPr id="2" name="Title 1"/>
-          <p:cNvSpPr>
-            <a:spLocks noGrp="1"/>
-          </p:cNvSpPr>
-          <p:nvPr>
-            <p:ph type="title"/>
-          </p:nvPr>
-        </p:nvSpPr>
-        <p:spPr/>
-        <p:txBody>
-          <a:bodyPr/>
-          <a:lstStyle/>
-          <a:p>
-            <a:r>
-              <a:rPr lang="en-US" dirty="0"/>
-              <a:t>Search protein sequences using a remote service</a:t>
-            </a:r>
-          </a:p>
-        </p:txBody>
-      </p:sp>
-      <p:sp>
-        <p:nvSpPr>
-          <p:cNvPr id="3" name="Content Placeholder 2"/>
-          <p:cNvSpPr>
-            <a:spLocks noGrp="1"/>
-          </p:cNvSpPr>
-          <p:nvPr>
-            <p:ph idx="1"/>
-          </p:nvPr>
-        </p:nvSpPr>
-        <p:spPr>
-          <a:xfrm>
-            <a:off x="538695" y="1063364"/>
-            <a:ext cx="8205579" cy="1522043"/>
-          </a:xfrm>
-        </p:spPr>
-        <p:txBody>
-          <a:bodyPr>
-            <a:noAutofit/>
-          </a:bodyPr>
-          <a:lstStyle/>
-          <a:p>
-            <a:pPr marL="0" indent="0">
-              <a:buNone/>
-            </a:pPr>
-            <a:r>
-              <a:rPr lang="en-US" sz="2800" b="1" dirty="0" err="1">
-                <a:solidFill>
-                  <a:srgbClr val="FF0000"/>
-                </a:solidFill>
-                <a:latin typeface="Courier New"/>
-                <a:cs typeface="Courier New"/>
-              </a:rPr>
-              <a:t>blastp</a:t>
-            </a:r>
-            <a:r>
-              <a:rPr lang="en-US" sz="2800" dirty="0">
-                <a:latin typeface="Courier New"/>
-                <a:cs typeface="Courier New"/>
-              </a:rPr>
-              <a:t> -query MG1655pepseq.fa \</a:t>
-            </a:r>
-          </a:p>
-          <a:p>
-            <a:pPr marL="0" indent="0">
-              <a:buNone/>
-            </a:pPr>
-            <a:r>
-              <a:rPr lang="en-US" sz="2800" dirty="0">
-                <a:latin typeface="Courier New"/>
-                <a:cs typeface="Courier New"/>
-              </a:rPr>
-              <a:t>	-</a:t>
-            </a:r>
-            <a:r>
-              <a:rPr lang="en-US" sz="2800" dirty="0" err="1">
-                <a:latin typeface="Courier New"/>
-                <a:cs typeface="Courier New"/>
-              </a:rPr>
-              <a:t>db</a:t>
-            </a:r>
-            <a:r>
-              <a:rPr lang="en-US" sz="2800" dirty="0">
-                <a:latin typeface="Courier New"/>
-                <a:cs typeface="Courier New"/>
-              </a:rPr>
-              <a:t> nr -</a:t>
-            </a:r>
-            <a:r>
-              <a:rPr lang="en-US" sz="2800" dirty="0" err="1">
-                <a:latin typeface="Courier New"/>
-                <a:cs typeface="Courier New"/>
-              </a:rPr>
-              <a:t>outfmt</a:t>
-            </a:r>
-            <a:r>
-              <a:rPr lang="en-US" sz="2800" dirty="0">
-                <a:latin typeface="Courier New"/>
-                <a:cs typeface="Courier New"/>
-              </a:rPr>
-              <a:t> 6 -remote \</a:t>
-            </a:r>
-          </a:p>
-          <a:p>
-            <a:pPr marL="0" indent="0">
-              <a:buNone/>
-            </a:pPr>
-            <a:r>
-              <a:rPr lang="fi-FI" sz="2800" dirty="0">
-                <a:latin typeface="Courier New"/>
-                <a:cs typeface="Courier New"/>
-              </a:rPr>
-              <a:t>-</a:t>
-            </a:r>
-            <a:r>
-              <a:rPr lang="fi-FI" sz="2800" dirty="0" err="1">
-                <a:latin typeface="Courier New"/>
-                <a:cs typeface="Courier New"/>
-              </a:rPr>
-              <a:t>evalue</a:t>
-            </a:r>
-            <a:r>
-              <a:rPr lang="fi-FI" sz="2800" dirty="0">
-                <a:latin typeface="Courier New"/>
-                <a:cs typeface="Courier New"/>
-              </a:rPr>
-              <a:t> 1e-100 </a:t>
-            </a:r>
-            <a:r>
-              <a:rPr lang="fi-FI" sz="2800" dirty="0">
-                <a:solidFill>
-                  <a:srgbClr val="FF0000"/>
-                </a:solidFill>
-                <a:latin typeface="Courier New"/>
-                <a:cs typeface="Courier New"/>
-              </a:rPr>
-              <a:t>-</a:t>
-            </a:r>
-            <a:r>
-              <a:rPr lang="fi-FI" sz="2800" dirty="0" err="1">
-                <a:solidFill>
-                  <a:srgbClr val="FF0000"/>
-                </a:solidFill>
-                <a:latin typeface="Courier New"/>
-                <a:cs typeface="Courier New"/>
-              </a:rPr>
-              <a:t>max_target_seqs</a:t>
-            </a:r>
-            <a:r>
-              <a:rPr lang="fi-FI" sz="2800" dirty="0">
-                <a:latin typeface="Courier New"/>
-                <a:cs typeface="Courier New"/>
-              </a:rPr>
-              <a:t> 1</a:t>
-            </a:r>
-          </a:p>
-        </p:txBody>
-      </p:sp>
-      <p:sp>
-        <p:nvSpPr>
-          <p:cNvPr id="4" name="TextBox 3"/>
-          <p:cNvSpPr txBox="1"/>
-          <p:nvPr/>
-        </p:nvSpPr>
-        <p:spPr>
-          <a:xfrm>
-            <a:off x="1760821" y="3212176"/>
-            <a:ext cx="6008376" cy="523220"/>
-          </a:xfrm>
-          <a:prstGeom prst="rect">
-            <a:avLst/>
-          </a:prstGeom>
-          <a:noFill/>
-        </p:spPr>
-        <p:txBody>
-          <a:bodyPr wrap="none" rtlCol="0">
-            <a:spAutoFit/>
-          </a:bodyPr>
-          <a:lstStyle/>
-          <a:p>
-            <a:r>
-              <a:rPr lang="en-US" sz="2800" dirty="0"/>
-              <a:t>Output only one hit if hits can be found.</a:t>
-            </a:r>
-          </a:p>
-        </p:txBody>
-      </p:sp>
-      <p:sp>
-        <p:nvSpPr>
-          <p:cNvPr id="5" name="TextBox 4"/>
-          <p:cNvSpPr txBox="1"/>
-          <p:nvPr/>
-        </p:nvSpPr>
-        <p:spPr>
-          <a:xfrm>
-            <a:off x="563467" y="4362165"/>
-            <a:ext cx="8180807" cy="246221"/>
-          </a:xfrm>
-          <a:prstGeom prst="rect">
-            <a:avLst/>
-          </a:prstGeom>
-          <a:noFill/>
-        </p:spPr>
-        <p:txBody>
-          <a:bodyPr wrap="square" rtlCol="0">
-            <a:spAutoFit/>
-          </a:bodyPr>
-          <a:lstStyle/>
-          <a:p>
-            <a:r>
-              <a:rPr lang="is-IS" sz="1000" dirty="0"/>
-              <a:t>C321.deltaA	gi|446843038|ref|WP_000920294.1|	100.00	450	0	0	1	450	1	450	0.0	  916</a:t>
-            </a:r>
-            <a:endParaRPr lang="en-US" sz="1000" dirty="0"/>
-          </a:p>
-        </p:txBody>
-      </p:sp>
-    </p:spTree>
-    <p:extLst>
-      <p:ext uri="{BB962C8B-B14F-4D97-AF65-F5344CB8AC3E}">
-        <p14:creationId xmlns:p14="http://schemas.microsoft.com/office/powerpoint/2010/main" val="831203829"/>
-      </p:ext>
-    </p:extLst>
-  </p:cSld>
-  <p:clrMapOvr>
-    <a:masterClrMapping/>
-  </p:clrMapOvr>
-</p:sld>
-</file>
-
 <file path=ppt/slides/slide17.xml><?xml version="1.0" encoding="utf-8"?>
 <p:sld xmlns:a="http://schemas.openxmlformats.org/drawingml/2006/main" xmlns:r="http://schemas.openxmlformats.org/officeDocument/2006/relationships" xmlns:p="http://schemas.openxmlformats.org/presentationml/2006/main">
   <p:cSld>
@@ -8213,7 +8284,7 @@
           <a:p>
             <a:r>
               <a:rPr lang="en-US" dirty="0"/>
-              <a:t>Extract sequences or subsequences</a:t>
+              <a:t>Search protein sequences using a remote service</a:t>
             </a:r>
           </a:p>
         </p:txBody>
@@ -8230,252 +8301,195 @@
         </p:nvSpPr>
         <p:spPr>
           <a:xfrm>
-            <a:off x="567268" y="995967"/>
-            <a:ext cx="8339668" cy="3804633"/>
+            <a:off x="538695" y="1063364"/>
+            <a:ext cx="8205579" cy="1522043"/>
           </a:xfrm>
         </p:spPr>
         <p:txBody>
           <a:bodyPr>
-            <a:normAutofit lnSpcReduction="10000"/>
+            <a:noAutofit/>
           </a:bodyPr>
           <a:lstStyle/>
           <a:p>
-            <a:pPr>
-              <a:lnSpc>
-                <a:spcPct val="90000"/>
-              </a:lnSpc>
-            </a:pPr>
-            <a:r>
-              <a:rPr lang="en-US" b="1" dirty="0" err="1">
+            <a:pPr marL="0" indent="0">
+              <a:buNone/>
+            </a:pPr>
+            <a:r>
+              <a:rPr lang="en-US" sz="2800" b="1" dirty="0" err="1">
                 <a:solidFill>
-                  <a:schemeClr val="tx2">
-                    <a:lumMod val="75000"/>
-                  </a:schemeClr>
+                  <a:srgbClr val="FF0000"/>
                 </a:solidFill>
-              </a:rPr>
-              <a:t>blastdbcmd</a:t>
-            </a:r>
-            <a:endParaRPr lang="en-US" b="1" dirty="0">
-              <a:solidFill>
-                <a:schemeClr val="tx2">
-                  <a:lumMod val="75000"/>
-                </a:schemeClr>
-              </a:solidFill>
-            </a:endParaRPr>
+                <a:latin typeface="Courier New"/>
+                <a:cs typeface="Courier New"/>
+              </a:rPr>
+              <a:t>blastp</a:t>
+            </a:r>
+            <a:r>
+              <a:rPr lang="en-US" sz="2800" dirty="0">
+                <a:latin typeface="Courier New"/>
+                <a:cs typeface="Courier New"/>
+              </a:rPr>
+              <a:t> -query MG1655pepseq.fa \</a:t>
+            </a:r>
           </a:p>
           <a:p>
             <a:pPr marL="0" indent="0">
-              <a:lnSpc>
-                <a:spcPct val="90000"/>
-              </a:lnSpc>
-              <a:buNone/>
-            </a:pPr>
+              <a:buNone/>
+            </a:pPr>
+            <a:r>
+              <a:rPr lang="en-US" sz="2800" dirty="0">
+                <a:latin typeface="Courier New"/>
+                <a:cs typeface="Courier New"/>
+              </a:rPr>
+              <a:t>	-</a:t>
+            </a:r>
             <a:r>
               <a:rPr lang="en-US" sz="2800" dirty="0" err="1">
                 <a:latin typeface="Courier New"/>
                 <a:cs typeface="Courier New"/>
               </a:rPr>
-              <a:t>blastdbcmd</a:t>
+              <a:t>db</a:t>
             </a:r>
             <a:r>
               <a:rPr lang="en-US" sz="2800" dirty="0">
                 <a:latin typeface="Courier New"/>
                 <a:cs typeface="Courier New"/>
               </a:rPr>
-              <a:t> -</a:t>
+              <a:t> nr -</a:t>
             </a:r>
             <a:r>
               <a:rPr lang="en-US" sz="2800" dirty="0" err="1">
                 <a:latin typeface="Courier New"/>
                 <a:cs typeface="Courier New"/>
               </a:rPr>
-              <a:t>db</a:t>
+              <a:t>outfmt</a:t>
             </a:r>
             <a:r>
               <a:rPr lang="en-US" sz="2800" dirty="0">
                 <a:latin typeface="Courier New"/>
                 <a:cs typeface="Courier New"/>
               </a:rPr>
-              <a:t> ../</a:t>
-            </a:r>
-            <a:r>
-              <a:rPr lang="en-US" sz="2800" dirty="0" err="1">
+              <a:t> 6 -remote \</a:t>
+            </a:r>
+          </a:p>
+          <a:p>
+            <a:pPr marL="0" indent="0">
+              <a:buNone/>
+            </a:pPr>
+            <a:r>
+              <a:rPr lang="fi-FI" sz="2800" dirty="0">
                 <a:latin typeface="Courier New"/>
                 <a:cs typeface="Courier New"/>
               </a:rPr>
-              <a:t>db</a:t>
-            </a:r>
-            <a:r>
-              <a:rPr lang="en-US" sz="2800" dirty="0">
+              <a:t>-</a:t>
+            </a:r>
+            <a:r>
+              <a:rPr lang="fi-FI" sz="2800" dirty="0" err="1">
                 <a:latin typeface="Courier New"/>
                 <a:cs typeface="Courier New"/>
               </a:rPr>
-              <a:t>/MG1655 -info</a:t>
-            </a:r>
-          </a:p>
-          <a:p>
-            <a:pPr marL="0" indent="0">
-              <a:lnSpc>
-                <a:spcPct val="90000"/>
-              </a:lnSpc>
-              <a:buNone/>
-            </a:pPr>
-            <a:endParaRPr lang="en-US" dirty="0"/>
-          </a:p>
-          <a:p>
-            <a:pPr marL="0" indent="0">
-              <a:lnSpc>
-                <a:spcPct val="90000"/>
-              </a:lnSpc>
-              <a:buNone/>
-            </a:pPr>
-            <a:r>
-              <a:rPr lang="en-US" dirty="0"/>
-              <a:t>Extract sequences from the database</a:t>
-            </a:r>
-          </a:p>
-          <a:p>
-            <a:pPr marL="0" indent="0">
-              <a:lnSpc>
-                <a:spcPct val="90000"/>
-              </a:lnSpc>
-              <a:buNone/>
-            </a:pPr>
-            <a:r>
-              <a:rPr lang="en-US" sz="2800" dirty="0" err="1">
+              <a:t>evalue</a:t>
+            </a:r>
+            <a:r>
+              <a:rPr lang="fi-FI" sz="2800" dirty="0">
                 <a:latin typeface="Courier New"/>
                 <a:cs typeface="Courier New"/>
               </a:rPr>
-              <a:t>blastdbcmd</a:t>
-            </a:r>
-            <a:r>
-              <a:rPr lang="en-US" sz="2800" dirty="0">
+              <a:t> 1e-100 </a:t>
+            </a:r>
+            <a:r>
+              <a:rPr lang="fi-FI" sz="2800" dirty="0">
+                <a:solidFill>
+                  <a:srgbClr val="FF0000"/>
+                </a:solidFill>
                 <a:latin typeface="Courier New"/>
                 <a:cs typeface="Courier New"/>
               </a:rPr>
-              <a:t> –</a:t>
-            </a:r>
-            <a:r>
-              <a:rPr lang="en-US" sz="2800" dirty="0" err="1">
+              <a:t>-</a:t>
+            </a:r>
+            <a:r>
+              <a:rPr lang="fi-FI" sz="2800" dirty="0" err="1">
+                <a:solidFill>
+                  <a:srgbClr val="FF0000"/>
+                </a:solidFill>
                 <a:latin typeface="Courier New"/>
                 <a:cs typeface="Courier New"/>
               </a:rPr>
-              <a:t>db</a:t>
-            </a:r>
-            <a:r>
-              <a:rPr lang="en-US" sz="2800" dirty="0">
+              <a:t>max_target_seqs</a:t>
+            </a:r>
+            <a:r>
+              <a:rPr lang="fi-FI" sz="2800" dirty="0">
                 <a:latin typeface="Courier New"/>
                 <a:cs typeface="Courier New"/>
               </a:rPr>
-              <a:t> ../</a:t>
-            </a:r>
-            <a:r>
-              <a:rPr lang="en-US" sz="2800" dirty="0" err="1">
-                <a:latin typeface="Courier New"/>
-                <a:cs typeface="Courier New"/>
-              </a:rPr>
-              <a:t>db</a:t>
-            </a:r>
-            <a:r>
-              <a:rPr lang="en-US" sz="2800" dirty="0">
-                <a:latin typeface="Courier New"/>
-                <a:cs typeface="Courier New"/>
-              </a:rPr>
-              <a:t>/MG1655 \</a:t>
-            </a:r>
-          </a:p>
-          <a:p>
-            <a:pPr marL="0" indent="0">
-              <a:lnSpc>
-                <a:spcPct val="90000"/>
-              </a:lnSpc>
-              <a:buNone/>
-            </a:pPr>
-            <a:r>
-              <a:rPr lang="en-US" sz="2800" dirty="0">
-                <a:latin typeface="Courier New"/>
-                <a:cs typeface="Courier New"/>
-              </a:rPr>
-              <a:t> -entry all -range 150-220</a:t>
-            </a:r>
-          </a:p>
-          <a:p>
-            <a:pPr marL="0" indent="0">
-              <a:lnSpc>
-                <a:spcPct val="90000"/>
-              </a:lnSpc>
-              <a:buNone/>
-            </a:pPr>
-            <a:endParaRPr lang="en-US" sz="1600" dirty="0">
-              <a:latin typeface="Courier New"/>
-              <a:cs typeface="Courier New"/>
-            </a:endParaRPr>
-          </a:p>
-          <a:p>
-            <a:pPr marL="0" indent="0">
-              <a:lnSpc>
-                <a:spcPct val="90000"/>
-              </a:lnSpc>
-              <a:buNone/>
-            </a:pPr>
-            <a:r>
-              <a:rPr lang="en-US" sz="1600" dirty="0">
-                <a:latin typeface="Courier New"/>
-                <a:cs typeface="Courier New"/>
-              </a:rPr>
-              <a:t>---output---</a:t>
-            </a:r>
-          </a:p>
-          <a:p>
-            <a:pPr marL="0" indent="0">
-              <a:lnSpc>
-                <a:spcPct val="90000"/>
-              </a:lnSpc>
-              <a:buNone/>
-            </a:pPr>
-            <a:r>
-              <a:rPr lang="en-US" sz="1600" dirty="0">
-                <a:latin typeface="Courier New"/>
-                <a:cs typeface="Courier New"/>
-              </a:rPr>
-              <a:t>&gt;gi|556503834|ref|NC_000913.3|:150-220 Escherichia coli str. K-12 </a:t>
-            </a:r>
-            <a:r>
-              <a:rPr lang="en-US" sz="1600" dirty="0" err="1">
-                <a:latin typeface="Courier New"/>
-                <a:cs typeface="Courier New"/>
-              </a:rPr>
-              <a:t>substr</a:t>
-            </a:r>
-            <a:r>
-              <a:rPr lang="en-US" sz="1600" dirty="0">
-                <a:latin typeface="Courier New"/>
-                <a:cs typeface="Courier New"/>
-              </a:rPr>
-              <a:t>. MG1655, complete genome</a:t>
-            </a:r>
-          </a:p>
-          <a:p>
-            <a:pPr marL="0" indent="0">
-              <a:lnSpc>
-                <a:spcPct val="90000"/>
-              </a:lnSpc>
-              <a:buNone/>
-            </a:pPr>
-            <a:r>
-              <a:rPr lang="en-US" sz="1600" dirty="0">
-                <a:latin typeface="Courier New"/>
-                <a:cs typeface="Courier New"/>
-              </a:rPr>
-              <a:t>AGCGCACAGACAGATAAAAATTACAGAGTACACAACATCCATGAAACGCATTAGCACCACCATTACCACCA</a:t>
-            </a:r>
+              <a:t> 1</a:t>
+            </a:r>
+          </a:p>
+        </p:txBody>
+      </p:sp>
+      <p:sp>
+        <p:nvSpPr>
+          <p:cNvPr id="4" name="TextBox 3"/>
+          <p:cNvSpPr txBox="1"/>
+          <p:nvPr/>
+        </p:nvSpPr>
+        <p:spPr>
+          <a:xfrm>
+            <a:off x="1760821" y="3212176"/>
+            <a:ext cx="6008376" cy="523220"/>
+          </a:xfrm>
+          <a:prstGeom prst="rect">
+            <a:avLst/>
+          </a:prstGeom>
+          <a:noFill/>
+        </p:spPr>
+        <p:txBody>
+          <a:bodyPr wrap="none" rtlCol="0">
+            <a:spAutoFit/>
+          </a:bodyPr>
+          <a:lstStyle/>
+          <a:p>
+            <a:r>
+              <a:rPr lang="en-US" sz="2800" dirty="0"/>
+              <a:t>Output only one hit if hits can be found.</a:t>
+            </a:r>
+          </a:p>
+        </p:txBody>
+      </p:sp>
+      <p:sp>
+        <p:nvSpPr>
+          <p:cNvPr id="5" name="TextBox 4"/>
+          <p:cNvSpPr txBox="1"/>
+          <p:nvPr/>
+        </p:nvSpPr>
+        <p:spPr>
+          <a:xfrm>
+            <a:off x="563467" y="4362165"/>
+            <a:ext cx="8180807" cy="246221"/>
+          </a:xfrm>
+          <a:prstGeom prst="rect">
+            <a:avLst/>
+          </a:prstGeom>
+          <a:noFill/>
+        </p:spPr>
+        <p:txBody>
+          <a:bodyPr wrap="square" rtlCol="0">
+            <a:spAutoFit/>
+          </a:bodyPr>
+          <a:lstStyle/>
+          <a:p>
+            <a:r>
+              <a:rPr lang="is-IS" sz="1000" dirty="0"/>
+              <a:t>C321.deltaA	gi|446843038|ref|WP_000920294.1|	100.00	450	0	0	1	450	1	450	0.0	  916</a:t>
+            </a:r>
+            <a:endParaRPr lang="en-US" sz="1000" dirty="0"/>
           </a:p>
         </p:txBody>
       </p:sp>
     </p:spTree>
     <p:extLst>
       <p:ext uri="{BB962C8B-B14F-4D97-AF65-F5344CB8AC3E}">
-        <p14:creationId xmlns:p14="http://schemas.microsoft.com/office/powerpoint/2010/main" val="3120825335"/>
+        <p14:creationId xmlns:p14="http://schemas.microsoft.com/office/powerpoint/2010/main" val="831203829"/>
       </p:ext>
     </p:extLst>
   </p:cSld>
@@ -8519,15 +8533,7 @@
           <a:p>
             <a:r>
               <a:rPr lang="en-US" dirty="0"/>
-              <a:t>Extract sequences using </a:t>
-            </a:r>
-            <a:r>
-              <a:rPr lang="en-US" dirty="0" err="1"/>
-              <a:t>Gi</a:t>
-            </a:r>
-            <a:r>
-              <a:rPr lang="en-US" dirty="0"/>
-              <a:t> ID</a:t>
+              <a:t>Extract sequences or subsequences</a:t>
             </a:r>
           </a:p>
         </p:txBody>
@@ -8544,8 +8550,8 @@
         </p:nvSpPr>
         <p:spPr>
           <a:xfrm>
-            <a:off x="402166" y="1114402"/>
-            <a:ext cx="8339668" cy="3115202"/>
+            <a:off x="567268" y="995967"/>
+            <a:ext cx="8339668" cy="3804633"/>
           </a:xfrm>
         </p:spPr>
         <p:txBody>
@@ -8554,33 +8560,170 @@
           </a:bodyPr>
           <a:lstStyle/>
           <a:p>
+            <a:pPr>
+              <a:lnSpc>
+                <a:spcPct val="90000"/>
+              </a:lnSpc>
+            </a:pPr>
+            <a:r>
+              <a:rPr lang="en-US" b="1" dirty="0" err="1">
+                <a:solidFill>
+                  <a:schemeClr val="tx2">
+                    <a:lumMod val="75000"/>
+                  </a:schemeClr>
+                </a:solidFill>
+              </a:rPr>
+              <a:t>blastdbcmd</a:t>
+            </a:r>
+            <a:endParaRPr lang="en-US" b="1" dirty="0">
+              <a:solidFill>
+                <a:schemeClr val="tx2">
+                  <a:lumMod val="75000"/>
+                </a:schemeClr>
+              </a:solidFill>
+            </a:endParaRPr>
+          </a:p>
+          <a:p>
             <a:pPr marL="0" indent="0">
-              <a:buNone/>
-            </a:pPr>
-            <a:r>
-              <a:rPr lang="en-US" sz="1600" dirty="0">
+              <a:lnSpc>
+                <a:spcPct val="90000"/>
+              </a:lnSpc>
+              <a:buNone/>
+            </a:pPr>
+            <a:r>
+              <a:rPr lang="en-US" sz="2800" dirty="0" err="1">
                 <a:latin typeface="Courier New"/>
                 <a:cs typeface="Courier New"/>
               </a:rPr>
-              <a:t># Use </a:t>
-            </a:r>
-            <a:r>
-              <a:rPr lang="en-US" sz="1600" dirty="0" err="1">
+              <a:t>blastdbcmd</a:t>
+            </a:r>
+            <a:r>
+              <a:rPr lang="en-US" sz="2800" dirty="0">
                 <a:latin typeface="Courier New"/>
                 <a:cs typeface="Courier New"/>
               </a:rPr>
-              <a:t>Gi</a:t>
-            </a:r>
-            <a:r>
-              <a:rPr lang="en-US" sz="1600" dirty="0">
+              <a:t> -</a:t>
+            </a:r>
+            <a:r>
+              <a:rPr lang="en-US" sz="2800" dirty="0" err="1">
                 <a:latin typeface="Courier New"/>
                 <a:cs typeface="Courier New"/>
               </a:rPr>
-              <a:t> ID to search*</a:t>
+              <a:t>db</a:t>
+            </a:r>
+            <a:r>
+              <a:rPr lang="en-US" sz="2800" dirty="0">
+                <a:latin typeface="Courier New"/>
+                <a:cs typeface="Courier New"/>
+              </a:rPr>
+              <a:t> ../</a:t>
+            </a:r>
+            <a:r>
+              <a:rPr lang="en-US" sz="2800" dirty="0" err="1">
+                <a:latin typeface="Courier New"/>
+                <a:cs typeface="Courier New"/>
+              </a:rPr>
+              <a:t>db</a:t>
+            </a:r>
+            <a:r>
+              <a:rPr lang="en-US" sz="2800" dirty="0">
+                <a:latin typeface="Courier New"/>
+                <a:cs typeface="Courier New"/>
+              </a:rPr>
+              <a:t>/MG1655 -info</a:t>
             </a:r>
           </a:p>
           <a:p>
             <a:pPr marL="0" indent="0">
+              <a:lnSpc>
+                <a:spcPct val="90000"/>
+              </a:lnSpc>
+              <a:buNone/>
+            </a:pPr>
+            <a:endParaRPr lang="en-US" dirty="0"/>
+          </a:p>
+          <a:p>
+            <a:pPr marL="0" indent="0">
+              <a:lnSpc>
+                <a:spcPct val="90000"/>
+              </a:lnSpc>
+              <a:buNone/>
+            </a:pPr>
+            <a:r>
+              <a:rPr lang="en-US" dirty="0"/>
+              <a:t>Extract sequences from the database</a:t>
+            </a:r>
+          </a:p>
+          <a:p>
+            <a:pPr marL="0" indent="0">
+              <a:lnSpc>
+                <a:spcPct val="90000"/>
+              </a:lnSpc>
+              <a:buNone/>
+            </a:pPr>
+            <a:r>
+              <a:rPr lang="en-US" sz="2800" dirty="0" err="1">
+                <a:latin typeface="Courier New"/>
+                <a:cs typeface="Courier New"/>
+              </a:rPr>
+              <a:t>blastdbcmd</a:t>
+            </a:r>
+            <a:r>
+              <a:rPr lang="en-US" sz="2800" dirty="0">
+                <a:latin typeface="Courier New"/>
+                <a:cs typeface="Courier New"/>
+              </a:rPr>
+              <a:t> –</a:t>
+            </a:r>
+            <a:r>
+              <a:rPr lang="en-US" sz="2800" dirty="0" err="1">
+                <a:latin typeface="Courier New"/>
+                <a:cs typeface="Courier New"/>
+              </a:rPr>
+              <a:t>db</a:t>
+            </a:r>
+            <a:r>
+              <a:rPr lang="en-US" sz="2800" dirty="0">
+                <a:latin typeface="Courier New"/>
+                <a:cs typeface="Courier New"/>
+              </a:rPr>
+              <a:t> ../</a:t>
+            </a:r>
+            <a:r>
+              <a:rPr lang="en-US" sz="2800" dirty="0" err="1">
+                <a:latin typeface="Courier New"/>
+                <a:cs typeface="Courier New"/>
+              </a:rPr>
+              <a:t>db</a:t>
+            </a:r>
+            <a:r>
+              <a:rPr lang="en-US" sz="2800" dirty="0">
+                <a:latin typeface="Courier New"/>
+                <a:cs typeface="Courier New"/>
+              </a:rPr>
+              <a:t>/MG1655 \</a:t>
+            </a:r>
+          </a:p>
+          <a:p>
+            <a:pPr marL="0" indent="0">
+              <a:lnSpc>
+                <a:spcPct val="90000"/>
+              </a:lnSpc>
+              <a:buNone/>
+            </a:pPr>
+            <a:r>
+              <a:rPr lang="en-US" sz="2800" dirty="0">
+                <a:latin typeface="Courier New"/>
+                <a:cs typeface="Courier New"/>
+              </a:rPr>
+              <a:t> -entry all -range 150-220</a:t>
+            </a:r>
+          </a:p>
+          <a:p>
+            <a:pPr marL="0" indent="0">
+              <a:lnSpc>
+                <a:spcPct val="90000"/>
+              </a:lnSpc>
               <a:buNone/>
             </a:pPr>
             <a:endParaRPr lang="en-US" sz="1600" dirty="0">
@@ -8590,74 +8733,9 @@
           </a:p>
           <a:p>
             <a:pPr marL="0" indent="0">
-              <a:buNone/>
-            </a:pPr>
-            <a:r>
-              <a:rPr lang="en-US" sz="2800" dirty="0" err="1">
-                <a:latin typeface="Courier New"/>
-                <a:cs typeface="Courier New"/>
-              </a:rPr>
-              <a:t>blastdbcmd</a:t>
-            </a:r>
-            <a:r>
-              <a:rPr lang="en-US" sz="2800" dirty="0">
-                <a:latin typeface="Courier New"/>
-                <a:cs typeface="Courier New"/>
-              </a:rPr>
-              <a:t> –</a:t>
-            </a:r>
-            <a:r>
-              <a:rPr lang="en-US" sz="2800" dirty="0" err="1">
-                <a:latin typeface="Courier New"/>
-                <a:cs typeface="Courier New"/>
-              </a:rPr>
-              <a:t>db</a:t>
-            </a:r>
-            <a:r>
-              <a:rPr lang="en-US" sz="2800" dirty="0">
-                <a:latin typeface="Courier New"/>
-                <a:cs typeface="Courier New"/>
-              </a:rPr>
-              <a:t> ../</a:t>
-            </a:r>
-            <a:r>
-              <a:rPr lang="en-US" sz="2800" dirty="0" err="1">
-                <a:latin typeface="Courier New"/>
-                <a:cs typeface="Courier New"/>
-              </a:rPr>
-              <a:t>db</a:t>
-            </a:r>
-            <a:r>
-              <a:rPr lang="en-US" sz="2800" dirty="0">
-                <a:latin typeface="Courier New"/>
-                <a:cs typeface="Courier New"/>
-              </a:rPr>
-              <a:t>/MG1655 \</a:t>
-            </a:r>
-          </a:p>
-          <a:p>
-            <a:pPr marL="0" indent="0">
-              <a:buNone/>
-            </a:pPr>
-            <a:r>
-              <a:rPr lang="en-US" sz="2800" dirty="0">
-                <a:latin typeface="Courier New"/>
-                <a:cs typeface="Courier New"/>
-              </a:rPr>
-              <a:t> -entry 556503834 -range 150-220</a:t>
-            </a:r>
-          </a:p>
-          <a:p>
-            <a:pPr marL="0" indent="0">
-              <a:buNone/>
-            </a:pPr>
-            <a:endParaRPr lang="en-US" sz="1600" dirty="0">
-              <a:latin typeface="Courier New"/>
-              <a:cs typeface="Courier New"/>
-            </a:endParaRPr>
-          </a:p>
-          <a:p>
-            <a:pPr marL="0" indent="0">
+              <a:lnSpc>
+                <a:spcPct val="90000"/>
+              </a:lnSpc>
               <a:buNone/>
             </a:pPr>
             <a:r>
@@ -8670,6 +8748,9 @@
           </a:p>
           <a:p>
             <a:pPr marL="0" indent="0">
+              <a:lnSpc>
+                <a:spcPct val="90000"/>
+              </a:lnSpc>
               <a:buNone/>
             </a:pPr>
             <a:r>
@@ -8696,6 +8777,9 @@
           </a:p>
           <a:p>
             <a:pPr marL="0" indent="0">
+              <a:lnSpc>
+                <a:spcPct val="90000"/>
+              </a:lnSpc>
               <a:buNone/>
             </a:pPr>
             <a:r>
@@ -8708,99 +8792,10 @@
           </a:p>
         </p:txBody>
       </p:sp>
-      <p:sp>
-        <p:nvSpPr>
-          <p:cNvPr id="4" name="TextBox 3"/>
-          <p:cNvSpPr txBox="1"/>
-          <p:nvPr/>
-        </p:nvSpPr>
-        <p:spPr>
-          <a:xfrm>
-            <a:off x="457200" y="4327454"/>
-            <a:ext cx="6371982" cy="461665"/>
-          </a:xfrm>
-          <a:prstGeom prst="rect">
-            <a:avLst/>
-          </a:prstGeom>
-          <a:noFill/>
-        </p:spPr>
-        <p:txBody>
-          <a:bodyPr wrap="none" rtlCol="0">
-            <a:spAutoFit/>
-          </a:bodyPr>
-          <a:lstStyle/>
-          <a:p>
-            <a:r>
-              <a:rPr lang="en-US" sz="1200" dirty="0"/>
-              <a:t>* Database formatting must add –</a:t>
-            </a:r>
-            <a:r>
-              <a:rPr lang="en-US" sz="1200" dirty="0" err="1"/>
-              <a:t>parse_seqids</a:t>
-            </a:r>
-            <a:endParaRPr lang="en-US" sz="1200" dirty="0"/>
-          </a:p>
-          <a:p>
-            <a:r>
-              <a:rPr lang="en-US" sz="1200" dirty="0" err="1">
-                <a:latin typeface="Courier New"/>
-                <a:cs typeface="Courier New"/>
-              </a:rPr>
-              <a:t>makeblastdb</a:t>
-            </a:r>
-            <a:r>
-              <a:rPr lang="en-US" sz="1200" dirty="0">
-                <a:latin typeface="Courier New"/>
-                <a:cs typeface="Courier New"/>
-              </a:rPr>
-              <a:t> -in MG1655.fasta -out MG1655 -</a:t>
-            </a:r>
-            <a:r>
-              <a:rPr lang="en-US" sz="1200" dirty="0" err="1">
-                <a:latin typeface="Courier New"/>
-                <a:cs typeface="Courier New"/>
-              </a:rPr>
-              <a:t>dbtype</a:t>
-            </a:r>
-            <a:r>
-              <a:rPr lang="en-US" sz="1200" dirty="0">
-                <a:latin typeface="Courier New"/>
-                <a:cs typeface="Courier New"/>
-              </a:rPr>
-              <a:t> </a:t>
-            </a:r>
-            <a:r>
-              <a:rPr lang="en-US" sz="1200" dirty="0" err="1">
-                <a:latin typeface="Courier New"/>
-                <a:cs typeface="Courier New"/>
-              </a:rPr>
-              <a:t>nucl</a:t>
-            </a:r>
-            <a:r>
-              <a:rPr lang="en-US" sz="1200" dirty="0">
-                <a:latin typeface="Courier New"/>
-                <a:cs typeface="Courier New"/>
-              </a:rPr>
-              <a:t> -</a:t>
-            </a:r>
-            <a:r>
-              <a:rPr lang="en-US" sz="1200" dirty="0" err="1">
-                <a:latin typeface="Courier New"/>
-                <a:cs typeface="Courier New"/>
-              </a:rPr>
-              <a:t>parse_seqids</a:t>
-            </a:r>
-            <a:endParaRPr lang="en-US" sz="1200" dirty="0">
-              <a:latin typeface="Courier New"/>
-              <a:cs typeface="Courier New"/>
-            </a:endParaRPr>
-          </a:p>
-        </p:txBody>
-      </p:sp>
     </p:spTree>
     <p:extLst>
       <p:ext uri="{BB962C8B-B14F-4D97-AF65-F5344CB8AC3E}">
-        <p14:creationId xmlns:p14="http://schemas.microsoft.com/office/powerpoint/2010/main" val="428381979"/>
+        <p14:creationId xmlns:p14="http://schemas.microsoft.com/office/powerpoint/2010/main" val="3120825335"/>
       </p:ext>
     </p:extLst>
   </p:cSld>
@@ -8829,13 +8824,7 @@
       </p:grpSpPr>
       <p:sp>
         <p:nvSpPr>
-          <p:cNvPr id="2" name="Title 1">
-            <a:extLst>
-              <a:ext uri="{FF2B5EF4-FFF2-40B4-BE49-F238E27FC236}">
-                <a16:creationId xmlns:a16="http://schemas.microsoft.com/office/drawing/2014/main" id="{AA926515-48B8-6E23-CF86-4933C0D1F948}"/>
-              </a:ext>
-            </a:extLst>
-          </p:cNvPr>
+          <p:cNvPr id="2" name="Title 1"/>
           <p:cNvSpPr>
             <a:spLocks noGrp="1"/>
           </p:cNvSpPr>
@@ -8850,20 +8839,22 @@
           <a:p>
             <a:r>
               <a:rPr lang="en-US" dirty="0"/>
-              <a:t>Problem 2</a:t>
-            </a:r>
-          </a:p>
-        </p:txBody>
-      </p:sp>
-      <p:sp>
-        <p:nvSpPr>
-          <p:cNvPr id="3" name="Content Placeholder 2">
-            <a:extLst>
-              <a:ext uri="{FF2B5EF4-FFF2-40B4-BE49-F238E27FC236}">
-                <a16:creationId xmlns:a16="http://schemas.microsoft.com/office/drawing/2014/main" id="{C02AEF2A-B239-DE39-1442-6649CD572784}"/>
-              </a:ext>
-            </a:extLst>
-          </p:cNvPr>
+              <a:t>Extract sequences using </a:t>
+            </a:r>
+            <a:r>
+              <a:rPr lang="en-US" dirty="0" err="1"/>
+              <a:t>Gi</a:t>
+            </a:r>
+            <a:r>
+              <a:rPr lang="en-US" dirty="0"/>
+              <a:t> ID</a:t>
+            </a:r>
+          </a:p>
+        </p:txBody>
+      </p:sp>
+      <p:sp>
+        <p:nvSpPr>
+          <p:cNvPr id="3" name="Content Placeholder 2"/>
           <p:cNvSpPr>
             <a:spLocks noGrp="1"/>
           </p:cNvSpPr>
@@ -8873,70 +8864,180 @@
         </p:nvSpPr>
         <p:spPr>
           <a:xfrm>
-            <a:off x="457200" y="1038657"/>
-            <a:ext cx="8229600" cy="1712707"/>
+            <a:off x="402166" y="1114402"/>
+            <a:ext cx="8339668" cy="3115202"/>
           </a:xfrm>
         </p:spPr>
         <p:txBody>
-          <a:bodyPr/>
+          <a:bodyPr>
+            <a:normAutofit lnSpcReduction="10000"/>
+          </a:bodyPr>
           <a:lstStyle/>
           <a:p>
-            <a:r>
-              <a:rPr lang="en-US" dirty="0"/>
-              <a:t>Create a FASTA file containing both </a:t>
-            </a:r>
-            <a:r>
-              <a:rPr lang="en-US" dirty="0" err="1"/>
-              <a:t>ZmA</a:t>
-            </a:r>
-            <a:r>
-              <a:rPr lang="en-US" dirty="0"/>
-              <a:t> and </a:t>
-            </a:r>
-            <a:r>
-              <a:rPr lang="en-US" dirty="0" err="1"/>
-              <a:t>ZmB</a:t>
-            </a:r>
-            <a:endParaRPr lang="en-US" dirty="0"/>
-          </a:p>
-          <a:p>
-            <a:r>
-              <a:rPr lang="en-US" dirty="0"/>
-              <a:t>Make a BLAST database using the new FASTA file</a:t>
-            </a:r>
-          </a:p>
-          <a:p>
-            <a:r>
-              <a:rPr lang="en-US" dirty="0"/>
-              <a:t>Use “</a:t>
-            </a:r>
-            <a:r>
-              <a:rPr lang="en-US" dirty="0" err="1"/>
-              <a:t>blastn</a:t>
-            </a:r>
-            <a:r>
-              <a:rPr lang="en-US" dirty="0"/>
-              <a:t>” to search the following sequence in this new FASTA file</a:t>
-            </a:r>
-          </a:p>
-        </p:txBody>
-      </p:sp>
-      <p:sp>
-        <p:nvSpPr>
-          <p:cNvPr id="4" name="TextBox 3">
-            <a:extLst>
-              <a:ext uri="{FF2B5EF4-FFF2-40B4-BE49-F238E27FC236}">
-                <a16:creationId xmlns:a16="http://schemas.microsoft.com/office/drawing/2014/main" id="{3C2D3FAE-ED4B-B1D5-F00C-CC3CFBA7311A}"/>
-              </a:ext>
-            </a:extLst>
-          </p:cNvPr>
+            <a:pPr marL="0" indent="0">
+              <a:buNone/>
+            </a:pPr>
+            <a:r>
+              <a:rPr lang="en-US" sz="1600" dirty="0">
+                <a:latin typeface="Courier New"/>
+                <a:cs typeface="Courier New"/>
+              </a:rPr>
+              <a:t># Use </a:t>
+            </a:r>
+            <a:r>
+              <a:rPr lang="en-US" sz="1600" dirty="0" err="1">
+                <a:latin typeface="Courier New"/>
+                <a:cs typeface="Courier New"/>
+              </a:rPr>
+              <a:t>Gi</a:t>
+            </a:r>
+            <a:r>
+              <a:rPr lang="en-US" sz="1600" dirty="0">
+                <a:latin typeface="Courier New"/>
+                <a:cs typeface="Courier New"/>
+              </a:rPr>
+              <a:t> ID to search*</a:t>
+            </a:r>
+          </a:p>
+          <a:p>
+            <a:pPr marL="0" indent="0">
+              <a:buNone/>
+            </a:pPr>
+            <a:endParaRPr lang="en-US" sz="1600" dirty="0">
+              <a:latin typeface="Courier New"/>
+              <a:cs typeface="Courier New"/>
+            </a:endParaRPr>
+          </a:p>
+          <a:p>
+            <a:pPr marL="0" indent="0">
+              <a:buNone/>
+            </a:pPr>
+            <a:r>
+              <a:rPr lang="en-US" sz="2800" dirty="0" err="1">
+                <a:latin typeface="Courier New"/>
+                <a:cs typeface="Courier New"/>
+              </a:rPr>
+              <a:t>blastdbcmd</a:t>
+            </a:r>
+            <a:r>
+              <a:rPr lang="en-US" sz="2800" dirty="0">
+                <a:latin typeface="Courier New"/>
+                <a:cs typeface="Courier New"/>
+              </a:rPr>
+              <a:t> –</a:t>
+            </a:r>
+            <a:r>
+              <a:rPr lang="en-US" sz="2800" dirty="0" err="1">
+                <a:latin typeface="Courier New"/>
+                <a:cs typeface="Courier New"/>
+              </a:rPr>
+              <a:t>db</a:t>
+            </a:r>
+            <a:r>
+              <a:rPr lang="en-US" sz="2800" dirty="0">
+                <a:latin typeface="Courier New"/>
+                <a:cs typeface="Courier New"/>
+              </a:rPr>
+              <a:t> ../</a:t>
+            </a:r>
+            <a:r>
+              <a:rPr lang="en-US" sz="2800" dirty="0" err="1">
+                <a:latin typeface="Courier New"/>
+                <a:cs typeface="Courier New"/>
+              </a:rPr>
+              <a:t>db</a:t>
+            </a:r>
+            <a:r>
+              <a:rPr lang="en-US" sz="2800" dirty="0">
+                <a:latin typeface="Courier New"/>
+                <a:cs typeface="Courier New"/>
+              </a:rPr>
+              <a:t>/MG1655 \</a:t>
+            </a:r>
+          </a:p>
+          <a:p>
+            <a:pPr marL="0" indent="0">
+              <a:buNone/>
+            </a:pPr>
+            <a:r>
+              <a:rPr lang="en-US" sz="2800" dirty="0">
+                <a:latin typeface="Courier New"/>
+                <a:cs typeface="Courier New"/>
+              </a:rPr>
+              <a:t> -entry 556503834 -range 150-220</a:t>
+            </a:r>
+          </a:p>
+          <a:p>
+            <a:pPr marL="0" indent="0">
+              <a:buNone/>
+            </a:pPr>
+            <a:endParaRPr lang="en-US" sz="1600" dirty="0">
+              <a:latin typeface="Courier New"/>
+              <a:cs typeface="Courier New"/>
+            </a:endParaRPr>
+          </a:p>
+          <a:p>
+            <a:pPr marL="0" indent="0">
+              <a:buNone/>
+            </a:pPr>
+            <a:r>
+              <a:rPr lang="en-US" sz="1600" dirty="0">
+                <a:latin typeface="Courier New"/>
+                <a:cs typeface="Courier New"/>
+              </a:rPr>
+              <a:t>---output---</a:t>
+            </a:r>
+          </a:p>
+          <a:p>
+            <a:pPr marL="0" indent="0">
+              <a:buNone/>
+            </a:pPr>
+            <a:r>
+              <a:rPr lang="en-US" sz="1600" dirty="0">
+                <a:latin typeface="Courier New"/>
+                <a:cs typeface="Courier New"/>
+              </a:rPr>
+              <a:t>&gt;gi|556503834|ref|NC_000913.3|:150-220 Escherichia coli str. K-12 </a:t>
+            </a:r>
+            <a:r>
+              <a:rPr lang="en-US" sz="1600" dirty="0" err="1">
+                <a:latin typeface="Courier New"/>
+                <a:cs typeface="Courier New"/>
+              </a:rPr>
+              <a:t>substr</a:t>
+            </a:r>
+            <a:r>
+              <a:rPr lang="en-US" sz="1600" dirty="0">
+                <a:latin typeface="Courier New"/>
+                <a:cs typeface="Courier New"/>
+              </a:rPr>
+              <a:t>. MG1655, complete genome</a:t>
+            </a:r>
+          </a:p>
+          <a:p>
+            <a:pPr marL="0" indent="0">
+              <a:buNone/>
+            </a:pPr>
+            <a:r>
+              <a:rPr lang="en-US" sz="1600" dirty="0">
+                <a:latin typeface="Courier New"/>
+                <a:cs typeface="Courier New"/>
+              </a:rPr>
+              <a:t>AGCGCACAGACAGATAAAAATTACAGAGTACACAACATCCATGAAACGCATTAGCACCACCATTACCACCA</a:t>
+            </a:r>
+          </a:p>
+        </p:txBody>
+      </p:sp>
+      <p:sp>
+        <p:nvSpPr>
+          <p:cNvPr id="4" name="TextBox 3"/>
           <p:cNvSpPr txBox="1"/>
           <p:nvPr/>
         </p:nvSpPr>
         <p:spPr>
           <a:xfrm>
-            <a:off x="591911" y="3027625"/>
-            <a:ext cx="8450036" cy="1077218"/>
+            <a:off x="457200" y="4327454"/>
+            <a:ext cx="6371982" cy="461665"/>
           </a:xfrm>
           <a:prstGeom prst="rect">
             <a:avLst/>
@@ -8944,34 +9045,82 @@
           <a:noFill/>
         </p:spPr>
         <p:txBody>
-          <a:bodyPr wrap="square" rtlCol="0">
+          <a:bodyPr wrap="none" rtlCol="0">
             <a:spAutoFit/>
           </a:bodyPr>
           <a:lstStyle/>
           <a:p>
             <a:r>
-              <a:rPr lang="en-US" sz="1600" dirty="0">
-                <a:latin typeface="Courier New" panose="02070309020205020404" pitchFamily="49" charset="0"/>
-                <a:cs typeface="Courier New" panose="02070309020205020404" pitchFamily="49" charset="0"/>
-              </a:rPr>
-              <a:t>&gt;query</a:t>
-            </a:r>
-          </a:p>
-          <a:p>
-            <a:r>
-              <a:rPr lang="en-US" sz="1600" dirty="0">
-                <a:latin typeface="Courier New" panose="02070309020205020404" pitchFamily="49" charset="0"/>
-                <a:cs typeface="Courier New" panose="02070309020205020404" pitchFamily="49" charset="0"/>
-              </a:rPr>
-              <a:t>GCCCAACTAATACCAATATATATAATACTACGCCTAATAATCCGATGCGATTAACGCCCACTGATGATGCATCCTTCTAAGTTCTAATGCTTCCTTAAGAACGTAGCTTGCCTGCCAATCCAGCCACAGCTGAAGCCTGAAGGCCAGTCGATGTAAAAG</a:t>
-            </a:r>
+              <a:rPr lang="en-US" sz="1200" dirty="0"/>
+              <a:t>* Database formatting must add –</a:t>
+            </a:r>
+            <a:r>
+              <a:rPr lang="en-US" sz="1200" dirty="0" err="1"/>
+              <a:t>parse_seqids</a:t>
+            </a:r>
+            <a:endParaRPr lang="en-US" sz="1200" dirty="0"/>
+          </a:p>
+          <a:p>
+            <a:r>
+              <a:rPr lang="en-US" sz="1200" dirty="0" err="1">
+                <a:latin typeface="Courier New"/>
+                <a:cs typeface="Courier New"/>
+              </a:rPr>
+              <a:t>makeblastdb</a:t>
+            </a:r>
+            <a:r>
+              <a:rPr lang="en-US" sz="1200" dirty="0">
+                <a:latin typeface="Courier New"/>
+                <a:cs typeface="Courier New"/>
+              </a:rPr>
+              <a:t> -in MG1655.fasta -out MG1655 -</a:t>
+            </a:r>
+            <a:r>
+              <a:rPr lang="en-US" sz="1200" dirty="0" err="1">
+                <a:latin typeface="Courier New"/>
+                <a:cs typeface="Courier New"/>
+              </a:rPr>
+              <a:t>dbtype</a:t>
+            </a:r>
+            <a:r>
+              <a:rPr lang="en-US" sz="1200" dirty="0">
+                <a:latin typeface="Courier New"/>
+                <a:cs typeface="Courier New"/>
+              </a:rPr>
+              <a:t> </a:t>
+            </a:r>
+            <a:r>
+              <a:rPr lang="en-US" sz="1200" dirty="0" err="1">
+                <a:latin typeface="Courier New"/>
+                <a:cs typeface="Courier New"/>
+              </a:rPr>
+              <a:t>nucl</a:t>
+            </a:r>
+            <a:r>
+              <a:rPr lang="en-US" sz="1200" dirty="0">
+                <a:latin typeface="Courier New"/>
+                <a:cs typeface="Courier New"/>
+              </a:rPr>
+              <a:t> -</a:t>
+            </a:r>
+            <a:r>
+              <a:rPr lang="en-US" sz="1200" dirty="0" err="1">
+                <a:latin typeface="Courier New"/>
+                <a:cs typeface="Courier New"/>
+              </a:rPr>
+              <a:t>parse_seqids</a:t>
+            </a:r>
+            <a:endParaRPr lang="en-US" sz="1200" dirty="0">
+              <a:latin typeface="Courier New"/>
+              <a:cs typeface="Courier New"/>
+            </a:endParaRPr>
           </a:p>
         </p:txBody>
       </p:sp>
     </p:spTree>
     <p:extLst>
       <p:ext uri="{BB962C8B-B14F-4D97-AF65-F5344CB8AC3E}">
-        <p14:creationId xmlns:p14="http://schemas.microsoft.com/office/powerpoint/2010/main" val="3054588135"/>
+        <p14:creationId xmlns:p14="http://schemas.microsoft.com/office/powerpoint/2010/main" val="428381979"/>
       </p:ext>
     </p:extLst>
   </p:cSld>
@@ -9098,6 +9247,177 @@
 </p:sld>
 </file>
 
+<file path=ppt/slides/slide20.xml><?xml version="1.0" encoding="utf-8"?>
+<p:sld xmlns:a="http://schemas.openxmlformats.org/drawingml/2006/main" xmlns:r="http://schemas.openxmlformats.org/officeDocument/2006/relationships" xmlns:p="http://schemas.openxmlformats.org/presentationml/2006/main">
+  <p:cSld>
+    <p:spTree>
+      <p:nvGrpSpPr>
+        <p:cNvPr id="1" name=""/>
+        <p:cNvGrpSpPr/>
+        <p:nvPr/>
+      </p:nvGrpSpPr>
+      <p:grpSpPr>
+        <a:xfrm>
+          <a:off x="0" y="0"/>
+          <a:ext cx="0" cy="0"/>
+          <a:chOff x="0" y="0"/>
+          <a:chExt cx="0" cy="0"/>
+        </a:xfrm>
+      </p:grpSpPr>
+      <p:sp>
+        <p:nvSpPr>
+          <p:cNvPr id="2" name="Title 1">
+            <a:extLst>
+              <a:ext uri="{FF2B5EF4-FFF2-40B4-BE49-F238E27FC236}">
+                <a16:creationId xmlns:a16="http://schemas.microsoft.com/office/drawing/2014/main" id="{AA926515-48B8-6E23-CF86-4933C0D1F948}"/>
+              </a:ext>
+            </a:extLst>
+          </p:cNvPr>
+          <p:cNvSpPr>
+            <a:spLocks noGrp="1"/>
+          </p:cNvSpPr>
+          <p:nvPr>
+            <p:ph type="title"/>
+          </p:nvPr>
+        </p:nvSpPr>
+        <p:spPr/>
+        <p:txBody>
+          <a:bodyPr/>
+          <a:lstStyle/>
+          <a:p>
+            <a:r>
+              <a:rPr lang="en-US" dirty="0"/>
+              <a:t>Problem 2</a:t>
+            </a:r>
+          </a:p>
+        </p:txBody>
+      </p:sp>
+      <p:sp>
+        <p:nvSpPr>
+          <p:cNvPr id="3" name="Content Placeholder 2">
+            <a:extLst>
+              <a:ext uri="{FF2B5EF4-FFF2-40B4-BE49-F238E27FC236}">
+                <a16:creationId xmlns:a16="http://schemas.microsoft.com/office/drawing/2014/main" id="{C02AEF2A-B239-DE39-1442-6649CD572784}"/>
+              </a:ext>
+            </a:extLst>
+          </p:cNvPr>
+          <p:cNvSpPr>
+            <a:spLocks noGrp="1"/>
+          </p:cNvSpPr>
+          <p:nvPr>
+            <p:ph idx="1"/>
+          </p:nvPr>
+        </p:nvSpPr>
+        <p:spPr>
+          <a:xfrm>
+            <a:off x="457200" y="1038657"/>
+            <a:ext cx="8229600" cy="1712707"/>
+          </a:xfrm>
+        </p:spPr>
+        <p:txBody>
+          <a:bodyPr/>
+          <a:lstStyle/>
+          <a:p>
+            <a:r>
+              <a:rPr lang="en-US" dirty="0"/>
+              <a:t>Create a FASTA file containing both </a:t>
+            </a:r>
+            <a:r>
+              <a:rPr lang="en-US" dirty="0" err="1"/>
+              <a:t>ZmA</a:t>
+            </a:r>
+            <a:r>
+              <a:rPr lang="en-US" dirty="0"/>
+              <a:t> and </a:t>
+            </a:r>
+            <a:r>
+              <a:rPr lang="en-US" dirty="0" err="1"/>
+              <a:t>ZmB</a:t>
+            </a:r>
+            <a:endParaRPr lang="en-US" dirty="0"/>
+          </a:p>
+          <a:p>
+            <a:r>
+              <a:rPr lang="en-US" dirty="0"/>
+              <a:t>Make a BLAST database using the new FASTA file</a:t>
+            </a:r>
+          </a:p>
+          <a:p>
+            <a:r>
+              <a:rPr lang="en-US" dirty="0"/>
+              <a:t>Use “</a:t>
+            </a:r>
+            <a:r>
+              <a:rPr lang="en-US" dirty="0" err="1"/>
+              <a:t>blastn</a:t>
+            </a:r>
+            <a:r>
+              <a:rPr lang="en-US" dirty="0"/>
+              <a:t>” to search the following sequence in this new FASTA file</a:t>
+            </a:r>
+          </a:p>
+        </p:txBody>
+      </p:sp>
+      <p:sp>
+        <p:nvSpPr>
+          <p:cNvPr id="4" name="TextBox 3">
+            <a:extLst>
+              <a:ext uri="{FF2B5EF4-FFF2-40B4-BE49-F238E27FC236}">
+                <a16:creationId xmlns:a16="http://schemas.microsoft.com/office/drawing/2014/main" id="{3C2D3FAE-ED4B-B1D5-F00C-CC3CFBA7311A}"/>
+              </a:ext>
+            </a:extLst>
+          </p:cNvPr>
+          <p:cNvSpPr txBox="1"/>
+          <p:nvPr/>
+        </p:nvSpPr>
+        <p:spPr>
+          <a:xfrm>
+            <a:off x="591911" y="3027625"/>
+            <a:ext cx="8450036" cy="1077218"/>
+          </a:xfrm>
+          <a:prstGeom prst="rect">
+            <a:avLst/>
+          </a:prstGeom>
+          <a:noFill/>
+        </p:spPr>
+        <p:txBody>
+          <a:bodyPr wrap="square" rtlCol="0">
+            <a:spAutoFit/>
+          </a:bodyPr>
+          <a:lstStyle/>
+          <a:p>
+            <a:r>
+              <a:rPr lang="en-US" sz="1600" dirty="0">
+                <a:latin typeface="Courier New" panose="02070309020205020404" pitchFamily="49" charset="0"/>
+                <a:cs typeface="Courier New" panose="02070309020205020404" pitchFamily="49" charset="0"/>
+              </a:rPr>
+              <a:t>&gt;query</a:t>
+            </a:r>
+          </a:p>
+          <a:p>
+            <a:r>
+              <a:rPr lang="en-US" sz="1600" dirty="0">
+                <a:latin typeface="Courier New" panose="02070309020205020404" pitchFamily="49" charset="0"/>
+                <a:cs typeface="Courier New" panose="02070309020205020404" pitchFamily="49" charset="0"/>
+              </a:rPr>
+              <a:t>GCCCAACTAATACCAATATATATAATACTACGCCTAATAATCCGATGCGATTAACGCCCACTGATGATGCATCCTTCTAAGTTCTAATGCTTCCTTAAGAACGTAGCTTGCCTGCCAATCCAGCCACAGCTGAAGCCTGAAGGCCAGTCGATGTAAAAG</a:t>
+            </a:r>
+          </a:p>
+        </p:txBody>
+      </p:sp>
+    </p:spTree>
+    <p:extLst>
+      <p:ext uri="{BB962C8B-B14F-4D97-AF65-F5344CB8AC3E}">
+        <p14:creationId xmlns:p14="http://schemas.microsoft.com/office/powerpoint/2010/main" val="3054588135"/>
+      </p:ext>
+    </p:extLst>
+  </p:cSld>
+  <p:clrMapOvr>
+    <a:masterClrMapping/>
+  </p:clrMapOvr>
+</p:sld>
+</file>
+
 <file path=ppt/slides/slide3.xml><?xml version="1.0" encoding="utf-8"?>
 <p:sld xmlns:a="http://schemas.openxmlformats.org/drawingml/2006/main" xmlns:r="http://schemas.openxmlformats.org/officeDocument/2006/relationships" xmlns:p="http://schemas.openxmlformats.org/presentationml/2006/main">
   <p:cSld>
@@ -9120,6 +9440,236 @@
           <p:cNvPr id="2" name="Title 1">
             <a:extLst>
               <a:ext uri="{FF2B5EF4-FFF2-40B4-BE49-F238E27FC236}">
+                <a16:creationId xmlns:a16="http://schemas.microsoft.com/office/drawing/2014/main" id="{CF619726-83A0-66AE-588E-CB921EBBDF78}"/>
+              </a:ext>
+            </a:extLst>
+          </p:cNvPr>
+          <p:cNvSpPr>
+            <a:spLocks noGrp="1"/>
+          </p:cNvSpPr>
+          <p:nvPr>
+            <p:ph type="title"/>
+          </p:nvPr>
+        </p:nvSpPr>
+        <p:spPr/>
+        <p:txBody>
+          <a:bodyPr/>
+          <a:lstStyle/>
+          <a:p>
+            <a:r>
+              <a:rPr lang="en-US" dirty="0" err="1"/>
+              <a:t>MUMmer</a:t>
+            </a:r>
+            <a:r>
+              <a:rPr lang="en-US" dirty="0"/>
+              <a:t> installation</a:t>
+            </a:r>
+          </a:p>
+        </p:txBody>
+      </p:sp>
+      <p:sp>
+        <p:nvSpPr>
+          <p:cNvPr id="4" name="Content Placeholder 2">
+            <a:extLst>
+              <a:ext uri="{FF2B5EF4-FFF2-40B4-BE49-F238E27FC236}">
+                <a16:creationId xmlns:a16="http://schemas.microsoft.com/office/drawing/2014/main" id="{CEC4B8D3-DAFE-F480-96AE-B4DDBE0658CB}"/>
+              </a:ext>
+            </a:extLst>
+          </p:cNvPr>
+          <p:cNvSpPr>
+            <a:spLocks noGrp="1"/>
+          </p:cNvSpPr>
+          <p:nvPr>
+            <p:ph idx="1"/>
+          </p:nvPr>
+        </p:nvSpPr>
+        <p:spPr/>
+        <p:txBody>
+          <a:bodyPr>
+            <a:normAutofit/>
+          </a:bodyPr>
+          <a:lstStyle/>
+          <a:p>
+            <a:pPr marL="0" indent="0">
+              <a:buNone/>
+            </a:pPr>
+            <a:r>
+              <a:rPr lang="en-US" b="1" dirty="0">
+                <a:latin typeface="Courier New" panose="02070309020205020404" pitchFamily="49" charset="0"/>
+                <a:cs typeface="Courier New" panose="02070309020205020404" pitchFamily="49" charset="0"/>
+              </a:rPr>
+              <a:t># install mummer</a:t>
+            </a:r>
+          </a:p>
+          <a:p>
+            <a:pPr marL="0" indent="0">
+              <a:buNone/>
+            </a:pPr>
+            <a:r>
+              <a:rPr lang="en-US" dirty="0">
+                <a:latin typeface="Courier New" panose="02070309020205020404" pitchFamily="49" charset="0"/>
+                <a:cs typeface="Courier New" panose="02070309020205020404" pitchFamily="49" charset="0"/>
+              </a:rPr>
+              <a:t>git clone </a:t>
+            </a:r>
+            <a:r>
+              <a:rPr lang="en-US" sz="2000" dirty="0">
+                <a:latin typeface="Courier New" panose="02070309020205020404" pitchFamily="49" charset="0"/>
+                <a:cs typeface="Courier New" panose="02070309020205020404" pitchFamily="49" charset="0"/>
+              </a:rPr>
+              <a:t>https://</a:t>
+            </a:r>
+            <a:r>
+              <a:rPr lang="en-US" sz="2000" dirty="0" err="1">
+                <a:latin typeface="Courier New" panose="02070309020205020404" pitchFamily="49" charset="0"/>
+                <a:cs typeface="Courier New" panose="02070309020205020404" pitchFamily="49" charset="0"/>
+              </a:rPr>
+              <a:t>github.com</a:t>
+            </a:r>
+            <a:r>
+              <a:rPr lang="en-US" sz="2000" dirty="0">
+                <a:latin typeface="Courier New" panose="02070309020205020404" pitchFamily="49" charset="0"/>
+                <a:cs typeface="Courier New" panose="02070309020205020404" pitchFamily="49" charset="0"/>
+              </a:rPr>
+              <a:t>/mummer4/</a:t>
+            </a:r>
+            <a:r>
+              <a:rPr lang="en-US" sz="2000" dirty="0" err="1">
+                <a:latin typeface="Courier New" panose="02070309020205020404" pitchFamily="49" charset="0"/>
+                <a:cs typeface="Courier New" panose="02070309020205020404" pitchFamily="49" charset="0"/>
+              </a:rPr>
+              <a:t>mummer.git</a:t>
+            </a:r>
+            <a:endParaRPr lang="en-US" sz="2000" dirty="0">
+              <a:latin typeface="Courier New" panose="02070309020205020404" pitchFamily="49" charset="0"/>
+              <a:cs typeface="Courier New" panose="02070309020205020404" pitchFamily="49" charset="0"/>
+            </a:endParaRPr>
+          </a:p>
+          <a:p>
+            <a:pPr marL="0" indent="0">
+              <a:buNone/>
+            </a:pPr>
+            <a:r>
+              <a:rPr lang="en-US" dirty="0">
+                <a:latin typeface="Courier New" panose="02070309020205020404" pitchFamily="49" charset="0"/>
+                <a:cs typeface="Courier New" panose="02070309020205020404" pitchFamily="49" charset="0"/>
+              </a:rPr>
+              <a:t>cd mummer</a:t>
+            </a:r>
+          </a:p>
+          <a:p>
+            <a:pPr marL="0" indent="0">
+              <a:buNone/>
+            </a:pPr>
+            <a:r>
+              <a:rPr lang="en-US" dirty="0" err="1">
+                <a:latin typeface="Courier New" panose="02070309020205020404" pitchFamily="49" charset="0"/>
+                <a:cs typeface="Courier New" panose="02070309020205020404" pitchFamily="49" charset="0"/>
+              </a:rPr>
+              <a:t>mkdir</a:t>
+            </a:r>
+            <a:r>
+              <a:rPr lang="en-US" dirty="0">
+                <a:latin typeface="Courier New" panose="02070309020205020404" pitchFamily="49" charset="0"/>
+                <a:cs typeface="Courier New" panose="02070309020205020404" pitchFamily="49" charset="0"/>
+              </a:rPr>
+              <a:t> ~/local</a:t>
+            </a:r>
+          </a:p>
+          <a:p>
+            <a:pPr marL="0" indent="0">
+              <a:buNone/>
+            </a:pPr>
+            <a:r>
+              <a:rPr lang="en-US" dirty="0" err="1">
+                <a:effectLst/>
+                <a:latin typeface="Courier New" panose="02070309020205020404" pitchFamily="49" charset="0"/>
+                <a:cs typeface="Courier New" panose="02070309020205020404" pitchFamily="49" charset="0"/>
+              </a:rPr>
+              <a:t>autoreconf</a:t>
+            </a:r>
+            <a:r>
+              <a:rPr lang="en-US" dirty="0">
+                <a:effectLst/>
+                <a:latin typeface="Courier New" panose="02070309020205020404" pitchFamily="49" charset="0"/>
+                <a:cs typeface="Courier New" panose="02070309020205020404" pitchFamily="49" charset="0"/>
+              </a:rPr>
+              <a:t> –fi</a:t>
+            </a:r>
+          </a:p>
+          <a:p>
+            <a:pPr marL="0" indent="0">
+              <a:buNone/>
+            </a:pPr>
+            <a:r>
+              <a:rPr lang="en-US" dirty="0">
+                <a:latin typeface="Courier New" panose="02070309020205020404" pitchFamily="49" charset="0"/>
+                <a:cs typeface="Courier New" panose="02070309020205020404" pitchFamily="49" charset="0"/>
+              </a:rPr>
+              <a:t>./configure --prefix ~/local</a:t>
+            </a:r>
+          </a:p>
+          <a:p>
+            <a:pPr marL="0" indent="0">
+              <a:buNone/>
+            </a:pPr>
+            <a:r>
+              <a:rPr lang="en-US" dirty="0">
+                <a:latin typeface="Courier New" panose="02070309020205020404" pitchFamily="49" charset="0"/>
+                <a:cs typeface="Courier New" panose="02070309020205020404" pitchFamily="49" charset="0"/>
+              </a:rPr>
+              <a:t>make</a:t>
+            </a:r>
+          </a:p>
+          <a:p>
+            <a:pPr marL="0" indent="0">
+              <a:buNone/>
+            </a:pPr>
+            <a:r>
+              <a:rPr lang="en-US" dirty="0">
+                <a:latin typeface="Courier New" panose="02070309020205020404" pitchFamily="49" charset="0"/>
+                <a:cs typeface="Courier New" panose="02070309020205020404" pitchFamily="49" charset="0"/>
+              </a:rPr>
+              <a:t>make install</a:t>
+            </a:r>
+          </a:p>
+        </p:txBody>
+      </p:sp>
+    </p:spTree>
+    <p:extLst>
+      <p:ext uri="{BB962C8B-B14F-4D97-AF65-F5344CB8AC3E}">
+        <p14:creationId xmlns:p14="http://schemas.microsoft.com/office/powerpoint/2010/main" val="3221905410"/>
+      </p:ext>
+    </p:extLst>
+  </p:cSld>
+  <p:clrMapOvr>
+    <a:masterClrMapping/>
+  </p:clrMapOvr>
+</p:sld>
+</file>
+
+<file path=ppt/slides/slide4.xml><?xml version="1.0" encoding="utf-8"?>
+<p:sld xmlns:a="http://schemas.openxmlformats.org/drawingml/2006/main" xmlns:r="http://schemas.openxmlformats.org/officeDocument/2006/relationships" xmlns:p="http://schemas.openxmlformats.org/presentationml/2006/main">
+  <p:cSld>
+    <p:spTree>
+      <p:nvGrpSpPr>
+        <p:cNvPr id="1" name=""/>
+        <p:cNvGrpSpPr/>
+        <p:nvPr/>
+      </p:nvGrpSpPr>
+      <p:grpSpPr>
+        <a:xfrm>
+          <a:off x="0" y="0"/>
+          <a:ext cx="0" cy="0"/>
+          <a:chOff x="0" y="0"/>
+          <a:chExt cx="0" cy="0"/>
+        </a:xfrm>
+      </p:grpSpPr>
+      <p:sp>
+        <p:nvSpPr>
+          <p:cNvPr id="2" name="Title 1">
+            <a:extLst>
+              <a:ext uri="{FF2B5EF4-FFF2-40B4-BE49-F238E27FC236}">
                 <a16:creationId xmlns:a16="http://schemas.microsoft.com/office/drawing/2014/main" id="{3E8D9B56-9C78-D01B-A55B-60E156AD9AEE}"/>
               </a:ext>
             </a:extLst>
@@ -9455,7 +10005,7 @@
 </p:sld>
 </file>
 
-<file path=ppt/slides/slide4.xml><?xml version="1.0" encoding="utf-8"?>
+<file path=ppt/slides/slide5.xml><?xml version="1.0" encoding="utf-8"?>
 <p:sld xmlns:a="http://schemas.openxmlformats.org/drawingml/2006/main" xmlns:r="http://schemas.openxmlformats.org/officeDocument/2006/relationships" xmlns:p="http://schemas.openxmlformats.org/presentationml/2006/main">
   <p:cSld>
     <p:spTree>
@@ -9552,228 +10102,6 @@
 </p:sld>
 </file>
 
-<file path=ppt/slides/slide5.xml><?xml version="1.0" encoding="utf-8"?>
-<p:sld xmlns:a="http://schemas.openxmlformats.org/drawingml/2006/main" xmlns:r="http://schemas.openxmlformats.org/officeDocument/2006/relationships" xmlns:p="http://schemas.openxmlformats.org/presentationml/2006/main">
-  <p:cSld>
-    <p:spTree>
-      <p:nvGrpSpPr>
-        <p:cNvPr id="1" name=""/>
-        <p:cNvGrpSpPr/>
-        <p:nvPr/>
-      </p:nvGrpSpPr>
-      <p:grpSpPr>
-        <a:xfrm>
-          <a:off x="0" y="0"/>
-          <a:ext cx="0" cy="0"/>
-          <a:chOff x="0" y="0"/>
-          <a:chExt cx="0" cy="0"/>
-        </a:xfrm>
-      </p:grpSpPr>
-      <p:sp>
-        <p:nvSpPr>
-          <p:cNvPr id="2" name="Title 1">
-            <a:extLst>
-              <a:ext uri="{FF2B5EF4-FFF2-40B4-BE49-F238E27FC236}">
-                <a16:creationId xmlns:a16="http://schemas.microsoft.com/office/drawing/2014/main" id="{7BBC4144-BF94-FC77-FA85-D6E4FA15BFEF}"/>
-              </a:ext>
-            </a:extLst>
-          </p:cNvPr>
-          <p:cNvSpPr>
-            <a:spLocks noGrp="1"/>
-          </p:cNvSpPr>
-          <p:nvPr>
-            <p:ph type="title"/>
-          </p:nvPr>
-        </p:nvSpPr>
-        <p:spPr/>
-        <p:txBody>
-          <a:bodyPr/>
-          <a:lstStyle/>
-          <a:p>
-            <a:r>
-              <a:rPr lang="en-US" dirty="0"/>
-              <a:t>Problem 1</a:t>
-            </a:r>
-          </a:p>
-        </p:txBody>
-      </p:sp>
-      <p:sp>
-        <p:nvSpPr>
-          <p:cNvPr id="3" name="Content Placeholder 2">
-            <a:extLst>
-              <a:ext uri="{FF2B5EF4-FFF2-40B4-BE49-F238E27FC236}">
-                <a16:creationId xmlns:a16="http://schemas.microsoft.com/office/drawing/2014/main" id="{2CFB52ED-1C55-49D2-6F09-B399BCC41210}"/>
-              </a:ext>
-            </a:extLst>
-          </p:cNvPr>
-          <p:cNvSpPr>
-            <a:spLocks noGrp="1"/>
-          </p:cNvSpPr>
-          <p:nvPr>
-            <p:ph idx="1"/>
-          </p:nvPr>
-        </p:nvSpPr>
-        <p:spPr>
-          <a:xfrm>
-            <a:off x="457200" y="891700"/>
-            <a:ext cx="8229600" cy="1680050"/>
-          </a:xfrm>
-        </p:spPr>
-        <p:txBody>
-          <a:bodyPr>
-            <a:normAutofit/>
-          </a:bodyPr>
-          <a:lstStyle/>
-          <a:p>
-            <a:pPr marL="0" indent="0">
-              <a:buNone/>
-            </a:pPr>
-            <a:r>
-              <a:rPr lang="en-US" dirty="0"/>
-              <a:t>Two sequences:</a:t>
-            </a:r>
-          </a:p>
-          <a:p>
-            <a:pPr marL="0" indent="0">
-              <a:buNone/>
-            </a:pPr>
-            <a:r>
-              <a:rPr lang="en-US" sz="1800" dirty="0" err="1"/>
-              <a:t>ZmA</a:t>
-            </a:r>
-            <a:endParaRPr lang="en-US" sz="1800" dirty="0">
-              <a:hlinkClick r:id="rId2"/>
-            </a:endParaRPr>
-          </a:p>
-          <a:p>
-            <a:pPr marL="0" indent="0">
-              <a:buNone/>
-            </a:pPr>
-            <a:r>
-              <a:rPr lang="en-US" sz="1200" dirty="0">
-                <a:hlinkClick r:id="rId2"/>
-              </a:rPr>
-              <a:t>https://github.com/liu3zhenlab/teaching/raw/refs/heads/master/PLPTH813Bioinformatis/2025/3_data/lab03/ZmA.fasta</a:t>
-            </a:r>
-            <a:endParaRPr lang="en-US" sz="1200" dirty="0"/>
-          </a:p>
-          <a:p>
-            <a:pPr marL="0" indent="0">
-              <a:buNone/>
-            </a:pPr>
-            <a:r>
-              <a:rPr lang="en-US" sz="1800" dirty="0" err="1"/>
-              <a:t>ZmB</a:t>
-            </a:r>
-            <a:endParaRPr lang="en-US" sz="1800" dirty="0"/>
-          </a:p>
-          <a:p>
-            <a:pPr marL="0" indent="0">
-              <a:buNone/>
-            </a:pPr>
-            <a:r>
-              <a:rPr lang="en-US" sz="1200" dirty="0">
-                <a:hlinkClick r:id="rId3"/>
-              </a:rPr>
-              <a:t>https://github.com/liu3zhenlab/teaching/raw/refs/heads/master/PLPTH813Bioinformatis/2025/3_data/lab03/ZmB.fasta</a:t>
-            </a:r>
-            <a:endParaRPr lang="en-US" sz="1200" dirty="0"/>
-          </a:p>
-          <a:p>
-            <a:pPr marL="0" indent="0">
-              <a:buNone/>
-            </a:pPr>
-            <a:endParaRPr lang="en-US" sz="1200" dirty="0"/>
-          </a:p>
-        </p:txBody>
-      </p:sp>
-      <p:sp>
-        <p:nvSpPr>
-          <p:cNvPr id="4" name="TextBox 3">
-            <a:extLst>
-              <a:ext uri="{FF2B5EF4-FFF2-40B4-BE49-F238E27FC236}">
-                <a16:creationId xmlns:a16="http://schemas.microsoft.com/office/drawing/2014/main" id="{8A7CB271-EF14-26C9-2DA4-BD0743F38D4C}"/>
-              </a:ext>
-            </a:extLst>
-          </p:cNvPr>
-          <p:cNvSpPr txBox="1"/>
-          <p:nvPr/>
-        </p:nvSpPr>
-        <p:spPr>
-          <a:xfrm>
-            <a:off x="665389" y="2841172"/>
-            <a:ext cx="7813222" cy="1569660"/>
-          </a:xfrm>
-          <a:prstGeom prst="rect">
-            <a:avLst/>
-          </a:prstGeom>
-          <a:noFill/>
-        </p:spPr>
-        <p:txBody>
-          <a:bodyPr wrap="square" rtlCol="0">
-            <a:spAutoFit/>
-          </a:bodyPr>
-          <a:lstStyle/>
-          <a:p>
-            <a:r>
-              <a:rPr lang="en-US" sz="2400" dirty="0"/>
-              <a:t>Please download the data and plot a </a:t>
-            </a:r>
-            <a:r>
-              <a:rPr lang="en-US" sz="2400" dirty="0" err="1"/>
-              <a:t>dotplot</a:t>
-            </a:r>
-            <a:r>
-              <a:rPr lang="en-US" sz="2400" dirty="0"/>
-              <a:t> between the two sequence.</a:t>
-            </a:r>
-          </a:p>
-          <a:p>
-            <a:endParaRPr lang="en-US" sz="2400" dirty="0"/>
-          </a:p>
-          <a:p>
-            <a:r>
-              <a:rPr lang="en-US" sz="2400" dirty="0"/>
-              <a:t>Possible parameter: </a:t>
-            </a:r>
-            <a:r>
-              <a:rPr lang="en-US" sz="2400" dirty="0">
-                <a:latin typeface="Courier New" panose="02070309020205020404" pitchFamily="49" charset="0"/>
-                <a:cs typeface="Courier New" panose="02070309020205020404" pitchFamily="49" charset="0"/>
-              </a:rPr>
-              <a:t>--</a:t>
-            </a:r>
-            <a:r>
-              <a:rPr lang="en-US" sz="2400" dirty="0" err="1">
-                <a:latin typeface="Courier New" panose="02070309020205020404" pitchFamily="49" charset="0"/>
-                <a:cs typeface="Courier New" panose="02070309020205020404" pitchFamily="49" charset="0"/>
-              </a:rPr>
-              <a:t>minaln</a:t>
-            </a:r>
-            <a:r>
-              <a:rPr lang="en-US" sz="2400" dirty="0">
-                <a:latin typeface="Courier New" panose="02070309020205020404" pitchFamily="49" charset="0"/>
-                <a:cs typeface="Courier New" panose="02070309020205020404" pitchFamily="49" charset="0"/>
-              </a:rPr>
-              <a:t> 100</a:t>
-            </a:r>
-            <a:endParaRPr lang="en-US" sz="2400" dirty="0"/>
-          </a:p>
-        </p:txBody>
-      </p:sp>
-    </p:spTree>
-    <p:extLst>
-      <p:ext uri="{BB962C8B-B14F-4D97-AF65-F5344CB8AC3E}">
-        <p14:creationId xmlns:p14="http://schemas.microsoft.com/office/powerpoint/2010/main" val="1986264101"/>
-      </p:ext>
-    </p:extLst>
-  </p:cSld>
-  <p:clrMapOvr>
-    <a:masterClrMapping/>
-  </p:clrMapOvr>
-</p:sld>
-</file>
-
 <file path=ppt/slides/slide6.xml><?xml version="1.0" encoding="utf-8"?>
 <p:sld xmlns:a="http://schemas.openxmlformats.org/drawingml/2006/main" xmlns:r="http://schemas.openxmlformats.org/officeDocument/2006/relationships" xmlns:p="http://schemas.openxmlformats.org/presentationml/2006/main">
   <p:cSld>
@@ -9793,7 +10121,13 @@
       </p:grpSpPr>
       <p:sp>
         <p:nvSpPr>
-          <p:cNvPr id="2" name="Title 1"/>
+          <p:cNvPr id="2" name="Title 1">
+            <a:extLst>
+              <a:ext uri="{FF2B5EF4-FFF2-40B4-BE49-F238E27FC236}">
+                <a16:creationId xmlns:a16="http://schemas.microsoft.com/office/drawing/2014/main" id="{7BBC4144-BF94-FC77-FA85-D6E4FA15BFEF}"/>
+              </a:ext>
+            </a:extLst>
+          </p:cNvPr>
           <p:cNvSpPr>
             <a:spLocks noGrp="1"/>
           </p:cNvSpPr>
@@ -9801,28 +10135,27 @@
             <p:ph type="title"/>
           </p:nvPr>
         </p:nvSpPr>
-        <p:spPr>
-          <a:xfrm>
-            <a:off x="457200" y="210031"/>
-            <a:ext cx="8229600" cy="924806"/>
-          </a:xfrm>
-        </p:spPr>
-        <p:txBody>
-          <a:bodyPr>
-            <a:normAutofit/>
-          </a:bodyPr>
+        <p:spPr/>
+        <p:txBody>
+          <a:bodyPr/>
           <a:lstStyle/>
           <a:p>
             <a:r>
-              <a:rPr lang="en-US" sz="3600" dirty="0"/>
-              <a:t>Goal of today’s lab</a:t>
-            </a:r>
-          </a:p>
-        </p:txBody>
-      </p:sp>
-      <p:sp>
-        <p:nvSpPr>
-          <p:cNvPr id="3" name="Content Placeholder 2"/>
+              <a:rPr lang="en-US" dirty="0"/>
+              <a:t>Problem 1</a:t>
+            </a:r>
+          </a:p>
+        </p:txBody>
+      </p:sp>
+      <p:sp>
+        <p:nvSpPr>
+          <p:cNvPr id="3" name="Content Placeholder 2">
+            <a:extLst>
+              <a:ext uri="{FF2B5EF4-FFF2-40B4-BE49-F238E27FC236}">
+                <a16:creationId xmlns:a16="http://schemas.microsoft.com/office/drawing/2014/main" id="{2CFB52ED-1C55-49D2-6F09-B399BCC41210}"/>
+              </a:ext>
+            </a:extLst>
+          </p:cNvPr>
           <p:cNvSpPr>
             <a:spLocks noGrp="1"/>
           </p:cNvSpPr>
@@ -9832,74 +10165,156 @@
         </p:nvSpPr>
         <p:spPr>
           <a:xfrm>
-            <a:off x="1774352" y="1461406"/>
-            <a:ext cx="5823876" cy="2661557"/>
+            <a:off x="457200" y="891700"/>
+            <a:ext cx="8229600" cy="1680050"/>
           </a:xfrm>
         </p:spPr>
         <p:txBody>
           <a:bodyPr>
-            <a:noAutofit/>
+            <a:normAutofit/>
           </a:bodyPr>
           <a:lstStyle/>
           <a:p>
-            <a:r>
-              <a:rPr lang="en-US" sz="2800" dirty="0">
-                <a:solidFill>
-                  <a:schemeClr val="bg1">
-                    <a:lumMod val="75000"/>
-                  </a:schemeClr>
-                </a:solidFill>
-              </a:rPr>
-              <a:t>Make a </a:t>
-            </a:r>
-            <a:r>
-              <a:rPr lang="en-US" sz="2800" dirty="0" err="1">
-                <a:solidFill>
-                  <a:schemeClr val="bg1">
-                    <a:lumMod val="75000"/>
-                  </a:schemeClr>
-                </a:solidFill>
-              </a:rPr>
+            <a:pPr marL="0" indent="0">
+              <a:buNone/>
+            </a:pPr>
+            <a:r>
+              <a:rPr lang="en-US" dirty="0"/>
+              <a:t>Two sequences:</a:t>
+            </a:r>
+          </a:p>
+          <a:p>
+            <a:pPr marL="0" indent="0">
+              <a:buNone/>
+            </a:pPr>
+            <a:r>
+              <a:rPr lang="en-US" sz="1800" dirty="0" err="1"/>
+              <a:t>ZmA</a:t>
+            </a:r>
+            <a:endParaRPr lang="en-US" sz="1800" dirty="0">
+              <a:hlinkClick r:id="rId2"/>
+            </a:endParaRPr>
+          </a:p>
+          <a:p>
+            <a:pPr marL="0" indent="0">
+              <a:buNone/>
+            </a:pPr>
+            <a:r>
+              <a:rPr lang="en-US" sz="1200" dirty="0">
+                <a:hlinkClick r:id="rId2"/>
+              </a:rPr>
+              <a:t>https://github.com/liu3zhenlab/teaching/raw/refs/heads/master/PLPTH813Bioinformatis/2025/3_data/lab03/ZmA.fasta</a:t>
+            </a:r>
+            <a:endParaRPr lang="en-US" sz="1200" dirty="0"/>
+          </a:p>
+          <a:p>
+            <a:pPr marL="0" indent="0">
+              <a:buNone/>
+            </a:pPr>
+            <a:r>
+              <a:rPr lang="en-US" sz="1800" dirty="0" err="1"/>
+              <a:t>ZmB</a:t>
+            </a:r>
+            <a:endParaRPr lang="en-US" sz="1800" dirty="0"/>
+          </a:p>
+          <a:p>
+            <a:pPr marL="0" indent="0">
+              <a:buNone/>
+            </a:pPr>
+            <a:r>
+              <a:rPr lang="en-US" sz="1200" dirty="0">
+                <a:hlinkClick r:id="rId3"/>
+              </a:rPr>
+              <a:t>https://github.com/liu3zhenlab/teaching/raw/refs/heads/master/PLPTH813Bioinformatis/2025/3_data/lab03/ZmB.fasta</a:t>
+            </a:r>
+            <a:endParaRPr lang="en-US" sz="1200" dirty="0"/>
+          </a:p>
+          <a:p>
+            <a:pPr marL="0" indent="0">
+              <a:buNone/>
+            </a:pPr>
+            <a:endParaRPr lang="en-US" sz="1200" dirty="0"/>
+          </a:p>
+        </p:txBody>
+      </p:sp>
+      <p:sp>
+        <p:nvSpPr>
+          <p:cNvPr id="4" name="TextBox 3">
+            <a:extLst>
+              <a:ext uri="{FF2B5EF4-FFF2-40B4-BE49-F238E27FC236}">
+                <a16:creationId xmlns:a16="http://schemas.microsoft.com/office/drawing/2014/main" id="{8A7CB271-EF14-26C9-2DA4-BD0743F38D4C}"/>
+              </a:ext>
+            </a:extLst>
+          </p:cNvPr>
+          <p:cNvSpPr txBox="1"/>
+          <p:nvPr/>
+        </p:nvSpPr>
+        <p:spPr>
+          <a:xfrm>
+            <a:off x="665389" y="2841172"/>
+            <a:ext cx="7813222" cy="1569660"/>
+          </a:xfrm>
+          <a:prstGeom prst="rect">
+            <a:avLst/>
+          </a:prstGeom>
+          <a:noFill/>
+        </p:spPr>
+        <p:txBody>
+          <a:bodyPr wrap="square" rtlCol="0">
+            <a:spAutoFit/>
+          </a:bodyPr>
+          <a:lstStyle/>
+          <a:p>
+            <a:r>
+              <a:rPr lang="en-US" sz="2400" dirty="0"/>
+              <a:t>Please download the data and plot a </a:t>
+            </a:r>
+            <a:r>
+              <a:rPr lang="en-US" sz="2400" dirty="0" err="1"/>
               <a:t>dotplot</a:t>
             </a:r>
-            <a:endParaRPr lang="en-US" sz="2800" dirty="0">
-              <a:solidFill>
-                <a:schemeClr val="bg1">
-                  <a:lumMod val="75000"/>
-                </a:schemeClr>
-              </a:solidFill>
-            </a:endParaRPr>
-          </a:p>
-          <a:p>
-            <a:r>
-              <a:rPr lang="en-US" sz="2800" dirty="0"/>
-              <a:t>Create BLAST database</a:t>
-            </a:r>
-          </a:p>
-          <a:p>
-            <a:r>
-              <a:rPr lang="en-US" sz="2800" dirty="0"/>
-              <a:t>BLASTN</a:t>
-            </a:r>
-          </a:p>
-          <a:p>
-            <a:r>
-              <a:rPr lang="en-US" sz="2800" dirty="0"/>
-              <a:t>BLASTP</a:t>
-            </a:r>
-          </a:p>
-          <a:p>
-            <a:r>
-              <a:rPr lang="en-US" sz="2800" dirty="0"/>
-              <a:t>Extract sequences from database</a:t>
-            </a:r>
+            <a:r>
+              <a:rPr lang="en-US" sz="2400" dirty="0"/>
+              <a:t> between the two sequence.</a:t>
+            </a:r>
+          </a:p>
+          <a:p>
+            <a:endParaRPr lang="en-US" sz="2400" dirty="0"/>
+          </a:p>
+          <a:p>
+            <a:r>
+              <a:rPr lang="en-US" sz="2400" dirty="0"/>
+              <a:t>Possible parameter: </a:t>
+            </a:r>
+            <a:r>
+              <a:rPr lang="en-US" sz="2400" dirty="0">
+                <a:latin typeface="Courier New" panose="02070309020205020404" pitchFamily="49" charset="0"/>
+                <a:cs typeface="Courier New" panose="02070309020205020404" pitchFamily="49" charset="0"/>
+              </a:rPr>
+              <a:t>--</a:t>
+            </a:r>
+            <a:r>
+              <a:rPr lang="en-US" sz="2400" dirty="0" err="1">
+                <a:latin typeface="Courier New" panose="02070309020205020404" pitchFamily="49" charset="0"/>
+                <a:cs typeface="Courier New" panose="02070309020205020404" pitchFamily="49" charset="0"/>
+              </a:rPr>
+              <a:t>minaln</a:t>
+            </a:r>
+            <a:r>
+              <a:rPr lang="en-US" sz="2400" dirty="0">
+                <a:latin typeface="Courier New" panose="02070309020205020404" pitchFamily="49" charset="0"/>
+                <a:cs typeface="Courier New" panose="02070309020205020404" pitchFamily="49" charset="0"/>
+              </a:rPr>
+              <a:t> 100</a:t>
+            </a:r>
+            <a:endParaRPr lang="en-US" sz="2400" dirty="0"/>
           </a:p>
         </p:txBody>
       </p:sp>
     </p:spTree>
     <p:extLst>
       <p:ext uri="{BB962C8B-B14F-4D97-AF65-F5344CB8AC3E}">
-        <p14:creationId xmlns:p14="http://schemas.microsoft.com/office/powerpoint/2010/main" val="1701507504"/>
+        <p14:creationId xmlns:p14="http://schemas.microsoft.com/office/powerpoint/2010/main" val="1986264101"/>
       </p:ext>
     </p:extLst>
   </p:cSld>
@@ -9928,13 +10343,7 @@
       </p:grpSpPr>
       <p:sp>
         <p:nvSpPr>
-          <p:cNvPr id="2" name="Title 1">
-            <a:extLst>
-              <a:ext uri="{FF2B5EF4-FFF2-40B4-BE49-F238E27FC236}">
-                <a16:creationId xmlns:a16="http://schemas.microsoft.com/office/drawing/2014/main" id="{9F0415AB-9825-F74F-8B4C-69A2FFDAFBE6}"/>
-              </a:ext>
-            </a:extLst>
-          </p:cNvPr>
+          <p:cNvPr id="2" name="Title 1"/>
           <p:cNvSpPr>
             <a:spLocks noGrp="1"/>
           </p:cNvSpPr>
@@ -9944,8 +10353,8 @@
         </p:nvSpPr>
         <p:spPr>
           <a:xfrm>
-            <a:off x="457200" y="279457"/>
-            <a:ext cx="8229600" cy="579740"/>
+            <a:off x="457200" y="210031"/>
+            <a:ext cx="8229600" cy="924806"/>
           </a:xfrm>
         </p:spPr>
         <p:txBody>
@@ -9955,21 +10364,15 @@
           <a:lstStyle/>
           <a:p>
             <a:r>
-              <a:rPr lang="en-US" sz="3200" dirty="0"/>
-              <a:t>Load modules</a:t>
-            </a:r>
-          </a:p>
-        </p:txBody>
-      </p:sp>
-      <p:sp>
-        <p:nvSpPr>
-          <p:cNvPr id="3" name="Content Placeholder 2">
-            <a:extLst>
-              <a:ext uri="{FF2B5EF4-FFF2-40B4-BE49-F238E27FC236}">
-                <a16:creationId xmlns:a16="http://schemas.microsoft.com/office/drawing/2014/main" id="{7C3BAB38-69F4-8C47-951F-CCBEC8CE792C}"/>
-              </a:ext>
-            </a:extLst>
-          </p:cNvPr>
+              <a:rPr lang="en-US" sz="3600" dirty="0"/>
+              <a:t>Goal of today’s lab</a:t>
+            </a:r>
+          </a:p>
+        </p:txBody>
+      </p:sp>
+      <p:sp>
+        <p:nvSpPr>
+          <p:cNvPr id="3" name="Content Placeholder 2"/>
           <p:cNvSpPr>
             <a:spLocks noGrp="1"/>
           </p:cNvSpPr>
@@ -9979,29 +10382,66 @@
         </p:nvSpPr>
         <p:spPr>
           <a:xfrm>
-            <a:off x="1875437" y="1751239"/>
-            <a:ext cx="5833998" cy="1641021"/>
+            <a:off x="1774352" y="1461406"/>
+            <a:ext cx="5823876" cy="2661557"/>
           </a:xfrm>
         </p:spPr>
         <p:txBody>
-          <a:bodyPr/>
+          <a:bodyPr>
+            <a:noAutofit/>
+          </a:bodyPr>
           <a:lstStyle/>
           <a:p>
             <a:r>
-              <a:rPr lang="en-US" sz="3200" dirty="0"/>
-              <a:t>Blast+</a:t>
-            </a:r>
-          </a:p>
-          <a:p>
-            <a:pPr marL="0" indent="0">
-              <a:buNone/>
-            </a:pPr>
-            <a:r>
-              <a:rPr lang="en-US" sz="3200" dirty="0">
-                <a:latin typeface="Courier New" panose="02070309020205020404" pitchFamily="49" charset="0"/>
-                <a:cs typeface="Courier New" panose="02070309020205020404" pitchFamily="49" charset="0"/>
-              </a:rPr>
-              <a:t>module load BLAST+</a:t>
+              <a:rPr lang="en-US" sz="2800" dirty="0">
+                <a:solidFill>
+                  <a:schemeClr val="bg1">
+                    <a:lumMod val="75000"/>
+                  </a:schemeClr>
+                </a:solidFill>
+              </a:rPr>
+              <a:t>Make a </a:t>
+            </a:r>
+            <a:r>
+              <a:rPr lang="en-US" sz="2800" dirty="0" err="1">
+                <a:solidFill>
+                  <a:schemeClr val="bg1">
+                    <a:lumMod val="75000"/>
+                  </a:schemeClr>
+                </a:solidFill>
+              </a:rPr>
+              <a:t>dotplot</a:t>
+            </a:r>
+            <a:endParaRPr lang="en-US" sz="2800" dirty="0">
+              <a:solidFill>
+                <a:schemeClr val="bg1">
+                  <a:lumMod val="75000"/>
+                </a:schemeClr>
+              </a:solidFill>
+            </a:endParaRPr>
+          </a:p>
+          <a:p>
+            <a:r>
+              <a:rPr lang="en-US" sz="2800" dirty="0"/>
+              <a:t>Create BLAST database</a:t>
+            </a:r>
+          </a:p>
+          <a:p>
+            <a:r>
+              <a:rPr lang="en-US" sz="2800" dirty="0"/>
+              <a:t>BLASTN</a:t>
+            </a:r>
+          </a:p>
+          <a:p>
+            <a:r>
+              <a:rPr lang="en-US" sz="2800" dirty="0"/>
+              <a:t>BLASTP</a:t>
+            </a:r>
+          </a:p>
+          <a:p>
+            <a:r>
+              <a:rPr lang="en-US" sz="2800" dirty="0"/>
+              <a:t>Extract sequences from database</a:t>
             </a:r>
           </a:p>
         </p:txBody>
@@ -10009,7 +10449,7 @@
     </p:spTree>
     <p:extLst>
       <p:ext uri="{BB962C8B-B14F-4D97-AF65-F5344CB8AC3E}">
-        <p14:creationId xmlns:p14="http://schemas.microsoft.com/office/powerpoint/2010/main" val="1961660135"/>
+        <p14:creationId xmlns:p14="http://schemas.microsoft.com/office/powerpoint/2010/main" val="1701507504"/>
       </p:ext>
     </p:extLst>
   </p:cSld>
@@ -10038,7 +10478,13 @@
       </p:grpSpPr>
       <p:sp>
         <p:nvSpPr>
-          <p:cNvPr id="2" name="Title 1"/>
+          <p:cNvPr id="2" name="Title 1">
+            <a:extLst>
+              <a:ext uri="{FF2B5EF4-FFF2-40B4-BE49-F238E27FC236}">
+                <a16:creationId xmlns:a16="http://schemas.microsoft.com/office/drawing/2014/main" id="{9F0415AB-9825-F74F-8B4C-69A2FFDAFBE6}"/>
+              </a:ext>
+            </a:extLst>
+          </p:cNvPr>
           <p:cNvSpPr>
             <a:spLocks noGrp="1"/>
           </p:cNvSpPr>
@@ -10048,24 +10494,32 @@
         </p:nvSpPr>
         <p:spPr>
           <a:xfrm>
-            <a:off x="457200" y="269421"/>
+            <a:off x="457200" y="279457"/>
             <a:ext cx="8229600" cy="579740"/>
           </a:xfrm>
         </p:spPr>
         <p:txBody>
-          <a:bodyPr/>
+          <a:bodyPr>
+            <a:normAutofit/>
+          </a:bodyPr>
           <a:lstStyle/>
           <a:p>
             <a:r>
-              <a:rPr lang="en-US" dirty="0"/>
-              <a:t>Genome sequence data</a:t>
-            </a:r>
-          </a:p>
-        </p:txBody>
-      </p:sp>
-      <p:sp>
-        <p:nvSpPr>
-          <p:cNvPr id="3" name="Content Placeholder 2"/>
+              <a:rPr lang="en-US" sz="3200" dirty="0"/>
+              <a:t>Load modules</a:t>
+            </a:r>
+          </a:p>
+        </p:txBody>
+      </p:sp>
+      <p:sp>
+        <p:nvSpPr>
+          <p:cNvPr id="3" name="Content Placeholder 2">
+            <a:extLst>
+              <a:ext uri="{FF2B5EF4-FFF2-40B4-BE49-F238E27FC236}">
+                <a16:creationId xmlns:a16="http://schemas.microsoft.com/office/drawing/2014/main" id="{7C3BAB38-69F4-8C47-951F-CCBEC8CE792C}"/>
+              </a:ext>
+            </a:extLst>
+          </p:cNvPr>
           <p:cNvSpPr>
             <a:spLocks noGrp="1"/>
           </p:cNvSpPr>
@@ -10075,220 +10529,29 @@
         </p:nvSpPr>
         <p:spPr>
           <a:xfrm>
-            <a:off x="378996" y="955892"/>
-            <a:ext cx="8566484" cy="3918187"/>
+            <a:off x="1875437" y="1751239"/>
+            <a:ext cx="5833998" cy="1641021"/>
           </a:xfrm>
         </p:spPr>
         <p:txBody>
-          <a:bodyPr>
-            <a:normAutofit/>
-          </a:bodyPr>
+          <a:bodyPr/>
           <a:lstStyle/>
           <a:p>
-            <a:pPr>
-              <a:lnSpc>
-                <a:spcPct val="120000"/>
-              </a:lnSpc>
-            </a:pPr>
-            <a:r>
-              <a:rPr lang="en-US" dirty="0" err="1"/>
-              <a:t>E.coli</a:t>
-            </a:r>
-            <a:r>
-              <a:rPr lang="en-US" dirty="0"/>
-              <a:t> K-12 </a:t>
-            </a:r>
-            <a:r>
-              <a:rPr lang="fr-FR" dirty="0"/>
-              <a:t>MG1655 </a:t>
-            </a:r>
-            <a:r>
-              <a:rPr lang="fr-FR" dirty="0" err="1"/>
-              <a:t>reference</a:t>
-            </a:r>
-            <a:r>
-              <a:rPr lang="fr-FR" dirty="0"/>
-              <a:t> </a:t>
-            </a:r>
-            <a:r>
-              <a:rPr lang="fr-FR" dirty="0" err="1"/>
-              <a:t>genome</a:t>
-            </a:r>
-            <a:r>
-              <a:rPr lang="fr-FR" dirty="0"/>
-              <a:t> </a:t>
-            </a:r>
-            <a:r>
-              <a:rPr lang="fr-FR" dirty="0" err="1"/>
-              <a:t>sequence</a:t>
-            </a:r>
-            <a:endParaRPr lang="fr-FR" dirty="0"/>
+            <a:r>
+              <a:rPr lang="en-US" sz="3200" dirty="0"/>
+              <a:t>Blast+</a:t>
+            </a:r>
           </a:p>
           <a:p>
             <a:pPr marL="0" indent="0">
-              <a:lnSpc>
-                <a:spcPct val="120000"/>
-              </a:lnSpc>
-              <a:buNone/>
-            </a:pPr>
-            <a:r>
-              <a:rPr lang="fr-FR" dirty="0"/>
-              <a:t># </a:t>
-            </a:r>
-            <a:r>
-              <a:rPr lang="fr-FR" dirty="0" err="1"/>
-              <a:t>create</a:t>
-            </a:r>
-            <a:r>
-              <a:rPr lang="fr-FR" dirty="0"/>
-              <a:t> a new directory for </a:t>
-            </a:r>
-            <a:r>
-              <a:rPr lang="fr-FR" dirty="0" err="1"/>
-              <a:t>today's</a:t>
-            </a:r>
-            <a:r>
-              <a:rPr lang="fr-FR" dirty="0"/>
-              <a:t> practice</a:t>
-            </a:r>
-          </a:p>
-          <a:p>
-            <a:pPr marL="0" indent="0">
-              <a:lnSpc>
-                <a:spcPct val="120000"/>
-              </a:lnSpc>
-              <a:buNone/>
-            </a:pPr>
-            <a:r>
-              <a:rPr lang="fr-FR" sz="2800" dirty="0" err="1">
-                <a:latin typeface="Courier"/>
-                <a:cs typeface="Courier"/>
-              </a:rPr>
-              <a:t>mkdir</a:t>
-            </a:r>
-            <a:r>
-              <a:rPr lang="fr-FR" sz="2800" dirty="0">
-                <a:latin typeface="Courier"/>
-                <a:cs typeface="Courier"/>
-              </a:rPr>
-              <a:t> blast</a:t>
-            </a:r>
-          </a:p>
-          <a:p>
-            <a:pPr marL="0" indent="0">
-              <a:lnSpc>
-                <a:spcPct val="120000"/>
-              </a:lnSpc>
-              <a:buNone/>
-            </a:pPr>
-            <a:r>
-              <a:rPr lang="fr-FR" sz="2800" dirty="0">
-                <a:latin typeface="Courier"/>
-                <a:cs typeface="Courier"/>
-              </a:rPr>
-              <a:t>cd blast</a:t>
-            </a:r>
-          </a:p>
-          <a:p>
-            <a:pPr marL="0" indent="0">
-              <a:lnSpc>
-                <a:spcPct val="120000"/>
-              </a:lnSpc>
-              <a:buNone/>
-            </a:pPr>
-            <a:r>
-              <a:rPr lang="fr-FR" sz="2800" dirty="0" err="1">
-                <a:latin typeface="Courier"/>
-                <a:cs typeface="Courier"/>
-              </a:rPr>
-              <a:t>mkdir</a:t>
-            </a:r>
-            <a:r>
-              <a:rPr lang="fr-FR" sz="2800" dirty="0">
-                <a:latin typeface="Courier"/>
-                <a:cs typeface="Courier"/>
-              </a:rPr>
-              <a:t> </a:t>
-            </a:r>
-            <a:r>
-              <a:rPr lang="fr-FR" sz="2800" dirty="0" err="1">
-                <a:latin typeface="Courier"/>
-                <a:cs typeface="Courier"/>
-              </a:rPr>
-              <a:t>db</a:t>
-            </a:r>
-            <a:endParaRPr lang="fr-FR" sz="2800" dirty="0">
-              <a:latin typeface="Courier"/>
-              <a:cs typeface="Courier"/>
-            </a:endParaRPr>
-          </a:p>
-          <a:p>
-            <a:pPr marL="0" indent="0">
-              <a:lnSpc>
-                <a:spcPct val="120000"/>
-              </a:lnSpc>
-              <a:buNone/>
-            </a:pPr>
-            <a:r>
-              <a:rPr lang="fr-FR" sz="2800" dirty="0">
-                <a:latin typeface="Courier"/>
-                <a:cs typeface="Courier"/>
-              </a:rPr>
-              <a:t>cd </a:t>
-            </a:r>
-            <a:r>
-              <a:rPr lang="fr-FR" sz="2800" dirty="0" err="1">
-                <a:latin typeface="Courier"/>
-                <a:cs typeface="Courier"/>
-              </a:rPr>
-              <a:t>db</a:t>
-            </a:r>
-            <a:endParaRPr lang="fr-FR" sz="2800" dirty="0">
-              <a:latin typeface="Courier"/>
-              <a:cs typeface="Courier"/>
-            </a:endParaRPr>
-          </a:p>
-          <a:p>
-            <a:pPr marL="0" indent="0">
-              <a:lnSpc>
-                <a:spcPct val="120000"/>
-              </a:lnSpc>
-              <a:buNone/>
-            </a:pPr>
-            <a:r>
-              <a:rPr lang="en-US" sz="2000" dirty="0" err="1">
-                <a:latin typeface="Courier"/>
-                <a:cs typeface="Courier"/>
-              </a:rPr>
-              <a:t>wget</a:t>
-            </a:r>
-            <a:r>
-              <a:rPr lang="en-US" sz="2000" dirty="0">
-                <a:latin typeface="Courier"/>
-                <a:cs typeface="Courier"/>
-              </a:rPr>
-              <a:t> </a:t>
-            </a:r>
-            <a:r>
-              <a:rPr lang="en-US" sz="1300" dirty="0">
-                <a:latin typeface="Courier"/>
-                <a:cs typeface="Courier"/>
-              </a:rPr>
-              <a:t>https://</a:t>
-            </a:r>
-            <a:r>
-              <a:rPr lang="en-US" sz="1300" dirty="0" err="1">
-                <a:latin typeface="Courier"/>
-                <a:cs typeface="Courier"/>
-              </a:rPr>
-              <a:t>people.beocat.ksu.edu</a:t>
-            </a:r>
-            <a:r>
-              <a:rPr lang="en-US" sz="1300" dirty="0">
-                <a:latin typeface="Courier"/>
-                <a:cs typeface="Courier"/>
-              </a:rPr>
-              <a:t>/~liu3zhen/PLPTH813/data/references/MG1655.fasta</a:t>
+              <a:buNone/>
+            </a:pPr>
+            <a:r>
+              <a:rPr lang="en-US" sz="3200" dirty="0">
+                <a:latin typeface="Courier New" panose="02070309020205020404" pitchFamily="49" charset="0"/>
+                <a:cs typeface="Courier New" panose="02070309020205020404" pitchFamily="49" charset="0"/>
+              </a:rPr>
+              <a:t>module load BLAST+</a:t>
             </a:r>
           </a:p>
         </p:txBody>
@@ -10296,7 +10559,7 @@
     </p:spTree>
     <p:extLst>
       <p:ext uri="{BB962C8B-B14F-4D97-AF65-F5344CB8AC3E}">
-        <p14:creationId xmlns:p14="http://schemas.microsoft.com/office/powerpoint/2010/main" val="2000764796"/>
+        <p14:creationId xmlns:p14="http://schemas.microsoft.com/office/powerpoint/2010/main" val="1961660135"/>
       </p:ext>
     </p:extLst>
   </p:cSld>
@@ -10333,14 +10596,19 @@
             <p:ph type="title"/>
           </p:nvPr>
         </p:nvSpPr>
-        <p:spPr/>
+        <p:spPr>
+          <a:xfrm>
+            <a:off x="457200" y="269421"/>
+            <a:ext cx="8229600" cy="579740"/>
+          </a:xfrm>
+        </p:spPr>
         <p:txBody>
           <a:bodyPr/>
           <a:lstStyle/>
           <a:p>
             <a:r>
               <a:rPr lang="en-US" dirty="0"/>
-              <a:t>Step 1: Create a database</a:t>
+              <a:t>Genome sequence data</a:t>
             </a:r>
           </a:p>
         </p:txBody>
@@ -10357,8 +10625,8 @@
         </p:nvSpPr>
         <p:spPr>
           <a:xfrm>
-            <a:off x="288894" y="673077"/>
-            <a:ext cx="8686800" cy="4347959"/>
+            <a:off x="378996" y="955892"/>
+            <a:ext cx="8566484" cy="3918187"/>
           </a:xfrm>
         </p:spPr>
         <p:txBody>
@@ -10369,169 +10637,216 @@
           <a:p>
             <a:pPr>
               <a:lnSpc>
-                <a:spcPct val="130000"/>
+                <a:spcPct val="120000"/>
               </a:lnSpc>
             </a:pPr>
             <a:r>
-              <a:rPr lang="en-US" b="1" dirty="0" err="1">
-                <a:solidFill>
-                  <a:srgbClr val="17375E"/>
-                </a:solidFill>
-              </a:rPr>
-              <a:t>makeblastdb</a:t>
-            </a:r>
-            <a:endParaRPr lang="en-US" b="1" dirty="0">
-              <a:solidFill>
-                <a:srgbClr val="17375E"/>
-              </a:solidFill>
-            </a:endParaRPr>
+              <a:rPr lang="en-US" dirty="0" err="1"/>
+              <a:t>E.coli</a:t>
+            </a:r>
+            <a:r>
+              <a:rPr lang="en-US" dirty="0"/>
+              <a:t> K-12 </a:t>
+            </a:r>
+            <a:r>
+              <a:rPr lang="fr-FR" dirty="0"/>
+              <a:t>MG1655 </a:t>
+            </a:r>
+            <a:r>
+              <a:rPr lang="fr-FR" dirty="0" err="1"/>
+              <a:t>reference</a:t>
+            </a:r>
+            <a:r>
+              <a:rPr lang="fr-FR" dirty="0"/>
+              <a:t> </a:t>
+            </a:r>
+            <a:r>
+              <a:rPr lang="fr-FR" dirty="0" err="1"/>
+              <a:t>genome</a:t>
+            </a:r>
+            <a:r>
+              <a:rPr lang="fr-FR" dirty="0"/>
+              <a:t> </a:t>
+            </a:r>
+            <a:r>
+              <a:rPr lang="fr-FR" dirty="0" err="1"/>
+              <a:t>sequence</a:t>
+            </a:r>
+            <a:endParaRPr lang="fr-FR" dirty="0"/>
           </a:p>
           <a:p>
             <a:pPr marL="0" indent="0">
               <a:lnSpc>
-                <a:spcPct val="130000"/>
+                <a:spcPct val="120000"/>
               </a:lnSpc>
               <a:buNone/>
             </a:pPr>
             <a:r>
-              <a:rPr lang="en-US" dirty="0"/>
-              <a:t>A program to create a BLAST database</a:t>
+              <a:rPr lang="fr-FR" dirty="0"/>
+              <a:t># </a:t>
+            </a:r>
+            <a:r>
+              <a:rPr lang="fr-FR" dirty="0" err="1"/>
+              <a:t>create</a:t>
+            </a:r>
+            <a:r>
+              <a:rPr lang="fr-FR" dirty="0"/>
+              <a:t> a new directory for </a:t>
+            </a:r>
+            <a:r>
+              <a:rPr lang="fr-FR" dirty="0" err="1"/>
+              <a:t>today's</a:t>
+            </a:r>
+            <a:r>
+              <a:rPr lang="fr-FR" dirty="0"/>
+              <a:t> practice</a:t>
             </a:r>
           </a:p>
           <a:p>
             <a:pPr marL="0" indent="0">
               <a:lnSpc>
-                <a:spcPct val="130000"/>
+                <a:spcPct val="120000"/>
               </a:lnSpc>
               <a:buNone/>
             </a:pPr>
             <a:r>
-              <a:rPr lang="en-US" sz="2800" dirty="0">
-                <a:latin typeface="Courier New"/>
-                <a:cs typeface="Courier New"/>
-              </a:rPr>
-              <a:t>module load BLAST+</a:t>
+              <a:rPr lang="fr-FR" sz="2800" dirty="0" err="1">
+                <a:latin typeface="Courier"/>
+                <a:cs typeface="Courier"/>
+              </a:rPr>
+              <a:t>mkdir</a:t>
+            </a:r>
+            <a:r>
+              <a:rPr lang="fr-FR" sz="2800" dirty="0">
+                <a:latin typeface="Courier"/>
+                <a:cs typeface="Courier"/>
+              </a:rPr>
+              <a:t> blast</a:t>
             </a:r>
           </a:p>
           <a:p>
             <a:pPr marL="0" indent="0">
               <a:lnSpc>
-                <a:spcPct val="130000"/>
+                <a:spcPct val="120000"/>
               </a:lnSpc>
               <a:buNone/>
             </a:pPr>
             <a:r>
-              <a:rPr lang="en-US" sz="2800" dirty="0" err="1">
-                <a:latin typeface="Courier New"/>
-                <a:cs typeface="Courier New"/>
-              </a:rPr>
-              <a:t>makeblastdb</a:t>
-            </a:r>
-            <a:r>
-              <a:rPr lang="en-US" sz="2800" dirty="0">
-                <a:latin typeface="Courier New"/>
-                <a:cs typeface="Courier New"/>
-              </a:rPr>
-              <a:t> –h</a:t>
+              <a:rPr lang="fr-FR" sz="2800" dirty="0">
+                <a:latin typeface="Courier"/>
+                <a:cs typeface="Courier"/>
+              </a:rPr>
+              <a:t>cd blast</a:t>
             </a:r>
           </a:p>
           <a:p>
             <a:pPr marL="0" indent="0">
               <a:lnSpc>
-                <a:spcPct val="130000"/>
+                <a:spcPct val="120000"/>
               </a:lnSpc>
               <a:buNone/>
             </a:pPr>
             <a:r>
-              <a:rPr lang="en-US" sz="2800" dirty="0" err="1">
-                <a:latin typeface="Courier New"/>
-                <a:cs typeface="Courier New"/>
-              </a:rPr>
-              <a:t>makeblastdb</a:t>
-            </a:r>
-            <a:r>
-              <a:rPr lang="en-US" sz="2800" dirty="0">
-                <a:latin typeface="Courier New"/>
-                <a:cs typeface="Courier New"/>
-              </a:rPr>
-              <a:t> -in MG1655.fasta \</a:t>
-            </a:r>
+              <a:rPr lang="fr-FR" sz="2800" dirty="0" err="1">
+                <a:latin typeface="Courier"/>
+                <a:cs typeface="Courier"/>
+              </a:rPr>
+              <a:t>mkdir</a:t>
+            </a:r>
+            <a:r>
+              <a:rPr lang="fr-FR" sz="2800" dirty="0">
+                <a:latin typeface="Courier"/>
+                <a:cs typeface="Courier"/>
+              </a:rPr>
+              <a:t> </a:t>
+            </a:r>
+            <a:r>
+              <a:rPr lang="fr-FR" sz="2800" dirty="0" err="1">
+                <a:latin typeface="Courier"/>
+                <a:cs typeface="Courier"/>
+              </a:rPr>
+              <a:t>db</a:t>
+            </a:r>
+            <a:endParaRPr lang="fr-FR" sz="2800" dirty="0">
+              <a:latin typeface="Courier"/>
+              <a:cs typeface="Courier"/>
+            </a:endParaRPr>
           </a:p>
           <a:p>
             <a:pPr marL="0" indent="0">
               <a:lnSpc>
-                <a:spcPct val="130000"/>
+                <a:spcPct val="120000"/>
               </a:lnSpc>
               <a:buNone/>
             </a:pPr>
             <a:r>
-              <a:rPr lang="en-US" sz="2800" dirty="0">
-                <a:latin typeface="Courier New"/>
-                <a:cs typeface="Courier New"/>
-              </a:rPr>
-              <a:t>	-out MG1655 -</a:t>
-            </a:r>
-            <a:r>
-              <a:rPr lang="en-US" sz="2800" dirty="0" err="1">
-                <a:latin typeface="Courier New"/>
-                <a:cs typeface="Courier New"/>
-              </a:rPr>
-              <a:t>dbtype</a:t>
-            </a:r>
-            <a:r>
-              <a:rPr lang="en-US" sz="2800" dirty="0">
-                <a:latin typeface="Courier New"/>
-                <a:cs typeface="Courier New"/>
-              </a:rPr>
-              <a:t> </a:t>
-            </a:r>
-            <a:r>
-              <a:rPr lang="en-US" sz="2800" dirty="0" err="1">
-                <a:latin typeface="Courier New"/>
-                <a:cs typeface="Courier New"/>
-              </a:rPr>
-              <a:t>nucl</a:t>
-            </a:r>
-            <a:r>
-              <a:rPr lang="en-US" sz="2800" dirty="0">
-                <a:latin typeface="Courier New"/>
-                <a:cs typeface="Courier New"/>
-              </a:rPr>
-              <a:t> \</a:t>
-            </a:r>
+              <a:rPr lang="fr-FR" sz="2800" dirty="0">
+                <a:latin typeface="Courier"/>
+                <a:cs typeface="Courier"/>
+              </a:rPr>
+              <a:t>cd </a:t>
+            </a:r>
+            <a:r>
+              <a:rPr lang="fr-FR" sz="2800" dirty="0" err="1">
+                <a:latin typeface="Courier"/>
+                <a:cs typeface="Courier"/>
+              </a:rPr>
+              <a:t>db</a:t>
+            </a:r>
+            <a:endParaRPr lang="fr-FR" sz="2800" dirty="0">
+              <a:latin typeface="Courier"/>
+              <a:cs typeface="Courier"/>
+            </a:endParaRPr>
           </a:p>
           <a:p>
             <a:pPr marL="0" indent="0">
               <a:lnSpc>
-                <a:spcPct val="130000"/>
+                <a:spcPct val="120000"/>
               </a:lnSpc>
               <a:buNone/>
             </a:pPr>
             <a:r>
-              <a:rPr lang="en-US" sz="2800" dirty="0">
-                <a:latin typeface="Courier New"/>
-                <a:cs typeface="Courier New"/>
-              </a:rPr>
-              <a:t>	-</a:t>
-            </a:r>
-            <a:r>
-              <a:rPr lang="en-US" sz="2800" dirty="0" err="1">
-                <a:latin typeface="Courier New"/>
-                <a:cs typeface="Courier New"/>
-              </a:rPr>
-              <a:t>parse_seqids</a:t>
-            </a:r>
-            <a:endParaRPr lang="en-US" sz="2800" dirty="0">
-              <a:latin typeface="Courier New"/>
-              <a:cs typeface="Courier New"/>
-            </a:endParaRPr>
+              <a:rPr lang="en-US" sz="2000" dirty="0" err="1">
+                <a:latin typeface="Courier"/>
+                <a:cs typeface="Courier"/>
+              </a:rPr>
+              <a:t>wget</a:t>
+            </a:r>
+            <a:r>
+              <a:rPr lang="en-US" sz="2000" dirty="0">
+                <a:latin typeface="Courier"/>
+                <a:cs typeface="Courier"/>
+              </a:rPr>
+              <a:t> </a:t>
+            </a:r>
+            <a:r>
+              <a:rPr lang="en-US" sz="1300" dirty="0">
+                <a:latin typeface="Courier"/>
+                <a:cs typeface="Courier"/>
+              </a:rPr>
+              <a:t>https://</a:t>
+            </a:r>
+            <a:r>
+              <a:rPr lang="en-US" sz="1300" dirty="0" err="1">
+                <a:latin typeface="Courier"/>
+                <a:cs typeface="Courier"/>
+              </a:rPr>
+              <a:t>people.beocat.ksu.edu</a:t>
+            </a:r>
+            <a:r>
+              <a:rPr lang="en-US" sz="1300" dirty="0">
+                <a:latin typeface="Courier"/>
+                <a:cs typeface="Courier"/>
+              </a:rPr>
+              <a:t>/~liu3zhen/PLPTH813/data/references/MG1655.fasta</a:t>
+            </a:r>
           </a:p>
         </p:txBody>
       </p:sp>
     </p:spTree>
     <p:extLst>
       <p:ext uri="{BB962C8B-B14F-4D97-AF65-F5344CB8AC3E}">
-        <p14:creationId xmlns:p14="http://schemas.microsoft.com/office/powerpoint/2010/main" val="1487461360"/>
+        <p14:creationId xmlns:p14="http://schemas.microsoft.com/office/powerpoint/2010/main" val="2000764796"/>
       </p:ext>
     </p:extLst>
   </p:cSld>

--- a/PLPTH813Bioinformatis/2025/2_lab/lab03_alignment.pptx
+++ b/PLPTH813Bioinformatis/2025/2_lab/lab03_alignment.pptx
@@ -5,29 +5,32 @@
     <p:sldMasterId id="2147483648" r:id="rId1"/>
   </p:sldMasterIdLst>
   <p:notesMasterIdLst>
-    <p:notesMasterId r:id="rId22"/>
+    <p:notesMasterId r:id="rId25"/>
   </p:notesMasterIdLst>
   <p:sldIdLst>
     <p:sldId id="256" r:id="rId2"/>
     <p:sldId id="269" r:id="rId3"/>
     <p:sldId id="314" r:id="rId4"/>
-    <p:sldId id="310" r:id="rId5"/>
-    <p:sldId id="311" r:id="rId6"/>
-    <p:sldId id="312" r:id="rId7"/>
-    <p:sldId id="297" r:id="rId8"/>
-    <p:sldId id="309" r:id="rId9"/>
-    <p:sldId id="271" r:id="rId10"/>
-    <p:sldId id="280" r:id="rId11"/>
-    <p:sldId id="285" r:id="rId12"/>
-    <p:sldId id="275" r:id="rId13"/>
-    <p:sldId id="286" r:id="rId14"/>
-    <p:sldId id="287" r:id="rId15"/>
-    <p:sldId id="289" r:id="rId16"/>
-    <p:sldId id="288" r:id="rId17"/>
-    <p:sldId id="290" r:id="rId18"/>
-    <p:sldId id="291" r:id="rId19"/>
-    <p:sldId id="279" r:id="rId20"/>
-    <p:sldId id="313" r:id="rId21"/>
+    <p:sldId id="298" r:id="rId5"/>
+    <p:sldId id="315" r:id="rId6"/>
+    <p:sldId id="310" r:id="rId7"/>
+    <p:sldId id="311" r:id="rId8"/>
+    <p:sldId id="299" r:id="rId9"/>
+    <p:sldId id="312" r:id="rId10"/>
+    <p:sldId id="297" r:id="rId11"/>
+    <p:sldId id="309" r:id="rId12"/>
+    <p:sldId id="271" r:id="rId13"/>
+    <p:sldId id="280" r:id="rId14"/>
+    <p:sldId id="285" r:id="rId15"/>
+    <p:sldId id="275" r:id="rId16"/>
+    <p:sldId id="286" r:id="rId17"/>
+    <p:sldId id="287" r:id="rId18"/>
+    <p:sldId id="289" r:id="rId19"/>
+    <p:sldId id="288" r:id="rId20"/>
+    <p:sldId id="290" r:id="rId21"/>
+    <p:sldId id="291" r:id="rId22"/>
+    <p:sldId id="279" r:id="rId23"/>
+    <p:sldId id="313" r:id="rId24"/>
   </p:sldIdLst>
   <p:sldSz cx="9144000" cy="5143500" type="screen16x9"/>
   <p:notesSz cx="6858000" cy="9144000"/>
@@ -227,7 +230,7 @@
           <a:p>
             <a:fld id="{08E6E0A8-E17C-C949-B17E-7A1A6494483A}" type="datetimeFigureOut">
               <a:rPr lang="en-US" smtClean="0"/>
-              <a:t>2/6/25</a:t>
+              <a:t>2/12/25</a:t>
             </a:fld>
             <a:endParaRPr lang="en-US"/>
           </a:p>
@@ -607,8 +610,8 @@
         </p:nvSpPr>
         <p:spPr>
           <a:xfrm>
-            <a:off x="381000" y="685800"/>
-            <a:ext cx="6096000" cy="3429000"/>
+            <a:off x="685800" y="1143000"/>
+            <a:ext cx="5486400" cy="3086100"/>
           </a:xfrm>
         </p:spPr>
       </p:sp>
@@ -627,7 +630,18 @@
           <a:bodyPr/>
           <a:lstStyle/>
           <a:p>
-            <a:endParaRPr lang="en-US" dirty="0"/>
+            <a:r>
+              <a:rPr lang="en-US" dirty="0"/>
+              <a:t>https://</a:t>
+            </a:r>
+            <a:r>
+              <a:rPr lang="en-US" dirty="0" err="1"/>
+              <a:t>www.anaconda.com</a:t>
+            </a:r>
+            <a:r>
+              <a:rPr lang="en-US" dirty="0"/>
+              <a:t>/products/distribution</a:t>
+            </a:r>
           </a:p>
         </p:txBody>
       </p:sp>
@@ -646,9 +660,98 @@
           <a:bodyPr/>
           <a:lstStyle/>
           <a:p>
+            <a:fld id="{D2042D64-B0EB-4845-B085-D499D4D09042}" type="slidenum">
+              <a:rPr lang="en-US" smtClean="0"/>
+              <a:t>4</a:t>
+            </a:fld>
+            <a:endParaRPr lang="en-US"/>
+          </a:p>
+        </p:txBody>
+      </p:sp>
+    </p:spTree>
+    <p:extLst>
+      <p:ext uri="{BB962C8B-B14F-4D97-AF65-F5344CB8AC3E}">
+        <p14:creationId xmlns:p14="http://schemas.microsoft.com/office/powerpoint/2010/main" val="3564160021"/>
+      </p:ext>
+    </p:extLst>
+  </p:cSld>
+  <p:clrMapOvr>
+    <a:masterClrMapping/>
+  </p:clrMapOvr>
+</p:notes>
+</file>
+
+<file path=ppt/notesSlides/notesSlide3.xml><?xml version="1.0" encoding="utf-8"?>
+<p:notes xmlns:a="http://schemas.openxmlformats.org/drawingml/2006/main" xmlns:r="http://schemas.openxmlformats.org/officeDocument/2006/relationships" xmlns:p="http://schemas.openxmlformats.org/presentationml/2006/main">
+  <p:cSld>
+    <p:spTree>
+      <p:nvGrpSpPr>
+        <p:cNvPr id="1" name=""/>
+        <p:cNvGrpSpPr/>
+        <p:nvPr/>
+      </p:nvGrpSpPr>
+      <p:grpSpPr>
+        <a:xfrm>
+          <a:off x="0" y="0"/>
+          <a:ext cx="0" cy="0"/>
+          <a:chOff x="0" y="0"/>
+          <a:chExt cx="0" cy="0"/>
+        </a:xfrm>
+      </p:grpSpPr>
+      <p:sp>
+        <p:nvSpPr>
+          <p:cNvPr id="2" name="Slide Image Placeholder 1"/>
+          <p:cNvSpPr>
+            <a:spLocks noGrp="1" noRot="1" noChangeAspect="1"/>
+          </p:cNvSpPr>
+          <p:nvPr>
+            <p:ph type="sldImg"/>
+          </p:nvPr>
+        </p:nvSpPr>
+        <p:spPr>
+          <a:xfrm>
+            <a:off x="381000" y="685800"/>
+            <a:ext cx="6096000" cy="3429000"/>
+          </a:xfrm>
+        </p:spPr>
+      </p:sp>
+      <p:sp>
+        <p:nvSpPr>
+          <p:cNvPr id="3" name="Notes Placeholder 2"/>
+          <p:cNvSpPr>
+            <a:spLocks noGrp="1"/>
+          </p:cNvSpPr>
+          <p:nvPr>
+            <p:ph type="body" idx="1"/>
+          </p:nvPr>
+        </p:nvSpPr>
+        <p:spPr/>
+        <p:txBody>
+          <a:bodyPr/>
+          <a:lstStyle/>
+          <a:p>
+            <a:endParaRPr lang="en-US" dirty="0"/>
+          </a:p>
+        </p:txBody>
+      </p:sp>
+      <p:sp>
+        <p:nvSpPr>
+          <p:cNvPr id="4" name="Slide Number Placeholder 3"/>
+          <p:cNvSpPr>
+            <a:spLocks noGrp="1"/>
+          </p:cNvSpPr>
+          <p:nvPr>
+            <p:ph type="sldNum" sz="quarter" idx="5"/>
+          </p:nvPr>
+        </p:nvSpPr>
+        <p:spPr/>
+        <p:txBody>
+          <a:bodyPr/>
+          <a:lstStyle/>
+          <a:p>
             <a:fld id="{DC2B8C24-ACAE-AE41-B565-178ED93271F0}" type="slidenum">
               <a:rPr lang="en-US" smtClean="0"/>
-              <a:t>9</a:t>
+              <a:t>12</a:t>
             </a:fld>
             <a:endParaRPr lang="en-US"/>
           </a:p>
@@ -846,7 +949,7 @@
           <a:p>
             <a:fld id="{42B8B0BE-C8D7-EB48-AD68-71DB5002F24B}" type="datetimeFigureOut">
               <a:rPr lang="en-US" smtClean="0"/>
-              <a:t>2/6/25</a:t>
+              <a:t>2/12/25</a:t>
             </a:fld>
             <a:endParaRPr lang="en-US"/>
           </a:p>
@@ -1014,7 +1117,7 @@
           <a:p>
             <a:fld id="{42B8B0BE-C8D7-EB48-AD68-71DB5002F24B}" type="datetimeFigureOut">
               <a:rPr lang="en-US" smtClean="0"/>
-              <a:t>2/6/25</a:t>
+              <a:t>2/12/25</a:t>
             </a:fld>
             <a:endParaRPr lang="en-US"/>
           </a:p>
@@ -1192,7 +1295,7 @@
           <a:p>
             <a:fld id="{42B8B0BE-C8D7-EB48-AD68-71DB5002F24B}" type="datetimeFigureOut">
               <a:rPr lang="en-US" smtClean="0"/>
-              <a:t>2/6/25</a:t>
+              <a:t>2/12/25</a:t>
             </a:fld>
             <a:endParaRPr lang="en-US"/>
           </a:p>
@@ -1360,7 +1463,7 @@
           <a:p>
             <a:fld id="{42B8B0BE-C8D7-EB48-AD68-71DB5002F24B}" type="datetimeFigureOut">
               <a:rPr lang="en-US" smtClean="0"/>
-              <a:t>2/6/25</a:t>
+              <a:t>2/12/25</a:t>
             </a:fld>
             <a:endParaRPr lang="en-US"/>
           </a:p>
@@ -1605,7 +1708,7 @@
           <a:p>
             <a:fld id="{42B8B0BE-C8D7-EB48-AD68-71DB5002F24B}" type="datetimeFigureOut">
               <a:rPr lang="en-US" smtClean="0"/>
-              <a:t>2/6/25</a:t>
+              <a:t>2/12/25</a:t>
             </a:fld>
             <a:endParaRPr lang="en-US"/>
           </a:p>
@@ -1890,7 +1993,7 @@
           <a:p>
             <a:fld id="{42B8B0BE-C8D7-EB48-AD68-71DB5002F24B}" type="datetimeFigureOut">
               <a:rPr lang="en-US" smtClean="0"/>
-              <a:t>2/6/25</a:t>
+              <a:t>2/12/25</a:t>
             </a:fld>
             <a:endParaRPr lang="en-US"/>
           </a:p>
@@ -2309,7 +2412,7 @@
           <a:p>
             <a:fld id="{42B8B0BE-C8D7-EB48-AD68-71DB5002F24B}" type="datetimeFigureOut">
               <a:rPr lang="en-US" smtClean="0"/>
-              <a:t>2/6/25</a:t>
+              <a:t>2/12/25</a:t>
             </a:fld>
             <a:endParaRPr lang="en-US"/>
           </a:p>
@@ -2426,7 +2529,7 @@
           <a:p>
             <a:fld id="{42B8B0BE-C8D7-EB48-AD68-71DB5002F24B}" type="datetimeFigureOut">
               <a:rPr lang="en-US" smtClean="0"/>
-              <a:t>2/6/25</a:t>
+              <a:t>2/12/25</a:t>
             </a:fld>
             <a:endParaRPr lang="en-US"/>
           </a:p>
@@ -2521,7 +2624,7 @@
           <a:p>
             <a:fld id="{42B8B0BE-C8D7-EB48-AD68-71DB5002F24B}" type="datetimeFigureOut">
               <a:rPr lang="en-US" smtClean="0"/>
-              <a:t>2/6/25</a:t>
+              <a:t>2/12/25</a:t>
             </a:fld>
             <a:endParaRPr lang="en-US"/>
           </a:p>
@@ -2796,7 +2899,7 @@
           <a:p>
             <a:fld id="{42B8B0BE-C8D7-EB48-AD68-71DB5002F24B}" type="datetimeFigureOut">
               <a:rPr lang="en-US" smtClean="0"/>
-              <a:t>2/6/25</a:t>
+              <a:t>2/12/25</a:t>
             </a:fld>
             <a:endParaRPr lang="en-US"/>
           </a:p>
@@ -3048,7 +3151,7 @@
           <a:p>
             <a:fld id="{42B8B0BE-C8D7-EB48-AD68-71DB5002F24B}" type="datetimeFigureOut">
               <a:rPr lang="en-US" smtClean="0"/>
-              <a:t>2/6/25</a:t>
+              <a:t>2/12/25</a:t>
             </a:fld>
             <a:endParaRPr lang="en-US"/>
           </a:p>
@@ -3259,7 +3362,7 @@
           <a:p>
             <a:fld id="{42B8B0BE-C8D7-EB48-AD68-71DB5002F24B}" type="datetimeFigureOut">
               <a:rPr lang="en-US" smtClean="0"/>
-              <a:t>2/6/25</a:t>
+              <a:t>2/12/25</a:t>
             </a:fld>
             <a:endParaRPr lang="en-US"/>
           </a:p>
@@ -3755,14 +3858,21 @@
             <p:ph type="title"/>
           </p:nvPr>
         </p:nvSpPr>
-        <p:spPr/>
-        <p:txBody>
-          <a:bodyPr/>
+        <p:spPr>
+          <a:xfrm>
+            <a:off x="457200" y="210031"/>
+            <a:ext cx="8229600" cy="924806"/>
+          </a:xfrm>
+        </p:spPr>
+        <p:txBody>
+          <a:bodyPr>
+            <a:normAutofit/>
+          </a:bodyPr>
           <a:lstStyle/>
           <a:p>
             <a:r>
-              <a:rPr lang="en-US" dirty="0"/>
-              <a:t>Step 1: Create a database</a:t>
+              <a:rPr lang="en-US" sz="3600" dirty="0"/>
+              <a:t>Goal of today’s lab</a:t>
             </a:r>
           </a:p>
         </p:txBody>
@@ -3779,181 +3889,74 @@
         </p:nvSpPr>
         <p:spPr>
           <a:xfrm>
-            <a:off x="288894" y="673077"/>
-            <a:ext cx="8686800" cy="4347959"/>
+            <a:off x="1774352" y="1461406"/>
+            <a:ext cx="5823876" cy="2661557"/>
           </a:xfrm>
         </p:spPr>
         <p:txBody>
           <a:bodyPr>
-            <a:normAutofit/>
+            <a:noAutofit/>
           </a:bodyPr>
           <a:lstStyle/>
           <a:p>
-            <a:pPr>
-              <a:lnSpc>
-                <a:spcPct val="130000"/>
-              </a:lnSpc>
-            </a:pPr>
-            <a:r>
-              <a:rPr lang="en-US" b="1" dirty="0" err="1">
+            <a:r>
+              <a:rPr lang="en-US" sz="2800" dirty="0">
                 <a:solidFill>
-                  <a:srgbClr val="17375E"/>
+                  <a:schemeClr val="bg1">
+                    <a:lumMod val="75000"/>
+                  </a:schemeClr>
                 </a:solidFill>
               </a:rPr>
-              <a:t>makeblastdb</a:t>
-            </a:r>
-            <a:endParaRPr lang="en-US" b="1" dirty="0">
+              <a:t>Make a </a:t>
+            </a:r>
+            <a:r>
+              <a:rPr lang="en-US" sz="2800" dirty="0" err="1">
+                <a:solidFill>
+                  <a:schemeClr val="bg1">
+                    <a:lumMod val="75000"/>
+                  </a:schemeClr>
+                </a:solidFill>
+              </a:rPr>
+              <a:t>dotplot</a:t>
+            </a:r>
+            <a:endParaRPr lang="en-US" sz="2800" dirty="0">
               <a:solidFill>
-                <a:srgbClr val="17375E"/>
+                <a:schemeClr val="bg1">
+                  <a:lumMod val="75000"/>
+                </a:schemeClr>
               </a:solidFill>
             </a:endParaRPr>
           </a:p>
           <a:p>
-            <a:pPr marL="0" indent="0">
-              <a:lnSpc>
-                <a:spcPct val="130000"/>
-              </a:lnSpc>
-              <a:buNone/>
-            </a:pPr>
-            <a:r>
-              <a:rPr lang="en-US" dirty="0"/>
-              <a:t>A program to create a BLAST database</a:t>
-            </a:r>
-          </a:p>
-          <a:p>
-            <a:pPr marL="0" indent="0">
-              <a:lnSpc>
-                <a:spcPct val="130000"/>
-              </a:lnSpc>
-              <a:buNone/>
-            </a:pPr>
-            <a:r>
-              <a:rPr lang="en-US" sz="2800" dirty="0">
-                <a:latin typeface="Courier New"/>
-                <a:cs typeface="Courier New"/>
-              </a:rPr>
-              <a:t>module load BLAST+</a:t>
-            </a:r>
-          </a:p>
-          <a:p>
-            <a:pPr marL="0" indent="0">
-              <a:lnSpc>
-                <a:spcPct val="130000"/>
-              </a:lnSpc>
-              <a:buNone/>
-            </a:pPr>
-            <a:r>
-              <a:rPr lang="en-US" sz="2800" dirty="0" err="1">
-                <a:latin typeface="Courier New"/>
-                <a:cs typeface="Courier New"/>
-              </a:rPr>
-              <a:t>makeblastdb</a:t>
-            </a:r>
-            <a:r>
-              <a:rPr lang="en-US" sz="2800" dirty="0">
-                <a:latin typeface="Courier New"/>
-                <a:cs typeface="Courier New"/>
-              </a:rPr>
-              <a:t> –h</a:t>
-            </a:r>
-          </a:p>
-          <a:p>
-            <a:pPr marL="0" indent="0">
-              <a:lnSpc>
-                <a:spcPct val="130000"/>
-              </a:lnSpc>
-              <a:buNone/>
-            </a:pPr>
-            <a:r>
-              <a:rPr lang="en-US" sz="2800" dirty="0" err="1">
-                <a:latin typeface="Courier New"/>
-                <a:cs typeface="Courier New"/>
-              </a:rPr>
-              <a:t>makeblastdb</a:t>
-            </a:r>
-            <a:r>
-              <a:rPr lang="en-US" sz="2800" dirty="0">
-                <a:latin typeface="Courier New"/>
-                <a:cs typeface="Courier New"/>
-              </a:rPr>
-              <a:t> -in MG1655.fasta \</a:t>
-            </a:r>
-          </a:p>
-          <a:p>
-            <a:pPr marL="0" indent="0">
-              <a:lnSpc>
-                <a:spcPct val="130000"/>
-              </a:lnSpc>
-              <a:buNone/>
-            </a:pPr>
-            <a:r>
-              <a:rPr lang="en-US" sz="2800" dirty="0">
-                <a:latin typeface="Courier New"/>
-                <a:cs typeface="Courier New"/>
-              </a:rPr>
-              <a:t>	-out MG1655 -</a:t>
-            </a:r>
-            <a:r>
-              <a:rPr lang="en-US" sz="2800" dirty="0" err="1">
-                <a:latin typeface="Courier New"/>
-                <a:cs typeface="Courier New"/>
-              </a:rPr>
-              <a:t>dbtype</a:t>
-            </a:r>
-            <a:r>
-              <a:rPr lang="en-US" sz="2800" dirty="0">
-                <a:latin typeface="Courier New"/>
-                <a:cs typeface="Courier New"/>
-              </a:rPr>
-              <a:t> </a:t>
-            </a:r>
-            <a:r>
-              <a:rPr lang="en-US" sz="2800" dirty="0" err="1">
-                <a:latin typeface="Courier New"/>
-                <a:cs typeface="Courier New"/>
-              </a:rPr>
-              <a:t>nucl</a:t>
-            </a:r>
-            <a:r>
-              <a:rPr lang="en-US" sz="2800" dirty="0">
-                <a:latin typeface="Courier New"/>
-                <a:cs typeface="Courier New"/>
-              </a:rPr>
-              <a:t> \</a:t>
-            </a:r>
-          </a:p>
-          <a:p>
-            <a:pPr marL="0" indent="0">
-              <a:lnSpc>
-                <a:spcPct val="130000"/>
-              </a:lnSpc>
-              <a:buNone/>
-            </a:pPr>
-            <a:r>
-              <a:rPr lang="en-US" sz="2800" dirty="0">
-                <a:latin typeface="Courier New"/>
-                <a:cs typeface="Courier New"/>
-              </a:rPr>
-              <a:t>	-</a:t>
-            </a:r>
-            <a:r>
-              <a:rPr lang="en-US" sz="2800" dirty="0" err="1">
-                <a:latin typeface="Courier New"/>
-                <a:cs typeface="Courier New"/>
-              </a:rPr>
-              <a:t>parse_seqids</a:t>
-            </a:r>
-            <a:endParaRPr lang="en-US" sz="2800" dirty="0">
-              <a:latin typeface="Courier New"/>
-              <a:cs typeface="Courier New"/>
-            </a:endParaRPr>
+            <a:r>
+              <a:rPr lang="en-US" sz="2800" dirty="0"/>
+              <a:t>Create BLAST database</a:t>
+            </a:r>
+          </a:p>
+          <a:p>
+            <a:r>
+              <a:rPr lang="en-US" sz="2800" dirty="0"/>
+              <a:t>BLASTN</a:t>
+            </a:r>
+          </a:p>
+          <a:p>
+            <a:r>
+              <a:rPr lang="en-US" sz="2800" dirty="0"/>
+              <a:t>BLASTP</a:t>
+            </a:r>
+          </a:p>
+          <a:p>
+            <a:r>
+              <a:rPr lang="en-US" sz="2800" dirty="0"/>
+              <a:t>Extract sequences from database</a:t>
+            </a:r>
           </a:p>
         </p:txBody>
       </p:sp>
     </p:spTree>
     <p:extLst>
       <p:ext uri="{BB962C8B-B14F-4D97-AF65-F5344CB8AC3E}">
-        <p14:creationId xmlns:p14="http://schemas.microsoft.com/office/powerpoint/2010/main" val="1487461360"/>
+        <p14:creationId xmlns:p14="http://schemas.microsoft.com/office/powerpoint/2010/main" val="1701507504"/>
       </p:ext>
     </p:extLst>
   </p:cSld>
@@ -3982,6 +3985,638 @@
       </p:grpSpPr>
       <p:sp>
         <p:nvSpPr>
+          <p:cNvPr id="2" name="Title 1">
+            <a:extLst>
+              <a:ext uri="{FF2B5EF4-FFF2-40B4-BE49-F238E27FC236}">
+                <a16:creationId xmlns:a16="http://schemas.microsoft.com/office/drawing/2014/main" id="{9F0415AB-9825-F74F-8B4C-69A2FFDAFBE6}"/>
+              </a:ext>
+            </a:extLst>
+          </p:cNvPr>
+          <p:cNvSpPr>
+            <a:spLocks noGrp="1"/>
+          </p:cNvSpPr>
+          <p:nvPr>
+            <p:ph type="title"/>
+          </p:nvPr>
+        </p:nvSpPr>
+        <p:spPr>
+          <a:xfrm>
+            <a:off x="457200" y="279457"/>
+            <a:ext cx="8229600" cy="579740"/>
+          </a:xfrm>
+        </p:spPr>
+        <p:txBody>
+          <a:bodyPr>
+            <a:normAutofit/>
+          </a:bodyPr>
+          <a:lstStyle/>
+          <a:p>
+            <a:r>
+              <a:rPr lang="en-US" sz="3200" dirty="0"/>
+              <a:t>Load modules</a:t>
+            </a:r>
+          </a:p>
+        </p:txBody>
+      </p:sp>
+      <p:sp>
+        <p:nvSpPr>
+          <p:cNvPr id="3" name="Content Placeholder 2">
+            <a:extLst>
+              <a:ext uri="{FF2B5EF4-FFF2-40B4-BE49-F238E27FC236}">
+                <a16:creationId xmlns:a16="http://schemas.microsoft.com/office/drawing/2014/main" id="{7C3BAB38-69F4-8C47-951F-CCBEC8CE792C}"/>
+              </a:ext>
+            </a:extLst>
+          </p:cNvPr>
+          <p:cNvSpPr>
+            <a:spLocks noGrp="1"/>
+          </p:cNvSpPr>
+          <p:nvPr>
+            <p:ph idx="1"/>
+          </p:nvPr>
+        </p:nvSpPr>
+        <p:spPr>
+          <a:xfrm>
+            <a:off x="1875437" y="1751239"/>
+            <a:ext cx="5833998" cy="1641021"/>
+          </a:xfrm>
+        </p:spPr>
+        <p:txBody>
+          <a:bodyPr/>
+          <a:lstStyle/>
+          <a:p>
+            <a:r>
+              <a:rPr lang="en-US" sz="3200" dirty="0"/>
+              <a:t>Blast+</a:t>
+            </a:r>
+          </a:p>
+          <a:p>
+            <a:pPr marL="0" indent="0">
+              <a:buNone/>
+            </a:pPr>
+            <a:r>
+              <a:rPr lang="en-US" sz="3200" dirty="0">
+                <a:latin typeface="Courier New" panose="02070309020205020404" pitchFamily="49" charset="0"/>
+                <a:cs typeface="Courier New" panose="02070309020205020404" pitchFamily="49" charset="0"/>
+              </a:rPr>
+              <a:t>module load BLAST+</a:t>
+            </a:r>
+          </a:p>
+        </p:txBody>
+      </p:sp>
+    </p:spTree>
+    <p:extLst>
+      <p:ext uri="{BB962C8B-B14F-4D97-AF65-F5344CB8AC3E}">
+        <p14:creationId xmlns:p14="http://schemas.microsoft.com/office/powerpoint/2010/main" val="1961660135"/>
+      </p:ext>
+    </p:extLst>
+  </p:cSld>
+  <p:clrMapOvr>
+    <a:masterClrMapping/>
+  </p:clrMapOvr>
+</p:sld>
+</file>
+
+<file path=ppt/slides/slide12.xml><?xml version="1.0" encoding="utf-8"?>
+<p:sld xmlns:a="http://schemas.openxmlformats.org/drawingml/2006/main" xmlns:r="http://schemas.openxmlformats.org/officeDocument/2006/relationships" xmlns:p="http://schemas.openxmlformats.org/presentationml/2006/main">
+  <p:cSld>
+    <p:spTree>
+      <p:nvGrpSpPr>
+        <p:cNvPr id="1" name=""/>
+        <p:cNvGrpSpPr/>
+        <p:nvPr/>
+      </p:nvGrpSpPr>
+      <p:grpSpPr>
+        <a:xfrm>
+          <a:off x="0" y="0"/>
+          <a:ext cx="0" cy="0"/>
+          <a:chOff x="0" y="0"/>
+          <a:chExt cx="0" cy="0"/>
+        </a:xfrm>
+      </p:grpSpPr>
+      <p:sp>
+        <p:nvSpPr>
+          <p:cNvPr id="2" name="Title 1"/>
+          <p:cNvSpPr>
+            <a:spLocks noGrp="1"/>
+          </p:cNvSpPr>
+          <p:nvPr>
+            <p:ph type="title"/>
+          </p:nvPr>
+        </p:nvSpPr>
+        <p:spPr>
+          <a:xfrm>
+            <a:off x="457200" y="269421"/>
+            <a:ext cx="8229600" cy="579740"/>
+          </a:xfrm>
+        </p:spPr>
+        <p:txBody>
+          <a:bodyPr/>
+          <a:lstStyle/>
+          <a:p>
+            <a:r>
+              <a:rPr lang="en-US" dirty="0"/>
+              <a:t>Genome sequence data</a:t>
+            </a:r>
+          </a:p>
+        </p:txBody>
+      </p:sp>
+      <p:sp>
+        <p:nvSpPr>
+          <p:cNvPr id="3" name="Content Placeholder 2"/>
+          <p:cNvSpPr>
+            <a:spLocks noGrp="1"/>
+          </p:cNvSpPr>
+          <p:nvPr>
+            <p:ph idx="1"/>
+          </p:nvPr>
+        </p:nvSpPr>
+        <p:spPr>
+          <a:xfrm>
+            <a:off x="378996" y="955892"/>
+            <a:ext cx="8566484" cy="3918187"/>
+          </a:xfrm>
+        </p:spPr>
+        <p:txBody>
+          <a:bodyPr>
+            <a:normAutofit/>
+          </a:bodyPr>
+          <a:lstStyle/>
+          <a:p>
+            <a:pPr>
+              <a:lnSpc>
+                <a:spcPct val="120000"/>
+              </a:lnSpc>
+            </a:pPr>
+            <a:r>
+              <a:rPr lang="en-US" dirty="0" err="1"/>
+              <a:t>E.coli</a:t>
+            </a:r>
+            <a:r>
+              <a:rPr lang="en-US" dirty="0"/>
+              <a:t> K-12 </a:t>
+            </a:r>
+            <a:r>
+              <a:rPr lang="fr-FR" dirty="0"/>
+              <a:t>MG1655 </a:t>
+            </a:r>
+            <a:r>
+              <a:rPr lang="fr-FR" dirty="0" err="1"/>
+              <a:t>reference</a:t>
+            </a:r>
+            <a:r>
+              <a:rPr lang="fr-FR" dirty="0"/>
+              <a:t> </a:t>
+            </a:r>
+            <a:r>
+              <a:rPr lang="fr-FR" dirty="0" err="1"/>
+              <a:t>genome</a:t>
+            </a:r>
+            <a:r>
+              <a:rPr lang="fr-FR" dirty="0"/>
+              <a:t> </a:t>
+            </a:r>
+            <a:r>
+              <a:rPr lang="fr-FR" dirty="0" err="1"/>
+              <a:t>sequence</a:t>
+            </a:r>
+            <a:endParaRPr lang="fr-FR" dirty="0"/>
+          </a:p>
+          <a:p>
+            <a:pPr marL="0" indent="0">
+              <a:lnSpc>
+                <a:spcPct val="120000"/>
+              </a:lnSpc>
+              <a:buNone/>
+            </a:pPr>
+            <a:r>
+              <a:rPr lang="fr-FR" dirty="0"/>
+              <a:t># </a:t>
+            </a:r>
+            <a:r>
+              <a:rPr lang="fr-FR" dirty="0" err="1"/>
+              <a:t>create</a:t>
+            </a:r>
+            <a:r>
+              <a:rPr lang="fr-FR" dirty="0"/>
+              <a:t> a new directory for </a:t>
+            </a:r>
+            <a:r>
+              <a:rPr lang="fr-FR" dirty="0" err="1"/>
+              <a:t>today's</a:t>
+            </a:r>
+            <a:r>
+              <a:rPr lang="fr-FR" dirty="0"/>
+              <a:t> practice</a:t>
+            </a:r>
+          </a:p>
+          <a:p>
+            <a:pPr marL="0" indent="0">
+              <a:lnSpc>
+                <a:spcPct val="120000"/>
+              </a:lnSpc>
+              <a:buNone/>
+            </a:pPr>
+            <a:r>
+              <a:rPr lang="fr-FR" sz="2800" dirty="0" err="1">
+                <a:latin typeface="Courier"/>
+                <a:cs typeface="Courier"/>
+              </a:rPr>
+              <a:t>mkdir</a:t>
+            </a:r>
+            <a:r>
+              <a:rPr lang="fr-FR" sz="2800" dirty="0">
+                <a:latin typeface="Courier"/>
+                <a:cs typeface="Courier"/>
+              </a:rPr>
+              <a:t> blast</a:t>
+            </a:r>
+          </a:p>
+          <a:p>
+            <a:pPr marL="0" indent="0">
+              <a:lnSpc>
+                <a:spcPct val="120000"/>
+              </a:lnSpc>
+              <a:buNone/>
+            </a:pPr>
+            <a:r>
+              <a:rPr lang="fr-FR" sz="2800" dirty="0">
+                <a:latin typeface="Courier"/>
+                <a:cs typeface="Courier"/>
+              </a:rPr>
+              <a:t>cd blast</a:t>
+            </a:r>
+          </a:p>
+          <a:p>
+            <a:pPr marL="0" indent="0">
+              <a:lnSpc>
+                <a:spcPct val="120000"/>
+              </a:lnSpc>
+              <a:buNone/>
+            </a:pPr>
+            <a:r>
+              <a:rPr lang="fr-FR" sz="2800" dirty="0" err="1">
+                <a:latin typeface="Courier"/>
+                <a:cs typeface="Courier"/>
+              </a:rPr>
+              <a:t>mkdir</a:t>
+            </a:r>
+            <a:r>
+              <a:rPr lang="fr-FR" sz="2800" dirty="0">
+                <a:latin typeface="Courier"/>
+                <a:cs typeface="Courier"/>
+              </a:rPr>
+              <a:t> </a:t>
+            </a:r>
+            <a:r>
+              <a:rPr lang="fr-FR" sz="2800" dirty="0" err="1">
+                <a:latin typeface="Courier"/>
+                <a:cs typeface="Courier"/>
+              </a:rPr>
+              <a:t>db</a:t>
+            </a:r>
+            <a:endParaRPr lang="fr-FR" sz="2800" dirty="0">
+              <a:latin typeface="Courier"/>
+              <a:cs typeface="Courier"/>
+            </a:endParaRPr>
+          </a:p>
+          <a:p>
+            <a:pPr marL="0" indent="0">
+              <a:lnSpc>
+                <a:spcPct val="120000"/>
+              </a:lnSpc>
+              <a:buNone/>
+            </a:pPr>
+            <a:r>
+              <a:rPr lang="fr-FR" sz="2800" dirty="0">
+                <a:latin typeface="Courier"/>
+                <a:cs typeface="Courier"/>
+              </a:rPr>
+              <a:t>cd </a:t>
+            </a:r>
+            <a:r>
+              <a:rPr lang="fr-FR" sz="2800" dirty="0" err="1">
+                <a:latin typeface="Courier"/>
+                <a:cs typeface="Courier"/>
+              </a:rPr>
+              <a:t>db</a:t>
+            </a:r>
+            <a:endParaRPr lang="fr-FR" sz="2800" dirty="0">
+              <a:latin typeface="Courier"/>
+              <a:cs typeface="Courier"/>
+            </a:endParaRPr>
+          </a:p>
+          <a:p>
+            <a:pPr marL="0" indent="0">
+              <a:lnSpc>
+                <a:spcPct val="120000"/>
+              </a:lnSpc>
+              <a:buNone/>
+            </a:pPr>
+            <a:r>
+              <a:rPr lang="en-US" sz="2000" dirty="0" err="1">
+                <a:latin typeface="Courier"/>
+                <a:cs typeface="Courier"/>
+              </a:rPr>
+              <a:t>wget</a:t>
+            </a:r>
+            <a:r>
+              <a:rPr lang="en-US" sz="2000" dirty="0">
+                <a:latin typeface="Courier"/>
+                <a:cs typeface="Courier"/>
+              </a:rPr>
+              <a:t> </a:t>
+            </a:r>
+            <a:r>
+              <a:rPr lang="en-US" sz="1300" dirty="0">
+                <a:latin typeface="Courier"/>
+                <a:cs typeface="Courier"/>
+              </a:rPr>
+              <a:t>https://</a:t>
+            </a:r>
+            <a:r>
+              <a:rPr lang="en-US" sz="1300" dirty="0" err="1">
+                <a:latin typeface="Courier"/>
+                <a:cs typeface="Courier"/>
+              </a:rPr>
+              <a:t>people.beocat.ksu.edu</a:t>
+            </a:r>
+            <a:r>
+              <a:rPr lang="en-US" sz="1300" dirty="0">
+                <a:latin typeface="Courier"/>
+                <a:cs typeface="Courier"/>
+              </a:rPr>
+              <a:t>/~liu3zhen/PLPTH813/data/references/MG1655.fasta</a:t>
+            </a:r>
+          </a:p>
+        </p:txBody>
+      </p:sp>
+    </p:spTree>
+    <p:extLst>
+      <p:ext uri="{BB962C8B-B14F-4D97-AF65-F5344CB8AC3E}">
+        <p14:creationId xmlns:p14="http://schemas.microsoft.com/office/powerpoint/2010/main" val="2000764796"/>
+      </p:ext>
+    </p:extLst>
+  </p:cSld>
+  <p:clrMapOvr>
+    <a:masterClrMapping/>
+  </p:clrMapOvr>
+</p:sld>
+</file>
+
+<file path=ppt/slides/slide13.xml><?xml version="1.0" encoding="utf-8"?>
+<p:sld xmlns:a="http://schemas.openxmlformats.org/drawingml/2006/main" xmlns:r="http://schemas.openxmlformats.org/officeDocument/2006/relationships" xmlns:p="http://schemas.openxmlformats.org/presentationml/2006/main">
+  <p:cSld>
+    <p:spTree>
+      <p:nvGrpSpPr>
+        <p:cNvPr id="1" name=""/>
+        <p:cNvGrpSpPr/>
+        <p:nvPr/>
+      </p:nvGrpSpPr>
+      <p:grpSpPr>
+        <a:xfrm>
+          <a:off x="0" y="0"/>
+          <a:ext cx="0" cy="0"/>
+          <a:chOff x="0" y="0"/>
+          <a:chExt cx="0" cy="0"/>
+        </a:xfrm>
+      </p:grpSpPr>
+      <p:sp>
+        <p:nvSpPr>
+          <p:cNvPr id="2" name="Title 1"/>
+          <p:cNvSpPr>
+            <a:spLocks noGrp="1"/>
+          </p:cNvSpPr>
+          <p:nvPr>
+            <p:ph type="title"/>
+          </p:nvPr>
+        </p:nvSpPr>
+        <p:spPr/>
+        <p:txBody>
+          <a:bodyPr/>
+          <a:lstStyle/>
+          <a:p>
+            <a:r>
+              <a:rPr lang="en-US" dirty="0"/>
+              <a:t>Step 1: Create a database</a:t>
+            </a:r>
+          </a:p>
+        </p:txBody>
+      </p:sp>
+      <p:sp>
+        <p:nvSpPr>
+          <p:cNvPr id="3" name="Content Placeholder 2"/>
+          <p:cNvSpPr>
+            <a:spLocks noGrp="1"/>
+          </p:cNvSpPr>
+          <p:nvPr>
+            <p:ph idx="1"/>
+          </p:nvPr>
+        </p:nvSpPr>
+        <p:spPr>
+          <a:xfrm>
+            <a:off x="288894" y="673077"/>
+            <a:ext cx="8686800" cy="4347959"/>
+          </a:xfrm>
+        </p:spPr>
+        <p:txBody>
+          <a:bodyPr>
+            <a:normAutofit/>
+          </a:bodyPr>
+          <a:lstStyle/>
+          <a:p>
+            <a:pPr>
+              <a:lnSpc>
+                <a:spcPct val="130000"/>
+              </a:lnSpc>
+            </a:pPr>
+            <a:r>
+              <a:rPr lang="en-US" b="1" dirty="0" err="1">
+                <a:solidFill>
+                  <a:srgbClr val="17375E"/>
+                </a:solidFill>
+              </a:rPr>
+              <a:t>makeblastdb</a:t>
+            </a:r>
+            <a:endParaRPr lang="en-US" b="1" dirty="0">
+              <a:solidFill>
+                <a:srgbClr val="17375E"/>
+              </a:solidFill>
+            </a:endParaRPr>
+          </a:p>
+          <a:p>
+            <a:pPr marL="0" indent="0">
+              <a:lnSpc>
+                <a:spcPct val="130000"/>
+              </a:lnSpc>
+              <a:buNone/>
+            </a:pPr>
+            <a:r>
+              <a:rPr lang="en-US" dirty="0"/>
+              <a:t>A program to create a BLAST database</a:t>
+            </a:r>
+          </a:p>
+          <a:p>
+            <a:pPr marL="0" indent="0">
+              <a:lnSpc>
+                <a:spcPct val="130000"/>
+              </a:lnSpc>
+              <a:buNone/>
+            </a:pPr>
+            <a:r>
+              <a:rPr lang="en-US" sz="2800" dirty="0">
+                <a:latin typeface="Courier New"/>
+                <a:cs typeface="Courier New"/>
+              </a:rPr>
+              <a:t>module load BLAST+</a:t>
+            </a:r>
+          </a:p>
+          <a:p>
+            <a:pPr marL="0" indent="0">
+              <a:lnSpc>
+                <a:spcPct val="130000"/>
+              </a:lnSpc>
+              <a:buNone/>
+            </a:pPr>
+            <a:r>
+              <a:rPr lang="en-US" sz="2800" dirty="0" err="1">
+                <a:latin typeface="Courier New"/>
+                <a:cs typeface="Courier New"/>
+              </a:rPr>
+              <a:t>makeblastdb</a:t>
+            </a:r>
+            <a:r>
+              <a:rPr lang="en-US" sz="2800" dirty="0">
+                <a:latin typeface="Courier New"/>
+                <a:cs typeface="Courier New"/>
+              </a:rPr>
+              <a:t> –h</a:t>
+            </a:r>
+          </a:p>
+          <a:p>
+            <a:pPr marL="0" indent="0">
+              <a:lnSpc>
+                <a:spcPct val="130000"/>
+              </a:lnSpc>
+              <a:buNone/>
+            </a:pPr>
+            <a:r>
+              <a:rPr lang="en-US" sz="2800" dirty="0" err="1">
+                <a:latin typeface="Courier New"/>
+                <a:cs typeface="Courier New"/>
+              </a:rPr>
+              <a:t>makeblastdb</a:t>
+            </a:r>
+            <a:r>
+              <a:rPr lang="en-US" sz="2800" dirty="0">
+                <a:latin typeface="Courier New"/>
+                <a:cs typeface="Courier New"/>
+              </a:rPr>
+              <a:t> -in MG1655.fasta \</a:t>
+            </a:r>
+          </a:p>
+          <a:p>
+            <a:pPr marL="0" indent="0">
+              <a:lnSpc>
+                <a:spcPct val="130000"/>
+              </a:lnSpc>
+              <a:buNone/>
+            </a:pPr>
+            <a:r>
+              <a:rPr lang="en-US" sz="2800" dirty="0">
+                <a:latin typeface="Courier New"/>
+                <a:cs typeface="Courier New"/>
+              </a:rPr>
+              <a:t>	-out MG1655 -</a:t>
+            </a:r>
+            <a:r>
+              <a:rPr lang="en-US" sz="2800" dirty="0" err="1">
+                <a:latin typeface="Courier New"/>
+                <a:cs typeface="Courier New"/>
+              </a:rPr>
+              <a:t>dbtype</a:t>
+            </a:r>
+            <a:r>
+              <a:rPr lang="en-US" sz="2800" dirty="0">
+                <a:latin typeface="Courier New"/>
+                <a:cs typeface="Courier New"/>
+              </a:rPr>
+              <a:t> </a:t>
+            </a:r>
+            <a:r>
+              <a:rPr lang="en-US" sz="2800" dirty="0" err="1">
+                <a:latin typeface="Courier New"/>
+                <a:cs typeface="Courier New"/>
+              </a:rPr>
+              <a:t>nucl</a:t>
+            </a:r>
+            <a:r>
+              <a:rPr lang="en-US" sz="2800" dirty="0">
+                <a:latin typeface="Courier New"/>
+                <a:cs typeface="Courier New"/>
+              </a:rPr>
+              <a:t> \</a:t>
+            </a:r>
+          </a:p>
+          <a:p>
+            <a:pPr marL="0" indent="0">
+              <a:lnSpc>
+                <a:spcPct val="130000"/>
+              </a:lnSpc>
+              <a:buNone/>
+            </a:pPr>
+            <a:r>
+              <a:rPr lang="en-US" sz="2800" dirty="0">
+                <a:latin typeface="Courier New"/>
+                <a:cs typeface="Courier New"/>
+              </a:rPr>
+              <a:t>	-</a:t>
+            </a:r>
+            <a:r>
+              <a:rPr lang="en-US" sz="2800" dirty="0" err="1">
+                <a:latin typeface="Courier New"/>
+                <a:cs typeface="Courier New"/>
+              </a:rPr>
+              <a:t>parse_seqids</a:t>
+            </a:r>
+            <a:endParaRPr lang="en-US" sz="2800" dirty="0">
+              <a:latin typeface="Courier New"/>
+              <a:cs typeface="Courier New"/>
+            </a:endParaRPr>
+          </a:p>
+        </p:txBody>
+      </p:sp>
+    </p:spTree>
+    <p:extLst>
+      <p:ext uri="{BB962C8B-B14F-4D97-AF65-F5344CB8AC3E}">
+        <p14:creationId xmlns:p14="http://schemas.microsoft.com/office/powerpoint/2010/main" val="1487461360"/>
+      </p:ext>
+    </p:extLst>
+  </p:cSld>
+  <p:clrMapOvr>
+    <a:masterClrMapping/>
+  </p:clrMapOvr>
+</p:sld>
+</file>
+
+<file path=ppt/slides/slide14.xml><?xml version="1.0" encoding="utf-8"?>
+<p:sld xmlns:a="http://schemas.openxmlformats.org/drawingml/2006/main" xmlns:r="http://schemas.openxmlformats.org/officeDocument/2006/relationships" xmlns:p="http://schemas.openxmlformats.org/presentationml/2006/main">
+  <p:cSld>
+    <p:spTree>
+      <p:nvGrpSpPr>
+        <p:cNvPr id="1" name=""/>
+        <p:cNvGrpSpPr/>
+        <p:nvPr/>
+      </p:nvGrpSpPr>
+      <p:grpSpPr>
+        <a:xfrm>
+          <a:off x="0" y="0"/>
+          <a:ext cx="0" cy="0"/>
+          <a:chOff x="0" y="0"/>
+          <a:chExt cx="0" cy="0"/>
+        </a:xfrm>
+      </p:grpSpPr>
+      <p:sp>
+        <p:nvSpPr>
           <p:cNvPr id="2" name="Title 1"/>
           <p:cNvSpPr>
             <a:spLocks noGrp="1"/>
@@ -4212,7 +4847,7 @@
 </p:sld>
 </file>
 
-<file path=ppt/slides/slide12.xml><?xml version="1.0" encoding="utf-8"?>
+<file path=ppt/slides/slide15.xml><?xml version="1.0" encoding="utf-8"?>
 <p:sld xmlns:a="http://schemas.openxmlformats.org/drawingml/2006/main" xmlns:r="http://schemas.openxmlformats.org/officeDocument/2006/relationships" xmlns:p="http://schemas.openxmlformats.org/presentationml/2006/main">
   <p:cSld>
     <p:spTree>
@@ -4937,7 +5572,7 @@
 </p:sld>
 </file>
 
-<file path=ppt/slides/slide13.xml><?xml version="1.0" encoding="utf-8"?>
+<file path=ppt/slides/slide16.xml><?xml version="1.0" encoding="utf-8"?>
 <p:sld xmlns:a="http://schemas.openxmlformats.org/drawingml/2006/main" xmlns:r="http://schemas.openxmlformats.org/officeDocument/2006/relationships" xmlns:p="http://schemas.openxmlformats.org/presentationml/2006/main">
   <p:cSld>
     <p:spTree>
@@ -6847,7 +7482,7 @@
 </p:sld>
 </file>
 
-<file path=ppt/slides/slide14.xml><?xml version="1.0" encoding="utf-8"?>
+<file path=ppt/slides/slide17.xml><?xml version="1.0" encoding="utf-8"?>
 <p:sld xmlns:a="http://schemas.openxmlformats.org/drawingml/2006/main" xmlns:r="http://schemas.openxmlformats.org/officeDocument/2006/relationships" xmlns:p="http://schemas.openxmlformats.org/presentationml/2006/main">
   <p:cSld>
     <p:spTree>
@@ -7208,7 +7843,7 @@
 </p:sld>
 </file>
 
-<file path=ppt/slides/slide15.xml><?xml version="1.0" encoding="utf-8"?>
+<file path=ppt/slides/slide18.xml><?xml version="1.0" encoding="utf-8"?>
 <p:sld xmlns:a="http://schemas.openxmlformats.org/drawingml/2006/main" xmlns:r="http://schemas.openxmlformats.org/officeDocument/2006/relationships" xmlns:p="http://schemas.openxmlformats.org/presentationml/2006/main">
   <p:cSld>
     <p:spTree>
@@ -7937,7 +8572,7 @@
 </p:sld>
 </file>
 
-<file path=ppt/slides/slide16.xml><?xml version="1.0" encoding="utf-8"?>
+<file path=ppt/slides/slide19.xml><?xml version="1.0" encoding="utf-8"?>
 <p:sld xmlns:a="http://schemas.openxmlformats.org/drawingml/2006/main" xmlns:r="http://schemas.openxmlformats.org/officeDocument/2006/relationships" xmlns:p="http://schemas.openxmlformats.org/presentationml/2006/main">
   <p:cSld>
     <p:spTree>
@@ -8250,886 +8885,6 @@
 </p:sld>
 </file>
 
-<file path=ppt/slides/slide17.xml><?xml version="1.0" encoding="utf-8"?>
-<p:sld xmlns:a="http://schemas.openxmlformats.org/drawingml/2006/main" xmlns:r="http://schemas.openxmlformats.org/officeDocument/2006/relationships" xmlns:p="http://schemas.openxmlformats.org/presentationml/2006/main">
-  <p:cSld>
-    <p:spTree>
-      <p:nvGrpSpPr>
-        <p:cNvPr id="1" name=""/>
-        <p:cNvGrpSpPr/>
-        <p:nvPr/>
-      </p:nvGrpSpPr>
-      <p:grpSpPr>
-        <a:xfrm>
-          <a:off x="0" y="0"/>
-          <a:ext cx="0" cy="0"/>
-          <a:chOff x="0" y="0"/>
-          <a:chExt cx="0" cy="0"/>
-        </a:xfrm>
-      </p:grpSpPr>
-      <p:sp>
-        <p:nvSpPr>
-          <p:cNvPr id="2" name="Title 1"/>
-          <p:cNvSpPr>
-            <a:spLocks noGrp="1"/>
-          </p:cNvSpPr>
-          <p:nvPr>
-            <p:ph type="title"/>
-          </p:nvPr>
-        </p:nvSpPr>
-        <p:spPr/>
-        <p:txBody>
-          <a:bodyPr/>
-          <a:lstStyle/>
-          <a:p>
-            <a:r>
-              <a:rPr lang="en-US" dirty="0"/>
-              <a:t>Search protein sequences using a remote service</a:t>
-            </a:r>
-          </a:p>
-        </p:txBody>
-      </p:sp>
-      <p:sp>
-        <p:nvSpPr>
-          <p:cNvPr id="3" name="Content Placeholder 2"/>
-          <p:cNvSpPr>
-            <a:spLocks noGrp="1"/>
-          </p:cNvSpPr>
-          <p:nvPr>
-            <p:ph idx="1"/>
-          </p:nvPr>
-        </p:nvSpPr>
-        <p:spPr>
-          <a:xfrm>
-            <a:off x="538695" y="1063364"/>
-            <a:ext cx="8205579" cy="1522043"/>
-          </a:xfrm>
-        </p:spPr>
-        <p:txBody>
-          <a:bodyPr>
-            <a:noAutofit/>
-          </a:bodyPr>
-          <a:lstStyle/>
-          <a:p>
-            <a:pPr marL="0" indent="0">
-              <a:buNone/>
-            </a:pPr>
-            <a:r>
-              <a:rPr lang="en-US" sz="2800" b="1" dirty="0" err="1">
-                <a:solidFill>
-                  <a:srgbClr val="FF0000"/>
-                </a:solidFill>
-                <a:latin typeface="Courier New"/>
-                <a:cs typeface="Courier New"/>
-              </a:rPr>
-              <a:t>blastp</a:t>
-            </a:r>
-            <a:r>
-              <a:rPr lang="en-US" sz="2800" dirty="0">
-                <a:latin typeface="Courier New"/>
-                <a:cs typeface="Courier New"/>
-              </a:rPr>
-              <a:t> -query MG1655pepseq.fa \</a:t>
-            </a:r>
-          </a:p>
-          <a:p>
-            <a:pPr marL="0" indent="0">
-              <a:buNone/>
-            </a:pPr>
-            <a:r>
-              <a:rPr lang="en-US" sz="2800" dirty="0">
-                <a:latin typeface="Courier New"/>
-                <a:cs typeface="Courier New"/>
-              </a:rPr>
-              <a:t>	-</a:t>
-            </a:r>
-            <a:r>
-              <a:rPr lang="en-US" sz="2800" dirty="0" err="1">
-                <a:latin typeface="Courier New"/>
-                <a:cs typeface="Courier New"/>
-              </a:rPr>
-              <a:t>db</a:t>
-            </a:r>
-            <a:r>
-              <a:rPr lang="en-US" sz="2800" dirty="0">
-                <a:latin typeface="Courier New"/>
-                <a:cs typeface="Courier New"/>
-              </a:rPr>
-              <a:t> nr -</a:t>
-            </a:r>
-            <a:r>
-              <a:rPr lang="en-US" sz="2800" dirty="0" err="1">
-                <a:latin typeface="Courier New"/>
-                <a:cs typeface="Courier New"/>
-              </a:rPr>
-              <a:t>outfmt</a:t>
-            </a:r>
-            <a:r>
-              <a:rPr lang="en-US" sz="2800" dirty="0">
-                <a:latin typeface="Courier New"/>
-                <a:cs typeface="Courier New"/>
-              </a:rPr>
-              <a:t> 6 -remote \</a:t>
-            </a:r>
-          </a:p>
-          <a:p>
-            <a:pPr marL="0" indent="0">
-              <a:buNone/>
-            </a:pPr>
-            <a:r>
-              <a:rPr lang="fi-FI" sz="2800" dirty="0">
-                <a:latin typeface="Courier New"/>
-                <a:cs typeface="Courier New"/>
-              </a:rPr>
-              <a:t>-</a:t>
-            </a:r>
-            <a:r>
-              <a:rPr lang="fi-FI" sz="2800" dirty="0" err="1">
-                <a:latin typeface="Courier New"/>
-                <a:cs typeface="Courier New"/>
-              </a:rPr>
-              <a:t>evalue</a:t>
-            </a:r>
-            <a:r>
-              <a:rPr lang="fi-FI" sz="2800" dirty="0">
-                <a:latin typeface="Courier New"/>
-                <a:cs typeface="Courier New"/>
-              </a:rPr>
-              <a:t> 1e-100 </a:t>
-            </a:r>
-            <a:r>
-              <a:rPr lang="fi-FI" sz="2800" dirty="0">
-                <a:solidFill>
-                  <a:srgbClr val="FF0000"/>
-                </a:solidFill>
-                <a:latin typeface="Courier New"/>
-                <a:cs typeface="Courier New"/>
-              </a:rPr>
-              <a:t>-</a:t>
-            </a:r>
-            <a:r>
-              <a:rPr lang="fi-FI" sz="2800" dirty="0" err="1">
-                <a:solidFill>
-                  <a:srgbClr val="FF0000"/>
-                </a:solidFill>
-                <a:latin typeface="Courier New"/>
-                <a:cs typeface="Courier New"/>
-              </a:rPr>
-              <a:t>max_target_seqs</a:t>
-            </a:r>
-            <a:r>
-              <a:rPr lang="fi-FI" sz="2800" dirty="0">
-                <a:latin typeface="Courier New"/>
-                <a:cs typeface="Courier New"/>
-              </a:rPr>
-              <a:t> 1</a:t>
-            </a:r>
-          </a:p>
-        </p:txBody>
-      </p:sp>
-      <p:sp>
-        <p:nvSpPr>
-          <p:cNvPr id="4" name="TextBox 3"/>
-          <p:cNvSpPr txBox="1"/>
-          <p:nvPr/>
-        </p:nvSpPr>
-        <p:spPr>
-          <a:xfrm>
-            <a:off x="1760821" y="3212176"/>
-            <a:ext cx="6008376" cy="523220"/>
-          </a:xfrm>
-          <a:prstGeom prst="rect">
-            <a:avLst/>
-          </a:prstGeom>
-          <a:noFill/>
-        </p:spPr>
-        <p:txBody>
-          <a:bodyPr wrap="none" rtlCol="0">
-            <a:spAutoFit/>
-          </a:bodyPr>
-          <a:lstStyle/>
-          <a:p>
-            <a:r>
-              <a:rPr lang="en-US" sz="2800" dirty="0"/>
-              <a:t>Output only one hit if hits can be found.</a:t>
-            </a:r>
-          </a:p>
-        </p:txBody>
-      </p:sp>
-      <p:sp>
-        <p:nvSpPr>
-          <p:cNvPr id="5" name="TextBox 4"/>
-          <p:cNvSpPr txBox="1"/>
-          <p:nvPr/>
-        </p:nvSpPr>
-        <p:spPr>
-          <a:xfrm>
-            <a:off x="563467" y="4362165"/>
-            <a:ext cx="8180807" cy="246221"/>
-          </a:xfrm>
-          <a:prstGeom prst="rect">
-            <a:avLst/>
-          </a:prstGeom>
-          <a:noFill/>
-        </p:spPr>
-        <p:txBody>
-          <a:bodyPr wrap="square" rtlCol="0">
-            <a:spAutoFit/>
-          </a:bodyPr>
-          <a:lstStyle/>
-          <a:p>
-            <a:r>
-              <a:rPr lang="is-IS" sz="1000" dirty="0"/>
-              <a:t>C321.deltaA	gi|446843038|ref|WP_000920294.1|	100.00	450	0	0	1	450	1	450	0.0	  916</a:t>
-            </a:r>
-            <a:endParaRPr lang="en-US" sz="1000" dirty="0"/>
-          </a:p>
-        </p:txBody>
-      </p:sp>
-    </p:spTree>
-    <p:extLst>
-      <p:ext uri="{BB962C8B-B14F-4D97-AF65-F5344CB8AC3E}">
-        <p14:creationId xmlns:p14="http://schemas.microsoft.com/office/powerpoint/2010/main" val="831203829"/>
-      </p:ext>
-    </p:extLst>
-  </p:cSld>
-  <p:clrMapOvr>
-    <a:masterClrMapping/>
-  </p:clrMapOvr>
-</p:sld>
-</file>
-
-<file path=ppt/slides/slide18.xml><?xml version="1.0" encoding="utf-8"?>
-<p:sld xmlns:a="http://schemas.openxmlformats.org/drawingml/2006/main" xmlns:r="http://schemas.openxmlformats.org/officeDocument/2006/relationships" xmlns:p="http://schemas.openxmlformats.org/presentationml/2006/main">
-  <p:cSld>
-    <p:spTree>
-      <p:nvGrpSpPr>
-        <p:cNvPr id="1" name=""/>
-        <p:cNvGrpSpPr/>
-        <p:nvPr/>
-      </p:nvGrpSpPr>
-      <p:grpSpPr>
-        <a:xfrm>
-          <a:off x="0" y="0"/>
-          <a:ext cx="0" cy="0"/>
-          <a:chOff x="0" y="0"/>
-          <a:chExt cx="0" cy="0"/>
-        </a:xfrm>
-      </p:grpSpPr>
-      <p:sp>
-        <p:nvSpPr>
-          <p:cNvPr id="2" name="Title 1"/>
-          <p:cNvSpPr>
-            <a:spLocks noGrp="1"/>
-          </p:cNvSpPr>
-          <p:nvPr>
-            <p:ph type="title"/>
-          </p:nvPr>
-        </p:nvSpPr>
-        <p:spPr/>
-        <p:txBody>
-          <a:bodyPr/>
-          <a:lstStyle/>
-          <a:p>
-            <a:r>
-              <a:rPr lang="en-US" dirty="0"/>
-              <a:t>Extract sequences or subsequences</a:t>
-            </a:r>
-          </a:p>
-        </p:txBody>
-      </p:sp>
-      <p:sp>
-        <p:nvSpPr>
-          <p:cNvPr id="3" name="Content Placeholder 2"/>
-          <p:cNvSpPr>
-            <a:spLocks noGrp="1"/>
-          </p:cNvSpPr>
-          <p:nvPr>
-            <p:ph idx="1"/>
-          </p:nvPr>
-        </p:nvSpPr>
-        <p:spPr>
-          <a:xfrm>
-            <a:off x="567268" y="995967"/>
-            <a:ext cx="8339668" cy="3804633"/>
-          </a:xfrm>
-        </p:spPr>
-        <p:txBody>
-          <a:bodyPr>
-            <a:normAutofit lnSpcReduction="10000"/>
-          </a:bodyPr>
-          <a:lstStyle/>
-          <a:p>
-            <a:pPr>
-              <a:lnSpc>
-                <a:spcPct val="90000"/>
-              </a:lnSpc>
-            </a:pPr>
-            <a:r>
-              <a:rPr lang="en-US" b="1" dirty="0" err="1">
-                <a:solidFill>
-                  <a:schemeClr val="tx2">
-                    <a:lumMod val="75000"/>
-                  </a:schemeClr>
-                </a:solidFill>
-              </a:rPr>
-              <a:t>blastdbcmd</a:t>
-            </a:r>
-            <a:endParaRPr lang="en-US" b="1" dirty="0">
-              <a:solidFill>
-                <a:schemeClr val="tx2">
-                  <a:lumMod val="75000"/>
-                </a:schemeClr>
-              </a:solidFill>
-            </a:endParaRPr>
-          </a:p>
-          <a:p>
-            <a:pPr marL="0" indent="0">
-              <a:lnSpc>
-                <a:spcPct val="90000"/>
-              </a:lnSpc>
-              <a:buNone/>
-            </a:pPr>
-            <a:r>
-              <a:rPr lang="en-US" sz="2800" dirty="0" err="1">
-                <a:latin typeface="Courier New"/>
-                <a:cs typeface="Courier New"/>
-              </a:rPr>
-              <a:t>blastdbcmd</a:t>
-            </a:r>
-            <a:r>
-              <a:rPr lang="en-US" sz="2800" dirty="0">
-                <a:latin typeface="Courier New"/>
-                <a:cs typeface="Courier New"/>
-              </a:rPr>
-              <a:t> -</a:t>
-            </a:r>
-            <a:r>
-              <a:rPr lang="en-US" sz="2800" dirty="0" err="1">
-                <a:latin typeface="Courier New"/>
-                <a:cs typeface="Courier New"/>
-              </a:rPr>
-              <a:t>db</a:t>
-            </a:r>
-            <a:r>
-              <a:rPr lang="en-US" sz="2800" dirty="0">
-                <a:latin typeface="Courier New"/>
-                <a:cs typeface="Courier New"/>
-              </a:rPr>
-              <a:t> ../</a:t>
-            </a:r>
-            <a:r>
-              <a:rPr lang="en-US" sz="2800" dirty="0" err="1">
-                <a:latin typeface="Courier New"/>
-                <a:cs typeface="Courier New"/>
-              </a:rPr>
-              <a:t>db</a:t>
-            </a:r>
-            <a:r>
-              <a:rPr lang="en-US" sz="2800" dirty="0">
-                <a:latin typeface="Courier New"/>
-                <a:cs typeface="Courier New"/>
-              </a:rPr>
-              <a:t>/MG1655 -info</a:t>
-            </a:r>
-          </a:p>
-          <a:p>
-            <a:pPr marL="0" indent="0">
-              <a:lnSpc>
-                <a:spcPct val="90000"/>
-              </a:lnSpc>
-              <a:buNone/>
-            </a:pPr>
-            <a:endParaRPr lang="en-US" dirty="0"/>
-          </a:p>
-          <a:p>
-            <a:pPr marL="0" indent="0">
-              <a:lnSpc>
-                <a:spcPct val="90000"/>
-              </a:lnSpc>
-              <a:buNone/>
-            </a:pPr>
-            <a:r>
-              <a:rPr lang="en-US" dirty="0"/>
-              <a:t>Extract sequences from the database</a:t>
-            </a:r>
-          </a:p>
-          <a:p>
-            <a:pPr marL="0" indent="0">
-              <a:lnSpc>
-                <a:spcPct val="90000"/>
-              </a:lnSpc>
-              <a:buNone/>
-            </a:pPr>
-            <a:r>
-              <a:rPr lang="en-US" sz="2800" dirty="0" err="1">
-                <a:latin typeface="Courier New"/>
-                <a:cs typeface="Courier New"/>
-              </a:rPr>
-              <a:t>blastdbcmd</a:t>
-            </a:r>
-            <a:r>
-              <a:rPr lang="en-US" sz="2800" dirty="0">
-                <a:latin typeface="Courier New"/>
-                <a:cs typeface="Courier New"/>
-              </a:rPr>
-              <a:t> –</a:t>
-            </a:r>
-            <a:r>
-              <a:rPr lang="en-US" sz="2800" dirty="0" err="1">
-                <a:latin typeface="Courier New"/>
-                <a:cs typeface="Courier New"/>
-              </a:rPr>
-              <a:t>db</a:t>
-            </a:r>
-            <a:r>
-              <a:rPr lang="en-US" sz="2800" dirty="0">
-                <a:latin typeface="Courier New"/>
-                <a:cs typeface="Courier New"/>
-              </a:rPr>
-              <a:t> ../</a:t>
-            </a:r>
-            <a:r>
-              <a:rPr lang="en-US" sz="2800" dirty="0" err="1">
-                <a:latin typeface="Courier New"/>
-                <a:cs typeface="Courier New"/>
-              </a:rPr>
-              <a:t>db</a:t>
-            </a:r>
-            <a:r>
-              <a:rPr lang="en-US" sz="2800" dirty="0">
-                <a:latin typeface="Courier New"/>
-                <a:cs typeface="Courier New"/>
-              </a:rPr>
-              <a:t>/MG1655 \</a:t>
-            </a:r>
-          </a:p>
-          <a:p>
-            <a:pPr marL="0" indent="0">
-              <a:lnSpc>
-                <a:spcPct val="90000"/>
-              </a:lnSpc>
-              <a:buNone/>
-            </a:pPr>
-            <a:r>
-              <a:rPr lang="en-US" sz="2800" dirty="0">
-                <a:latin typeface="Courier New"/>
-                <a:cs typeface="Courier New"/>
-              </a:rPr>
-              <a:t> -entry all -range 150-220</a:t>
-            </a:r>
-          </a:p>
-          <a:p>
-            <a:pPr marL="0" indent="0">
-              <a:lnSpc>
-                <a:spcPct val="90000"/>
-              </a:lnSpc>
-              <a:buNone/>
-            </a:pPr>
-            <a:endParaRPr lang="en-US" sz="1600" dirty="0">
-              <a:latin typeface="Courier New"/>
-              <a:cs typeface="Courier New"/>
-            </a:endParaRPr>
-          </a:p>
-          <a:p>
-            <a:pPr marL="0" indent="0">
-              <a:lnSpc>
-                <a:spcPct val="90000"/>
-              </a:lnSpc>
-              <a:buNone/>
-            </a:pPr>
-            <a:r>
-              <a:rPr lang="en-US" sz="1600" dirty="0">
-                <a:latin typeface="Courier New"/>
-                <a:cs typeface="Courier New"/>
-              </a:rPr>
-              <a:t>---output---</a:t>
-            </a:r>
-          </a:p>
-          <a:p>
-            <a:pPr marL="0" indent="0">
-              <a:lnSpc>
-                <a:spcPct val="90000"/>
-              </a:lnSpc>
-              <a:buNone/>
-            </a:pPr>
-            <a:r>
-              <a:rPr lang="en-US" sz="1600" dirty="0">
-                <a:latin typeface="Courier New"/>
-                <a:cs typeface="Courier New"/>
-              </a:rPr>
-              <a:t>&gt;gi|556503834|ref|NC_000913.3|:150-220 Escherichia coli str. K-12 </a:t>
-            </a:r>
-            <a:r>
-              <a:rPr lang="en-US" sz="1600" dirty="0" err="1">
-                <a:latin typeface="Courier New"/>
-                <a:cs typeface="Courier New"/>
-              </a:rPr>
-              <a:t>substr</a:t>
-            </a:r>
-            <a:r>
-              <a:rPr lang="en-US" sz="1600" dirty="0">
-                <a:latin typeface="Courier New"/>
-                <a:cs typeface="Courier New"/>
-              </a:rPr>
-              <a:t>. MG1655, complete genome</a:t>
-            </a:r>
-          </a:p>
-          <a:p>
-            <a:pPr marL="0" indent="0">
-              <a:lnSpc>
-                <a:spcPct val="90000"/>
-              </a:lnSpc>
-              <a:buNone/>
-            </a:pPr>
-            <a:r>
-              <a:rPr lang="en-US" sz="1600" dirty="0">
-                <a:latin typeface="Courier New"/>
-                <a:cs typeface="Courier New"/>
-              </a:rPr>
-              <a:t>AGCGCACAGACAGATAAAAATTACAGAGTACACAACATCCATGAAACGCATTAGCACCACCATTACCACCA</a:t>
-            </a:r>
-          </a:p>
-        </p:txBody>
-      </p:sp>
-    </p:spTree>
-    <p:extLst>
-      <p:ext uri="{BB962C8B-B14F-4D97-AF65-F5344CB8AC3E}">
-        <p14:creationId xmlns:p14="http://schemas.microsoft.com/office/powerpoint/2010/main" val="3120825335"/>
-      </p:ext>
-    </p:extLst>
-  </p:cSld>
-  <p:clrMapOvr>
-    <a:masterClrMapping/>
-  </p:clrMapOvr>
-</p:sld>
-</file>
-
-<file path=ppt/slides/slide19.xml><?xml version="1.0" encoding="utf-8"?>
-<p:sld xmlns:a="http://schemas.openxmlformats.org/drawingml/2006/main" xmlns:r="http://schemas.openxmlformats.org/officeDocument/2006/relationships" xmlns:p="http://schemas.openxmlformats.org/presentationml/2006/main">
-  <p:cSld>
-    <p:spTree>
-      <p:nvGrpSpPr>
-        <p:cNvPr id="1" name=""/>
-        <p:cNvGrpSpPr/>
-        <p:nvPr/>
-      </p:nvGrpSpPr>
-      <p:grpSpPr>
-        <a:xfrm>
-          <a:off x="0" y="0"/>
-          <a:ext cx="0" cy="0"/>
-          <a:chOff x="0" y="0"/>
-          <a:chExt cx="0" cy="0"/>
-        </a:xfrm>
-      </p:grpSpPr>
-      <p:sp>
-        <p:nvSpPr>
-          <p:cNvPr id="2" name="Title 1"/>
-          <p:cNvSpPr>
-            <a:spLocks noGrp="1"/>
-          </p:cNvSpPr>
-          <p:nvPr>
-            <p:ph type="title"/>
-          </p:nvPr>
-        </p:nvSpPr>
-        <p:spPr/>
-        <p:txBody>
-          <a:bodyPr/>
-          <a:lstStyle/>
-          <a:p>
-            <a:r>
-              <a:rPr lang="en-US" dirty="0"/>
-              <a:t>Extract sequences using </a:t>
-            </a:r>
-            <a:r>
-              <a:rPr lang="en-US" dirty="0" err="1"/>
-              <a:t>Gi</a:t>
-            </a:r>
-            <a:r>
-              <a:rPr lang="en-US" dirty="0"/>
-              <a:t> ID</a:t>
-            </a:r>
-          </a:p>
-        </p:txBody>
-      </p:sp>
-      <p:sp>
-        <p:nvSpPr>
-          <p:cNvPr id="3" name="Content Placeholder 2"/>
-          <p:cNvSpPr>
-            <a:spLocks noGrp="1"/>
-          </p:cNvSpPr>
-          <p:nvPr>
-            <p:ph idx="1"/>
-          </p:nvPr>
-        </p:nvSpPr>
-        <p:spPr>
-          <a:xfrm>
-            <a:off x="402166" y="1114402"/>
-            <a:ext cx="8339668" cy="3115202"/>
-          </a:xfrm>
-        </p:spPr>
-        <p:txBody>
-          <a:bodyPr>
-            <a:normAutofit lnSpcReduction="10000"/>
-          </a:bodyPr>
-          <a:lstStyle/>
-          <a:p>
-            <a:pPr marL="0" indent="0">
-              <a:buNone/>
-            </a:pPr>
-            <a:r>
-              <a:rPr lang="en-US" sz="1600" dirty="0">
-                <a:latin typeface="Courier New"/>
-                <a:cs typeface="Courier New"/>
-              </a:rPr>
-              <a:t># Use </a:t>
-            </a:r>
-            <a:r>
-              <a:rPr lang="en-US" sz="1600" dirty="0" err="1">
-                <a:latin typeface="Courier New"/>
-                <a:cs typeface="Courier New"/>
-              </a:rPr>
-              <a:t>Gi</a:t>
-            </a:r>
-            <a:r>
-              <a:rPr lang="en-US" sz="1600" dirty="0">
-                <a:latin typeface="Courier New"/>
-                <a:cs typeface="Courier New"/>
-              </a:rPr>
-              <a:t> ID to search*</a:t>
-            </a:r>
-          </a:p>
-          <a:p>
-            <a:pPr marL="0" indent="0">
-              <a:buNone/>
-            </a:pPr>
-            <a:endParaRPr lang="en-US" sz="1600" dirty="0">
-              <a:latin typeface="Courier New"/>
-              <a:cs typeface="Courier New"/>
-            </a:endParaRPr>
-          </a:p>
-          <a:p>
-            <a:pPr marL="0" indent="0">
-              <a:buNone/>
-            </a:pPr>
-            <a:r>
-              <a:rPr lang="en-US" sz="2800" dirty="0" err="1">
-                <a:latin typeface="Courier New"/>
-                <a:cs typeface="Courier New"/>
-              </a:rPr>
-              <a:t>blastdbcmd</a:t>
-            </a:r>
-            <a:r>
-              <a:rPr lang="en-US" sz="2800" dirty="0">
-                <a:latin typeface="Courier New"/>
-                <a:cs typeface="Courier New"/>
-              </a:rPr>
-              <a:t> –</a:t>
-            </a:r>
-            <a:r>
-              <a:rPr lang="en-US" sz="2800" dirty="0" err="1">
-                <a:latin typeface="Courier New"/>
-                <a:cs typeface="Courier New"/>
-              </a:rPr>
-              <a:t>db</a:t>
-            </a:r>
-            <a:r>
-              <a:rPr lang="en-US" sz="2800" dirty="0">
-                <a:latin typeface="Courier New"/>
-                <a:cs typeface="Courier New"/>
-              </a:rPr>
-              <a:t> ../</a:t>
-            </a:r>
-            <a:r>
-              <a:rPr lang="en-US" sz="2800" dirty="0" err="1">
-                <a:latin typeface="Courier New"/>
-                <a:cs typeface="Courier New"/>
-              </a:rPr>
-              <a:t>db</a:t>
-            </a:r>
-            <a:r>
-              <a:rPr lang="en-US" sz="2800" dirty="0">
-                <a:latin typeface="Courier New"/>
-                <a:cs typeface="Courier New"/>
-              </a:rPr>
-              <a:t>/MG1655 \</a:t>
-            </a:r>
-          </a:p>
-          <a:p>
-            <a:pPr marL="0" indent="0">
-              <a:buNone/>
-            </a:pPr>
-            <a:r>
-              <a:rPr lang="en-US" sz="2800" dirty="0">
-                <a:latin typeface="Courier New"/>
-                <a:cs typeface="Courier New"/>
-              </a:rPr>
-              <a:t> -entry 556503834 -range 150-220</a:t>
-            </a:r>
-          </a:p>
-          <a:p>
-            <a:pPr marL="0" indent="0">
-              <a:buNone/>
-            </a:pPr>
-            <a:endParaRPr lang="en-US" sz="1600" dirty="0">
-              <a:latin typeface="Courier New"/>
-              <a:cs typeface="Courier New"/>
-            </a:endParaRPr>
-          </a:p>
-          <a:p>
-            <a:pPr marL="0" indent="0">
-              <a:buNone/>
-            </a:pPr>
-            <a:r>
-              <a:rPr lang="en-US" sz="1600" dirty="0">
-                <a:latin typeface="Courier New"/>
-                <a:cs typeface="Courier New"/>
-              </a:rPr>
-              <a:t>---output---</a:t>
-            </a:r>
-          </a:p>
-          <a:p>
-            <a:pPr marL="0" indent="0">
-              <a:buNone/>
-            </a:pPr>
-            <a:r>
-              <a:rPr lang="en-US" sz="1600" dirty="0">
-                <a:latin typeface="Courier New"/>
-                <a:cs typeface="Courier New"/>
-              </a:rPr>
-              <a:t>&gt;gi|556503834|ref|NC_000913.3|:150-220 Escherichia coli str. K-12 </a:t>
-            </a:r>
-            <a:r>
-              <a:rPr lang="en-US" sz="1600" dirty="0" err="1">
-                <a:latin typeface="Courier New"/>
-                <a:cs typeface="Courier New"/>
-              </a:rPr>
-              <a:t>substr</a:t>
-            </a:r>
-            <a:r>
-              <a:rPr lang="en-US" sz="1600" dirty="0">
-                <a:latin typeface="Courier New"/>
-                <a:cs typeface="Courier New"/>
-              </a:rPr>
-              <a:t>. MG1655, complete genome</a:t>
-            </a:r>
-          </a:p>
-          <a:p>
-            <a:pPr marL="0" indent="0">
-              <a:buNone/>
-            </a:pPr>
-            <a:r>
-              <a:rPr lang="en-US" sz="1600" dirty="0">
-                <a:latin typeface="Courier New"/>
-                <a:cs typeface="Courier New"/>
-              </a:rPr>
-              <a:t>AGCGCACAGACAGATAAAAATTACAGAGTACACAACATCCATGAAACGCATTAGCACCACCATTACCACCA</a:t>
-            </a:r>
-          </a:p>
-        </p:txBody>
-      </p:sp>
-      <p:sp>
-        <p:nvSpPr>
-          <p:cNvPr id="4" name="TextBox 3"/>
-          <p:cNvSpPr txBox="1"/>
-          <p:nvPr/>
-        </p:nvSpPr>
-        <p:spPr>
-          <a:xfrm>
-            <a:off x="457200" y="4327454"/>
-            <a:ext cx="6371982" cy="461665"/>
-          </a:xfrm>
-          <a:prstGeom prst="rect">
-            <a:avLst/>
-          </a:prstGeom>
-          <a:noFill/>
-        </p:spPr>
-        <p:txBody>
-          <a:bodyPr wrap="none" rtlCol="0">
-            <a:spAutoFit/>
-          </a:bodyPr>
-          <a:lstStyle/>
-          <a:p>
-            <a:r>
-              <a:rPr lang="en-US" sz="1200" dirty="0"/>
-              <a:t>* Database formatting must add –</a:t>
-            </a:r>
-            <a:r>
-              <a:rPr lang="en-US" sz="1200" dirty="0" err="1"/>
-              <a:t>parse_seqids</a:t>
-            </a:r>
-            <a:endParaRPr lang="en-US" sz="1200" dirty="0"/>
-          </a:p>
-          <a:p>
-            <a:r>
-              <a:rPr lang="en-US" sz="1200" dirty="0" err="1">
-                <a:latin typeface="Courier New"/>
-                <a:cs typeface="Courier New"/>
-              </a:rPr>
-              <a:t>makeblastdb</a:t>
-            </a:r>
-            <a:r>
-              <a:rPr lang="en-US" sz="1200" dirty="0">
-                <a:latin typeface="Courier New"/>
-                <a:cs typeface="Courier New"/>
-              </a:rPr>
-              <a:t> -in MG1655.fasta -out MG1655 -</a:t>
-            </a:r>
-            <a:r>
-              <a:rPr lang="en-US" sz="1200" dirty="0" err="1">
-                <a:latin typeface="Courier New"/>
-                <a:cs typeface="Courier New"/>
-              </a:rPr>
-              <a:t>dbtype</a:t>
-            </a:r>
-            <a:r>
-              <a:rPr lang="en-US" sz="1200" dirty="0">
-                <a:latin typeface="Courier New"/>
-                <a:cs typeface="Courier New"/>
-              </a:rPr>
-              <a:t> </a:t>
-            </a:r>
-            <a:r>
-              <a:rPr lang="en-US" sz="1200" dirty="0" err="1">
-                <a:latin typeface="Courier New"/>
-                <a:cs typeface="Courier New"/>
-              </a:rPr>
-              <a:t>nucl</a:t>
-            </a:r>
-            <a:r>
-              <a:rPr lang="en-US" sz="1200" dirty="0">
-                <a:latin typeface="Courier New"/>
-                <a:cs typeface="Courier New"/>
-              </a:rPr>
-              <a:t> -</a:t>
-            </a:r>
-            <a:r>
-              <a:rPr lang="en-US" sz="1200" dirty="0" err="1">
-                <a:latin typeface="Courier New"/>
-                <a:cs typeface="Courier New"/>
-              </a:rPr>
-              <a:t>parse_seqids</a:t>
-            </a:r>
-            <a:endParaRPr lang="en-US" sz="1200" dirty="0">
-              <a:latin typeface="Courier New"/>
-              <a:cs typeface="Courier New"/>
-            </a:endParaRPr>
-          </a:p>
-        </p:txBody>
-      </p:sp>
-    </p:spTree>
-    <p:extLst>
-      <p:ext uri="{BB962C8B-B14F-4D97-AF65-F5344CB8AC3E}">
-        <p14:creationId xmlns:p14="http://schemas.microsoft.com/office/powerpoint/2010/main" val="428381979"/>
-      </p:ext>
-    </p:extLst>
-  </p:cSld>
-  <p:clrMapOvr>
-    <a:masterClrMapping/>
-  </p:clrMapOvr>
-</p:sld>
-</file>
-
 <file path=ppt/slides/slide2.xml><?xml version="1.0" encoding="utf-8"?>
 <p:sld xmlns:a="http://schemas.openxmlformats.org/drawingml/2006/main" xmlns:r="http://schemas.openxmlformats.org/officeDocument/2006/relationships" xmlns:p="http://schemas.openxmlformats.org/presentationml/2006/main">
   <p:cSld>
@@ -9266,6 +9021,886 @@
       </p:grpSpPr>
       <p:sp>
         <p:nvSpPr>
+          <p:cNvPr id="2" name="Title 1"/>
+          <p:cNvSpPr>
+            <a:spLocks noGrp="1"/>
+          </p:cNvSpPr>
+          <p:nvPr>
+            <p:ph type="title"/>
+          </p:nvPr>
+        </p:nvSpPr>
+        <p:spPr/>
+        <p:txBody>
+          <a:bodyPr/>
+          <a:lstStyle/>
+          <a:p>
+            <a:r>
+              <a:rPr lang="en-US" dirty="0"/>
+              <a:t>Search protein sequences using a remote service</a:t>
+            </a:r>
+          </a:p>
+        </p:txBody>
+      </p:sp>
+      <p:sp>
+        <p:nvSpPr>
+          <p:cNvPr id="3" name="Content Placeholder 2"/>
+          <p:cNvSpPr>
+            <a:spLocks noGrp="1"/>
+          </p:cNvSpPr>
+          <p:nvPr>
+            <p:ph idx="1"/>
+          </p:nvPr>
+        </p:nvSpPr>
+        <p:spPr>
+          <a:xfrm>
+            <a:off x="538695" y="1063364"/>
+            <a:ext cx="8205579" cy="1522043"/>
+          </a:xfrm>
+        </p:spPr>
+        <p:txBody>
+          <a:bodyPr>
+            <a:noAutofit/>
+          </a:bodyPr>
+          <a:lstStyle/>
+          <a:p>
+            <a:pPr marL="0" indent="0">
+              <a:buNone/>
+            </a:pPr>
+            <a:r>
+              <a:rPr lang="en-US" sz="2800" b="1" dirty="0" err="1">
+                <a:solidFill>
+                  <a:srgbClr val="FF0000"/>
+                </a:solidFill>
+                <a:latin typeface="Courier New"/>
+                <a:cs typeface="Courier New"/>
+              </a:rPr>
+              <a:t>blastp</a:t>
+            </a:r>
+            <a:r>
+              <a:rPr lang="en-US" sz="2800" dirty="0">
+                <a:latin typeface="Courier New"/>
+                <a:cs typeface="Courier New"/>
+              </a:rPr>
+              <a:t> -query MG1655pepseq.fa \</a:t>
+            </a:r>
+          </a:p>
+          <a:p>
+            <a:pPr marL="0" indent="0">
+              <a:buNone/>
+            </a:pPr>
+            <a:r>
+              <a:rPr lang="en-US" sz="2800" dirty="0">
+                <a:latin typeface="Courier New"/>
+                <a:cs typeface="Courier New"/>
+              </a:rPr>
+              <a:t>	-</a:t>
+            </a:r>
+            <a:r>
+              <a:rPr lang="en-US" sz="2800" dirty="0" err="1">
+                <a:latin typeface="Courier New"/>
+                <a:cs typeface="Courier New"/>
+              </a:rPr>
+              <a:t>db</a:t>
+            </a:r>
+            <a:r>
+              <a:rPr lang="en-US" sz="2800" dirty="0">
+                <a:latin typeface="Courier New"/>
+                <a:cs typeface="Courier New"/>
+              </a:rPr>
+              <a:t> nr -</a:t>
+            </a:r>
+            <a:r>
+              <a:rPr lang="en-US" sz="2800" dirty="0" err="1">
+                <a:latin typeface="Courier New"/>
+                <a:cs typeface="Courier New"/>
+              </a:rPr>
+              <a:t>outfmt</a:t>
+            </a:r>
+            <a:r>
+              <a:rPr lang="en-US" sz="2800" dirty="0">
+                <a:latin typeface="Courier New"/>
+                <a:cs typeface="Courier New"/>
+              </a:rPr>
+              <a:t> 6 -remote \</a:t>
+            </a:r>
+          </a:p>
+          <a:p>
+            <a:pPr marL="0" indent="0">
+              <a:buNone/>
+            </a:pPr>
+            <a:r>
+              <a:rPr lang="fi-FI" sz="2800" dirty="0">
+                <a:latin typeface="Courier New"/>
+                <a:cs typeface="Courier New"/>
+              </a:rPr>
+              <a:t>-</a:t>
+            </a:r>
+            <a:r>
+              <a:rPr lang="fi-FI" sz="2800" dirty="0" err="1">
+                <a:latin typeface="Courier New"/>
+                <a:cs typeface="Courier New"/>
+              </a:rPr>
+              <a:t>evalue</a:t>
+            </a:r>
+            <a:r>
+              <a:rPr lang="fi-FI" sz="2800" dirty="0">
+                <a:latin typeface="Courier New"/>
+                <a:cs typeface="Courier New"/>
+              </a:rPr>
+              <a:t> 1e-100 </a:t>
+            </a:r>
+            <a:r>
+              <a:rPr lang="fi-FI" sz="2800" dirty="0">
+                <a:solidFill>
+                  <a:srgbClr val="FF0000"/>
+                </a:solidFill>
+                <a:latin typeface="Courier New"/>
+                <a:cs typeface="Courier New"/>
+              </a:rPr>
+              <a:t>-</a:t>
+            </a:r>
+            <a:r>
+              <a:rPr lang="fi-FI" sz="2800" dirty="0" err="1">
+                <a:solidFill>
+                  <a:srgbClr val="FF0000"/>
+                </a:solidFill>
+                <a:latin typeface="Courier New"/>
+                <a:cs typeface="Courier New"/>
+              </a:rPr>
+              <a:t>max_target_seqs</a:t>
+            </a:r>
+            <a:r>
+              <a:rPr lang="fi-FI" sz="2800" dirty="0">
+                <a:latin typeface="Courier New"/>
+                <a:cs typeface="Courier New"/>
+              </a:rPr>
+              <a:t> 1</a:t>
+            </a:r>
+          </a:p>
+        </p:txBody>
+      </p:sp>
+      <p:sp>
+        <p:nvSpPr>
+          <p:cNvPr id="4" name="TextBox 3"/>
+          <p:cNvSpPr txBox="1"/>
+          <p:nvPr/>
+        </p:nvSpPr>
+        <p:spPr>
+          <a:xfrm>
+            <a:off x="1760821" y="3212176"/>
+            <a:ext cx="6008376" cy="523220"/>
+          </a:xfrm>
+          <a:prstGeom prst="rect">
+            <a:avLst/>
+          </a:prstGeom>
+          <a:noFill/>
+        </p:spPr>
+        <p:txBody>
+          <a:bodyPr wrap="none" rtlCol="0">
+            <a:spAutoFit/>
+          </a:bodyPr>
+          <a:lstStyle/>
+          <a:p>
+            <a:r>
+              <a:rPr lang="en-US" sz="2800" dirty="0"/>
+              <a:t>Output only one hit if hits can be found.</a:t>
+            </a:r>
+          </a:p>
+        </p:txBody>
+      </p:sp>
+      <p:sp>
+        <p:nvSpPr>
+          <p:cNvPr id="5" name="TextBox 4"/>
+          <p:cNvSpPr txBox="1"/>
+          <p:nvPr/>
+        </p:nvSpPr>
+        <p:spPr>
+          <a:xfrm>
+            <a:off x="563467" y="4362165"/>
+            <a:ext cx="8180807" cy="246221"/>
+          </a:xfrm>
+          <a:prstGeom prst="rect">
+            <a:avLst/>
+          </a:prstGeom>
+          <a:noFill/>
+        </p:spPr>
+        <p:txBody>
+          <a:bodyPr wrap="square" rtlCol="0">
+            <a:spAutoFit/>
+          </a:bodyPr>
+          <a:lstStyle/>
+          <a:p>
+            <a:r>
+              <a:rPr lang="is-IS" sz="1000" dirty="0"/>
+              <a:t>C321.deltaA	gi|446843038|ref|WP_000920294.1|	100.00	450	0	0	1	450	1	450	0.0	  916</a:t>
+            </a:r>
+            <a:endParaRPr lang="en-US" sz="1000" dirty="0"/>
+          </a:p>
+        </p:txBody>
+      </p:sp>
+    </p:spTree>
+    <p:extLst>
+      <p:ext uri="{BB962C8B-B14F-4D97-AF65-F5344CB8AC3E}">
+        <p14:creationId xmlns:p14="http://schemas.microsoft.com/office/powerpoint/2010/main" val="831203829"/>
+      </p:ext>
+    </p:extLst>
+  </p:cSld>
+  <p:clrMapOvr>
+    <a:masterClrMapping/>
+  </p:clrMapOvr>
+</p:sld>
+</file>
+
+<file path=ppt/slides/slide21.xml><?xml version="1.0" encoding="utf-8"?>
+<p:sld xmlns:a="http://schemas.openxmlformats.org/drawingml/2006/main" xmlns:r="http://schemas.openxmlformats.org/officeDocument/2006/relationships" xmlns:p="http://schemas.openxmlformats.org/presentationml/2006/main">
+  <p:cSld>
+    <p:spTree>
+      <p:nvGrpSpPr>
+        <p:cNvPr id="1" name=""/>
+        <p:cNvGrpSpPr/>
+        <p:nvPr/>
+      </p:nvGrpSpPr>
+      <p:grpSpPr>
+        <a:xfrm>
+          <a:off x="0" y="0"/>
+          <a:ext cx="0" cy="0"/>
+          <a:chOff x="0" y="0"/>
+          <a:chExt cx="0" cy="0"/>
+        </a:xfrm>
+      </p:grpSpPr>
+      <p:sp>
+        <p:nvSpPr>
+          <p:cNvPr id="2" name="Title 1"/>
+          <p:cNvSpPr>
+            <a:spLocks noGrp="1"/>
+          </p:cNvSpPr>
+          <p:nvPr>
+            <p:ph type="title"/>
+          </p:nvPr>
+        </p:nvSpPr>
+        <p:spPr/>
+        <p:txBody>
+          <a:bodyPr/>
+          <a:lstStyle/>
+          <a:p>
+            <a:r>
+              <a:rPr lang="en-US" dirty="0"/>
+              <a:t>Extract sequences or subsequences</a:t>
+            </a:r>
+          </a:p>
+        </p:txBody>
+      </p:sp>
+      <p:sp>
+        <p:nvSpPr>
+          <p:cNvPr id="3" name="Content Placeholder 2"/>
+          <p:cNvSpPr>
+            <a:spLocks noGrp="1"/>
+          </p:cNvSpPr>
+          <p:nvPr>
+            <p:ph idx="1"/>
+          </p:nvPr>
+        </p:nvSpPr>
+        <p:spPr>
+          <a:xfrm>
+            <a:off x="567268" y="995967"/>
+            <a:ext cx="8339668" cy="3804633"/>
+          </a:xfrm>
+        </p:spPr>
+        <p:txBody>
+          <a:bodyPr>
+            <a:normAutofit lnSpcReduction="10000"/>
+          </a:bodyPr>
+          <a:lstStyle/>
+          <a:p>
+            <a:pPr>
+              <a:lnSpc>
+                <a:spcPct val="90000"/>
+              </a:lnSpc>
+            </a:pPr>
+            <a:r>
+              <a:rPr lang="en-US" b="1" dirty="0" err="1">
+                <a:solidFill>
+                  <a:schemeClr val="tx2">
+                    <a:lumMod val="75000"/>
+                  </a:schemeClr>
+                </a:solidFill>
+              </a:rPr>
+              <a:t>blastdbcmd</a:t>
+            </a:r>
+            <a:endParaRPr lang="en-US" b="1" dirty="0">
+              <a:solidFill>
+                <a:schemeClr val="tx2">
+                  <a:lumMod val="75000"/>
+                </a:schemeClr>
+              </a:solidFill>
+            </a:endParaRPr>
+          </a:p>
+          <a:p>
+            <a:pPr marL="0" indent="0">
+              <a:lnSpc>
+                <a:spcPct val="90000"/>
+              </a:lnSpc>
+              <a:buNone/>
+            </a:pPr>
+            <a:r>
+              <a:rPr lang="en-US" sz="2800" dirty="0" err="1">
+                <a:latin typeface="Courier New"/>
+                <a:cs typeface="Courier New"/>
+              </a:rPr>
+              <a:t>blastdbcmd</a:t>
+            </a:r>
+            <a:r>
+              <a:rPr lang="en-US" sz="2800" dirty="0">
+                <a:latin typeface="Courier New"/>
+                <a:cs typeface="Courier New"/>
+              </a:rPr>
+              <a:t> -</a:t>
+            </a:r>
+            <a:r>
+              <a:rPr lang="en-US" sz="2800" dirty="0" err="1">
+                <a:latin typeface="Courier New"/>
+                <a:cs typeface="Courier New"/>
+              </a:rPr>
+              <a:t>db</a:t>
+            </a:r>
+            <a:r>
+              <a:rPr lang="en-US" sz="2800" dirty="0">
+                <a:latin typeface="Courier New"/>
+                <a:cs typeface="Courier New"/>
+              </a:rPr>
+              <a:t> ../</a:t>
+            </a:r>
+            <a:r>
+              <a:rPr lang="en-US" sz="2800" dirty="0" err="1">
+                <a:latin typeface="Courier New"/>
+                <a:cs typeface="Courier New"/>
+              </a:rPr>
+              <a:t>db</a:t>
+            </a:r>
+            <a:r>
+              <a:rPr lang="en-US" sz="2800" dirty="0">
+                <a:latin typeface="Courier New"/>
+                <a:cs typeface="Courier New"/>
+              </a:rPr>
+              <a:t>/MG1655 -info</a:t>
+            </a:r>
+          </a:p>
+          <a:p>
+            <a:pPr marL="0" indent="0">
+              <a:lnSpc>
+                <a:spcPct val="90000"/>
+              </a:lnSpc>
+              <a:buNone/>
+            </a:pPr>
+            <a:endParaRPr lang="en-US" dirty="0"/>
+          </a:p>
+          <a:p>
+            <a:pPr marL="0" indent="0">
+              <a:lnSpc>
+                <a:spcPct val="90000"/>
+              </a:lnSpc>
+              <a:buNone/>
+            </a:pPr>
+            <a:r>
+              <a:rPr lang="en-US" dirty="0"/>
+              <a:t>Extract sequences from the database</a:t>
+            </a:r>
+          </a:p>
+          <a:p>
+            <a:pPr marL="0" indent="0">
+              <a:lnSpc>
+                <a:spcPct val="90000"/>
+              </a:lnSpc>
+              <a:buNone/>
+            </a:pPr>
+            <a:r>
+              <a:rPr lang="en-US" sz="2800" dirty="0" err="1">
+                <a:latin typeface="Courier New"/>
+                <a:cs typeface="Courier New"/>
+              </a:rPr>
+              <a:t>blastdbcmd</a:t>
+            </a:r>
+            <a:r>
+              <a:rPr lang="en-US" sz="2800" dirty="0">
+                <a:latin typeface="Courier New"/>
+                <a:cs typeface="Courier New"/>
+              </a:rPr>
+              <a:t> –</a:t>
+            </a:r>
+            <a:r>
+              <a:rPr lang="en-US" sz="2800" dirty="0" err="1">
+                <a:latin typeface="Courier New"/>
+                <a:cs typeface="Courier New"/>
+              </a:rPr>
+              <a:t>db</a:t>
+            </a:r>
+            <a:r>
+              <a:rPr lang="en-US" sz="2800" dirty="0">
+                <a:latin typeface="Courier New"/>
+                <a:cs typeface="Courier New"/>
+              </a:rPr>
+              <a:t> ../</a:t>
+            </a:r>
+            <a:r>
+              <a:rPr lang="en-US" sz="2800" dirty="0" err="1">
+                <a:latin typeface="Courier New"/>
+                <a:cs typeface="Courier New"/>
+              </a:rPr>
+              <a:t>db</a:t>
+            </a:r>
+            <a:r>
+              <a:rPr lang="en-US" sz="2800" dirty="0">
+                <a:latin typeface="Courier New"/>
+                <a:cs typeface="Courier New"/>
+              </a:rPr>
+              <a:t>/MG1655 \</a:t>
+            </a:r>
+          </a:p>
+          <a:p>
+            <a:pPr marL="0" indent="0">
+              <a:lnSpc>
+                <a:spcPct val="90000"/>
+              </a:lnSpc>
+              <a:buNone/>
+            </a:pPr>
+            <a:r>
+              <a:rPr lang="en-US" sz="2800" dirty="0">
+                <a:latin typeface="Courier New"/>
+                <a:cs typeface="Courier New"/>
+              </a:rPr>
+              <a:t> -entry all -range 150-220</a:t>
+            </a:r>
+          </a:p>
+          <a:p>
+            <a:pPr marL="0" indent="0">
+              <a:lnSpc>
+                <a:spcPct val="90000"/>
+              </a:lnSpc>
+              <a:buNone/>
+            </a:pPr>
+            <a:endParaRPr lang="en-US" sz="1600" dirty="0">
+              <a:latin typeface="Courier New"/>
+              <a:cs typeface="Courier New"/>
+            </a:endParaRPr>
+          </a:p>
+          <a:p>
+            <a:pPr marL="0" indent="0">
+              <a:lnSpc>
+                <a:spcPct val="90000"/>
+              </a:lnSpc>
+              <a:buNone/>
+            </a:pPr>
+            <a:r>
+              <a:rPr lang="en-US" sz="1600" dirty="0">
+                <a:latin typeface="Courier New"/>
+                <a:cs typeface="Courier New"/>
+              </a:rPr>
+              <a:t>---output---</a:t>
+            </a:r>
+          </a:p>
+          <a:p>
+            <a:pPr marL="0" indent="0">
+              <a:lnSpc>
+                <a:spcPct val="90000"/>
+              </a:lnSpc>
+              <a:buNone/>
+            </a:pPr>
+            <a:r>
+              <a:rPr lang="en-US" sz="1600" dirty="0">
+                <a:latin typeface="Courier New"/>
+                <a:cs typeface="Courier New"/>
+              </a:rPr>
+              <a:t>&gt;gi|556503834|ref|NC_000913.3|:150-220 Escherichia coli str. K-12 </a:t>
+            </a:r>
+            <a:r>
+              <a:rPr lang="en-US" sz="1600" dirty="0" err="1">
+                <a:latin typeface="Courier New"/>
+                <a:cs typeface="Courier New"/>
+              </a:rPr>
+              <a:t>substr</a:t>
+            </a:r>
+            <a:r>
+              <a:rPr lang="en-US" sz="1600" dirty="0">
+                <a:latin typeface="Courier New"/>
+                <a:cs typeface="Courier New"/>
+              </a:rPr>
+              <a:t>. MG1655, complete genome</a:t>
+            </a:r>
+          </a:p>
+          <a:p>
+            <a:pPr marL="0" indent="0">
+              <a:lnSpc>
+                <a:spcPct val="90000"/>
+              </a:lnSpc>
+              <a:buNone/>
+            </a:pPr>
+            <a:r>
+              <a:rPr lang="en-US" sz="1600" dirty="0">
+                <a:latin typeface="Courier New"/>
+                <a:cs typeface="Courier New"/>
+              </a:rPr>
+              <a:t>AGCGCACAGACAGATAAAAATTACAGAGTACACAACATCCATGAAACGCATTAGCACCACCATTACCACCA</a:t>
+            </a:r>
+          </a:p>
+        </p:txBody>
+      </p:sp>
+    </p:spTree>
+    <p:extLst>
+      <p:ext uri="{BB962C8B-B14F-4D97-AF65-F5344CB8AC3E}">
+        <p14:creationId xmlns:p14="http://schemas.microsoft.com/office/powerpoint/2010/main" val="3120825335"/>
+      </p:ext>
+    </p:extLst>
+  </p:cSld>
+  <p:clrMapOvr>
+    <a:masterClrMapping/>
+  </p:clrMapOvr>
+</p:sld>
+</file>
+
+<file path=ppt/slides/slide22.xml><?xml version="1.0" encoding="utf-8"?>
+<p:sld xmlns:a="http://schemas.openxmlformats.org/drawingml/2006/main" xmlns:r="http://schemas.openxmlformats.org/officeDocument/2006/relationships" xmlns:p="http://schemas.openxmlformats.org/presentationml/2006/main">
+  <p:cSld>
+    <p:spTree>
+      <p:nvGrpSpPr>
+        <p:cNvPr id="1" name=""/>
+        <p:cNvGrpSpPr/>
+        <p:nvPr/>
+      </p:nvGrpSpPr>
+      <p:grpSpPr>
+        <a:xfrm>
+          <a:off x="0" y="0"/>
+          <a:ext cx="0" cy="0"/>
+          <a:chOff x="0" y="0"/>
+          <a:chExt cx="0" cy="0"/>
+        </a:xfrm>
+      </p:grpSpPr>
+      <p:sp>
+        <p:nvSpPr>
+          <p:cNvPr id="2" name="Title 1"/>
+          <p:cNvSpPr>
+            <a:spLocks noGrp="1"/>
+          </p:cNvSpPr>
+          <p:nvPr>
+            <p:ph type="title"/>
+          </p:nvPr>
+        </p:nvSpPr>
+        <p:spPr/>
+        <p:txBody>
+          <a:bodyPr/>
+          <a:lstStyle/>
+          <a:p>
+            <a:r>
+              <a:rPr lang="en-US" dirty="0"/>
+              <a:t>Extract sequences using </a:t>
+            </a:r>
+            <a:r>
+              <a:rPr lang="en-US" dirty="0" err="1"/>
+              <a:t>Gi</a:t>
+            </a:r>
+            <a:r>
+              <a:rPr lang="en-US" dirty="0"/>
+              <a:t> ID</a:t>
+            </a:r>
+          </a:p>
+        </p:txBody>
+      </p:sp>
+      <p:sp>
+        <p:nvSpPr>
+          <p:cNvPr id="3" name="Content Placeholder 2"/>
+          <p:cNvSpPr>
+            <a:spLocks noGrp="1"/>
+          </p:cNvSpPr>
+          <p:nvPr>
+            <p:ph idx="1"/>
+          </p:nvPr>
+        </p:nvSpPr>
+        <p:spPr>
+          <a:xfrm>
+            <a:off x="402166" y="1114402"/>
+            <a:ext cx="8339668" cy="3115202"/>
+          </a:xfrm>
+        </p:spPr>
+        <p:txBody>
+          <a:bodyPr>
+            <a:normAutofit lnSpcReduction="10000"/>
+          </a:bodyPr>
+          <a:lstStyle/>
+          <a:p>
+            <a:pPr marL="0" indent="0">
+              <a:buNone/>
+            </a:pPr>
+            <a:r>
+              <a:rPr lang="en-US" sz="1600" dirty="0">
+                <a:latin typeface="Courier New"/>
+                <a:cs typeface="Courier New"/>
+              </a:rPr>
+              <a:t># Use </a:t>
+            </a:r>
+            <a:r>
+              <a:rPr lang="en-US" sz="1600" dirty="0" err="1">
+                <a:latin typeface="Courier New"/>
+                <a:cs typeface="Courier New"/>
+              </a:rPr>
+              <a:t>Gi</a:t>
+            </a:r>
+            <a:r>
+              <a:rPr lang="en-US" sz="1600" dirty="0">
+                <a:latin typeface="Courier New"/>
+                <a:cs typeface="Courier New"/>
+              </a:rPr>
+              <a:t> ID to search*</a:t>
+            </a:r>
+          </a:p>
+          <a:p>
+            <a:pPr marL="0" indent="0">
+              <a:buNone/>
+            </a:pPr>
+            <a:endParaRPr lang="en-US" sz="1600" dirty="0">
+              <a:latin typeface="Courier New"/>
+              <a:cs typeface="Courier New"/>
+            </a:endParaRPr>
+          </a:p>
+          <a:p>
+            <a:pPr marL="0" indent="0">
+              <a:buNone/>
+            </a:pPr>
+            <a:r>
+              <a:rPr lang="en-US" sz="2800" dirty="0" err="1">
+                <a:latin typeface="Courier New"/>
+                <a:cs typeface="Courier New"/>
+              </a:rPr>
+              <a:t>blastdbcmd</a:t>
+            </a:r>
+            <a:r>
+              <a:rPr lang="en-US" sz="2800" dirty="0">
+                <a:latin typeface="Courier New"/>
+                <a:cs typeface="Courier New"/>
+              </a:rPr>
+              <a:t> –</a:t>
+            </a:r>
+            <a:r>
+              <a:rPr lang="en-US" sz="2800" dirty="0" err="1">
+                <a:latin typeface="Courier New"/>
+                <a:cs typeface="Courier New"/>
+              </a:rPr>
+              <a:t>db</a:t>
+            </a:r>
+            <a:r>
+              <a:rPr lang="en-US" sz="2800" dirty="0">
+                <a:latin typeface="Courier New"/>
+                <a:cs typeface="Courier New"/>
+              </a:rPr>
+              <a:t> ../</a:t>
+            </a:r>
+            <a:r>
+              <a:rPr lang="en-US" sz="2800" dirty="0" err="1">
+                <a:latin typeface="Courier New"/>
+                <a:cs typeface="Courier New"/>
+              </a:rPr>
+              <a:t>db</a:t>
+            </a:r>
+            <a:r>
+              <a:rPr lang="en-US" sz="2800" dirty="0">
+                <a:latin typeface="Courier New"/>
+                <a:cs typeface="Courier New"/>
+              </a:rPr>
+              <a:t>/MG1655 \</a:t>
+            </a:r>
+          </a:p>
+          <a:p>
+            <a:pPr marL="0" indent="0">
+              <a:buNone/>
+            </a:pPr>
+            <a:r>
+              <a:rPr lang="en-US" sz="2800" dirty="0">
+                <a:latin typeface="Courier New"/>
+                <a:cs typeface="Courier New"/>
+              </a:rPr>
+              <a:t> -entry 556503834 -range 150-220</a:t>
+            </a:r>
+          </a:p>
+          <a:p>
+            <a:pPr marL="0" indent="0">
+              <a:buNone/>
+            </a:pPr>
+            <a:endParaRPr lang="en-US" sz="1600" dirty="0">
+              <a:latin typeface="Courier New"/>
+              <a:cs typeface="Courier New"/>
+            </a:endParaRPr>
+          </a:p>
+          <a:p>
+            <a:pPr marL="0" indent="0">
+              <a:buNone/>
+            </a:pPr>
+            <a:r>
+              <a:rPr lang="en-US" sz="1600" dirty="0">
+                <a:latin typeface="Courier New"/>
+                <a:cs typeface="Courier New"/>
+              </a:rPr>
+              <a:t>---output---</a:t>
+            </a:r>
+          </a:p>
+          <a:p>
+            <a:pPr marL="0" indent="0">
+              <a:buNone/>
+            </a:pPr>
+            <a:r>
+              <a:rPr lang="en-US" sz="1600" dirty="0">
+                <a:latin typeface="Courier New"/>
+                <a:cs typeface="Courier New"/>
+              </a:rPr>
+              <a:t>&gt;gi|556503834|ref|NC_000913.3|:150-220 Escherichia coli str. K-12 </a:t>
+            </a:r>
+            <a:r>
+              <a:rPr lang="en-US" sz="1600" dirty="0" err="1">
+                <a:latin typeface="Courier New"/>
+                <a:cs typeface="Courier New"/>
+              </a:rPr>
+              <a:t>substr</a:t>
+            </a:r>
+            <a:r>
+              <a:rPr lang="en-US" sz="1600" dirty="0">
+                <a:latin typeface="Courier New"/>
+                <a:cs typeface="Courier New"/>
+              </a:rPr>
+              <a:t>. MG1655, complete genome</a:t>
+            </a:r>
+          </a:p>
+          <a:p>
+            <a:pPr marL="0" indent="0">
+              <a:buNone/>
+            </a:pPr>
+            <a:r>
+              <a:rPr lang="en-US" sz="1600" dirty="0">
+                <a:latin typeface="Courier New"/>
+                <a:cs typeface="Courier New"/>
+              </a:rPr>
+              <a:t>AGCGCACAGACAGATAAAAATTACAGAGTACACAACATCCATGAAACGCATTAGCACCACCATTACCACCA</a:t>
+            </a:r>
+          </a:p>
+        </p:txBody>
+      </p:sp>
+      <p:sp>
+        <p:nvSpPr>
+          <p:cNvPr id="4" name="TextBox 3"/>
+          <p:cNvSpPr txBox="1"/>
+          <p:nvPr/>
+        </p:nvSpPr>
+        <p:spPr>
+          <a:xfrm>
+            <a:off x="457200" y="4327454"/>
+            <a:ext cx="6371982" cy="461665"/>
+          </a:xfrm>
+          <a:prstGeom prst="rect">
+            <a:avLst/>
+          </a:prstGeom>
+          <a:noFill/>
+        </p:spPr>
+        <p:txBody>
+          <a:bodyPr wrap="none" rtlCol="0">
+            <a:spAutoFit/>
+          </a:bodyPr>
+          <a:lstStyle/>
+          <a:p>
+            <a:r>
+              <a:rPr lang="en-US" sz="1200" dirty="0"/>
+              <a:t>* Database formatting must add –</a:t>
+            </a:r>
+            <a:r>
+              <a:rPr lang="en-US" sz="1200" dirty="0" err="1"/>
+              <a:t>parse_seqids</a:t>
+            </a:r>
+            <a:endParaRPr lang="en-US" sz="1200" dirty="0"/>
+          </a:p>
+          <a:p>
+            <a:r>
+              <a:rPr lang="en-US" sz="1200" dirty="0" err="1">
+                <a:latin typeface="Courier New"/>
+                <a:cs typeface="Courier New"/>
+              </a:rPr>
+              <a:t>makeblastdb</a:t>
+            </a:r>
+            <a:r>
+              <a:rPr lang="en-US" sz="1200" dirty="0">
+                <a:latin typeface="Courier New"/>
+                <a:cs typeface="Courier New"/>
+              </a:rPr>
+              <a:t> -in MG1655.fasta -out MG1655 -</a:t>
+            </a:r>
+            <a:r>
+              <a:rPr lang="en-US" sz="1200" dirty="0" err="1">
+                <a:latin typeface="Courier New"/>
+                <a:cs typeface="Courier New"/>
+              </a:rPr>
+              <a:t>dbtype</a:t>
+            </a:r>
+            <a:r>
+              <a:rPr lang="en-US" sz="1200" dirty="0">
+                <a:latin typeface="Courier New"/>
+                <a:cs typeface="Courier New"/>
+              </a:rPr>
+              <a:t> </a:t>
+            </a:r>
+            <a:r>
+              <a:rPr lang="en-US" sz="1200" dirty="0" err="1">
+                <a:latin typeface="Courier New"/>
+                <a:cs typeface="Courier New"/>
+              </a:rPr>
+              <a:t>nucl</a:t>
+            </a:r>
+            <a:r>
+              <a:rPr lang="en-US" sz="1200" dirty="0">
+                <a:latin typeface="Courier New"/>
+                <a:cs typeface="Courier New"/>
+              </a:rPr>
+              <a:t> -</a:t>
+            </a:r>
+            <a:r>
+              <a:rPr lang="en-US" sz="1200" dirty="0" err="1">
+                <a:latin typeface="Courier New"/>
+                <a:cs typeface="Courier New"/>
+              </a:rPr>
+              <a:t>parse_seqids</a:t>
+            </a:r>
+            <a:endParaRPr lang="en-US" sz="1200" dirty="0">
+              <a:latin typeface="Courier New"/>
+              <a:cs typeface="Courier New"/>
+            </a:endParaRPr>
+          </a:p>
+        </p:txBody>
+      </p:sp>
+    </p:spTree>
+    <p:extLst>
+      <p:ext uri="{BB962C8B-B14F-4D97-AF65-F5344CB8AC3E}">
+        <p14:creationId xmlns:p14="http://schemas.microsoft.com/office/powerpoint/2010/main" val="428381979"/>
+      </p:ext>
+    </p:extLst>
+  </p:cSld>
+  <p:clrMapOvr>
+    <a:masterClrMapping/>
+  </p:clrMapOvr>
+</p:sld>
+</file>
+
+<file path=ppt/slides/slide23.xml><?xml version="1.0" encoding="utf-8"?>
+<p:sld xmlns:a="http://schemas.openxmlformats.org/drawingml/2006/main" xmlns:r="http://schemas.openxmlformats.org/officeDocument/2006/relationships" xmlns:p="http://schemas.openxmlformats.org/presentationml/2006/main">
+  <p:cSld>
+    <p:spTree>
+      <p:nvGrpSpPr>
+        <p:cNvPr id="1" name=""/>
+        <p:cNvGrpSpPr/>
+        <p:nvPr/>
+      </p:nvGrpSpPr>
+      <p:grpSpPr>
+        <a:xfrm>
+          <a:off x="0" y="0"/>
+          <a:ext cx="0" cy="0"/>
+          <a:chOff x="0" y="0"/>
+          <a:chExt cx="0" cy="0"/>
+        </a:xfrm>
+      </p:grpSpPr>
+      <p:sp>
+        <p:nvSpPr>
           <p:cNvPr id="2" name="Title 1">
             <a:extLst>
               <a:ext uri="{FF2B5EF4-FFF2-40B4-BE49-F238E27FC236}">
@@ -9635,6 +10270,46 @@
           </a:p>
         </p:txBody>
       </p:sp>
+      <p:sp>
+        <p:nvSpPr>
+          <p:cNvPr id="3" name="TextBox 2">
+            <a:extLst>
+              <a:ext uri="{FF2B5EF4-FFF2-40B4-BE49-F238E27FC236}">
+                <a16:creationId xmlns:a16="http://schemas.microsoft.com/office/drawing/2014/main" id="{38794503-493B-868C-B0CA-FA66E2B215EF}"/>
+              </a:ext>
+            </a:extLst>
+          </p:cNvPr>
+          <p:cNvSpPr txBox="1"/>
+          <p:nvPr/>
+        </p:nvSpPr>
+        <p:spPr>
+          <a:xfrm>
+            <a:off x="2792186" y="228540"/>
+            <a:ext cx="2890157" cy="4708981"/>
+          </a:xfrm>
+          <a:prstGeom prst="rect">
+            <a:avLst/>
+          </a:prstGeom>
+          <a:noFill/>
+        </p:spPr>
+        <p:txBody>
+          <a:bodyPr wrap="square" rtlCol="0">
+            <a:spAutoFit/>
+          </a:bodyPr>
+          <a:lstStyle/>
+          <a:p>
+            <a:pPr algn="ctr"/>
+            <a:r>
+              <a:rPr lang="en-US" sz="30000" dirty="0">
+                <a:solidFill>
+                  <a:srgbClr val="FF0000"/>
+                </a:solidFill>
+              </a:rPr>
+              <a:t>X</a:t>
+            </a:r>
+          </a:p>
+        </p:txBody>
+      </p:sp>
     </p:spTree>
     <p:extLst>
       <p:ext uri="{BB962C8B-B14F-4D97-AF65-F5344CB8AC3E}">
@@ -9670,6 +10345,502 @@
           <p:cNvPr id="2" name="Title 1">
             <a:extLst>
               <a:ext uri="{FF2B5EF4-FFF2-40B4-BE49-F238E27FC236}">
+                <a16:creationId xmlns:a16="http://schemas.microsoft.com/office/drawing/2014/main" id="{C2B771A0-17DD-904B-BBA2-ECFD898798C3}"/>
+              </a:ext>
+            </a:extLst>
+          </p:cNvPr>
+          <p:cNvSpPr>
+            <a:spLocks noGrp="1"/>
+          </p:cNvSpPr>
+          <p:nvPr>
+            <p:ph type="title"/>
+          </p:nvPr>
+        </p:nvSpPr>
+        <p:spPr>
+          <a:xfrm>
+            <a:off x="628650" y="57149"/>
+            <a:ext cx="7886700" cy="787018"/>
+          </a:xfrm>
+        </p:spPr>
+        <p:txBody>
+          <a:bodyPr>
+            <a:normAutofit/>
+          </a:bodyPr>
+          <a:lstStyle/>
+          <a:p>
+            <a:pPr algn="ctr"/>
+            <a:r>
+              <a:rPr lang="en-US" sz="3200" dirty="0" err="1"/>
+              <a:t>conda</a:t>
+            </a:r>
+            <a:r>
+              <a:rPr lang="en-US" sz="3200" dirty="0"/>
+              <a:t> installation</a:t>
+            </a:r>
+          </a:p>
+        </p:txBody>
+      </p:sp>
+      <p:sp>
+        <p:nvSpPr>
+          <p:cNvPr id="3" name="Content Placeholder 2">
+            <a:extLst>
+              <a:ext uri="{FF2B5EF4-FFF2-40B4-BE49-F238E27FC236}">
+                <a16:creationId xmlns:a16="http://schemas.microsoft.com/office/drawing/2014/main" id="{3661A253-6582-8B4F-8100-89DD262132B8}"/>
+              </a:ext>
+            </a:extLst>
+          </p:cNvPr>
+          <p:cNvSpPr>
+            <a:spLocks noGrp="1"/>
+          </p:cNvSpPr>
+          <p:nvPr>
+            <p:ph idx="1"/>
+          </p:nvPr>
+        </p:nvSpPr>
+        <p:spPr>
+          <a:xfrm>
+            <a:off x="360218" y="1057523"/>
+            <a:ext cx="8423564" cy="3450867"/>
+          </a:xfrm>
+        </p:spPr>
+        <p:txBody>
+          <a:bodyPr>
+            <a:normAutofit/>
+          </a:bodyPr>
+          <a:lstStyle/>
+          <a:p>
+            <a:pPr marL="0" indent="0">
+              <a:buNone/>
+            </a:pPr>
+            <a:r>
+              <a:rPr lang="en-US" dirty="0"/>
+              <a:t># download </a:t>
+            </a:r>
+            <a:r>
+              <a:rPr lang="en-US" dirty="0" err="1"/>
+              <a:t>conda</a:t>
+            </a:r>
+            <a:r>
+              <a:rPr lang="en-US" dirty="0"/>
+              <a:t> software</a:t>
+            </a:r>
+          </a:p>
+          <a:p>
+            <a:pPr marL="0" indent="0">
+              <a:buNone/>
+            </a:pPr>
+            <a:r>
+              <a:rPr lang="en-US" sz="1800" dirty="0" err="1"/>
+              <a:t>wget</a:t>
+            </a:r>
+            <a:r>
+              <a:rPr lang="en-US" sz="1800" dirty="0"/>
+              <a:t> </a:t>
+            </a:r>
+            <a:r>
+              <a:rPr lang="en-US" sz="1800" dirty="0">
+                <a:hlinkClick r:id="rId3"/>
+              </a:rPr>
+              <a:t>https://repo.anaconda.com/archive/Anaconda3-2024.10-1-Linux-x86_64.sh</a:t>
+            </a:r>
+            <a:endParaRPr lang="en-US" sz="1800" dirty="0"/>
+          </a:p>
+          <a:p>
+            <a:pPr marL="0" indent="0">
+              <a:buNone/>
+            </a:pPr>
+            <a:endParaRPr lang="en-US" sz="2000" dirty="0"/>
+          </a:p>
+          <a:p>
+            <a:pPr marL="0" indent="0">
+              <a:buNone/>
+            </a:pPr>
+            <a:r>
+              <a:rPr lang="en-US" dirty="0"/>
+              <a:t># installation</a:t>
+            </a:r>
+          </a:p>
+          <a:p>
+            <a:pPr marL="0" indent="0">
+              <a:lnSpc>
+                <a:spcPct val="100000"/>
+              </a:lnSpc>
+              <a:buNone/>
+            </a:pPr>
+            <a:r>
+              <a:rPr lang="en-US" sz="2400" dirty="0" err="1">
+                <a:latin typeface="Courier New" panose="02070309020205020404" pitchFamily="49" charset="0"/>
+                <a:cs typeface="Courier New" panose="02070309020205020404" pitchFamily="49" charset="0"/>
+              </a:rPr>
+              <a:t>sh</a:t>
+            </a:r>
+            <a:r>
+              <a:rPr lang="en-US" sz="2400" dirty="0">
+                <a:latin typeface="Courier New" panose="02070309020205020404" pitchFamily="49" charset="0"/>
+                <a:cs typeface="Courier New" panose="02070309020205020404" pitchFamily="49" charset="0"/>
+              </a:rPr>
+              <a:t> Anaconda3-2024.10-1-Linux-x86_64.sh</a:t>
+            </a:r>
+          </a:p>
+          <a:p>
+            <a:pPr marL="0" indent="0">
+              <a:buNone/>
+            </a:pPr>
+            <a:endParaRPr lang="en-US" dirty="0"/>
+          </a:p>
+          <a:p>
+            <a:pPr marL="0" indent="0">
+              <a:buNone/>
+            </a:pPr>
+            <a:r>
+              <a:rPr lang="en-US" dirty="0"/>
+              <a:t># with -u if a previous installation exists</a:t>
+            </a:r>
+          </a:p>
+          <a:p>
+            <a:pPr marL="0" indent="0">
+              <a:buNone/>
+            </a:pPr>
+            <a:r>
+              <a:rPr lang="en-US" sz="2400" dirty="0">
+                <a:latin typeface="Courier New" panose="02070309020205020404" pitchFamily="49" charset="0"/>
+                <a:cs typeface="Courier New" panose="02070309020205020404" pitchFamily="49" charset="0"/>
+              </a:rPr>
+              <a:t># </a:t>
+            </a:r>
+            <a:r>
+              <a:rPr lang="en-US" sz="2400" dirty="0" err="1">
+                <a:latin typeface="Courier New" panose="02070309020205020404" pitchFamily="49" charset="0"/>
+                <a:cs typeface="Courier New" panose="02070309020205020404" pitchFamily="49" charset="0"/>
+              </a:rPr>
+              <a:t>sh</a:t>
+            </a:r>
+            <a:r>
+              <a:rPr lang="en-US" sz="2400" dirty="0">
+                <a:latin typeface="Courier New" panose="02070309020205020404" pitchFamily="49" charset="0"/>
+                <a:cs typeface="Courier New" panose="02070309020205020404" pitchFamily="49" charset="0"/>
+              </a:rPr>
+              <a:t> Anaconda3-2024.10-1-Linux-x86_64.sh -u</a:t>
+            </a:r>
+          </a:p>
+        </p:txBody>
+      </p:sp>
+    </p:spTree>
+    <p:extLst>
+      <p:ext uri="{BB962C8B-B14F-4D97-AF65-F5344CB8AC3E}">
+        <p14:creationId xmlns:p14="http://schemas.microsoft.com/office/powerpoint/2010/main" val="540812105"/>
+      </p:ext>
+    </p:extLst>
+  </p:cSld>
+  <p:clrMapOvr>
+    <a:masterClrMapping/>
+  </p:clrMapOvr>
+</p:sld>
+</file>
+
+<file path=ppt/slides/slide5.xml><?xml version="1.0" encoding="utf-8"?>
+<p:sld xmlns:a="http://schemas.openxmlformats.org/drawingml/2006/main" xmlns:r="http://schemas.openxmlformats.org/officeDocument/2006/relationships" xmlns:p="http://schemas.openxmlformats.org/presentationml/2006/main">
+  <p:cSld>
+    <p:spTree>
+      <p:nvGrpSpPr>
+        <p:cNvPr id="1" name=""/>
+        <p:cNvGrpSpPr/>
+        <p:nvPr/>
+      </p:nvGrpSpPr>
+      <p:grpSpPr>
+        <a:xfrm>
+          <a:off x="0" y="0"/>
+          <a:ext cx="0" cy="0"/>
+          <a:chOff x="0" y="0"/>
+          <a:chExt cx="0" cy="0"/>
+        </a:xfrm>
+      </p:grpSpPr>
+      <p:sp>
+        <p:nvSpPr>
+          <p:cNvPr id="2" name="Title 1">
+            <a:extLst>
+              <a:ext uri="{FF2B5EF4-FFF2-40B4-BE49-F238E27FC236}">
+                <a16:creationId xmlns:a16="http://schemas.microsoft.com/office/drawing/2014/main" id="{DA790959-A2F7-447A-0950-12ABDDC781CA}"/>
+              </a:ext>
+            </a:extLst>
+          </p:cNvPr>
+          <p:cNvSpPr>
+            <a:spLocks noGrp="1"/>
+          </p:cNvSpPr>
+          <p:nvPr>
+            <p:ph type="title"/>
+          </p:nvPr>
+        </p:nvSpPr>
+        <p:spPr/>
+        <p:txBody>
+          <a:bodyPr/>
+          <a:lstStyle/>
+          <a:p>
+            <a:r>
+              <a:rPr lang="en-US" dirty="0"/>
+              <a:t>Install Mummer via </a:t>
+            </a:r>
+            <a:r>
+              <a:rPr lang="en-US" dirty="0" err="1"/>
+              <a:t>Conda</a:t>
+            </a:r>
+            <a:endParaRPr lang="en-US" dirty="0"/>
+          </a:p>
+        </p:txBody>
+      </p:sp>
+      <p:sp>
+        <p:nvSpPr>
+          <p:cNvPr id="3" name="Content Placeholder 2">
+            <a:extLst>
+              <a:ext uri="{FF2B5EF4-FFF2-40B4-BE49-F238E27FC236}">
+                <a16:creationId xmlns:a16="http://schemas.microsoft.com/office/drawing/2014/main" id="{B8BCAF4D-F821-1526-0CFF-39D550C757F4}"/>
+              </a:ext>
+            </a:extLst>
+          </p:cNvPr>
+          <p:cNvSpPr>
+            <a:spLocks noGrp="1"/>
+          </p:cNvSpPr>
+          <p:nvPr>
+            <p:ph idx="1"/>
+          </p:nvPr>
+        </p:nvSpPr>
+        <p:spPr>
+          <a:xfrm>
+            <a:off x="1273628" y="1135732"/>
+            <a:ext cx="6890657" cy="3215833"/>
+          </a:xfrm>
+        </p:spPr>
+        <p:txBody>
+          <a:bodyPr>
+            <a:normAutofit/>
+          </a:bodyPr>
+          <a:lstStyle/>
+          <a:p>
+            <a:pPr marL="0" indent="0">
+              <a:buNone/>
+            </a:pPr>
+            <a:r>
+              <a:rPr lang="en-US" dirty="0">
+                <a:latin typeface="Courier New" panose="02070309020205020404" pitchFamily="49" charset="0"/>
+                <a:cs typeface="Courier New" panose="02070309020205020404" pitchFamily="49" charset="0"/>
+              </a:rPr>
+              <a:t># Create a </a:t>
+            </a:r>
+            <a:r>
+              <a:rPr lang="en-US" dirty="0" err="1">
+                <a:latin typeface="Courier New" panose="02070309020205020404" pitchFamily="49" charset="0"/>
+                <a:cs typeface="Courier New" panose="02070309020205020404" pitchFamily="49" charset="0"/>
+              </a:rPr>
+              <a:t>Conda</a:t>
+            </a:r>
+            <a:r>
+              <a:rPr lang="en-US" dirty="0">
+                <a:latin typeface="Courier New" panose="02070309020205020404" pitchFamily="49" charset="0"/>
+                <a:cs typeface="Courier New" panose="02070309020205020404" pitchFamily="49" charset="0"/>
+              </a:rPr>
+              <a:t> environment (</a:t>
+            </a:r>
+            <a:r>
+              <a:rPr lang="en-US" dirty="0" err="1">
+                <a:latin typeface="Courier New" panose="02070309020205020404" pitchFamily="49" charset="0"/>
+                <a:cs typeface="Courier New" panose="02070309020205020404" pitchFamily="49" charset="0"/>
+              </a:rPr>
+              <a:t>ba</a:t>
+            </a:r>
+            <a:r>
+              <a:rPr lang="en-US" dirty="0">
+                <a:latin typeface="Courier New" panose="02070309020205020404" pitchFamily="49" charset="0"/>
+                <a:cs typeface="Courier New" panose="02070309020205020404" pitchFamily="49" charset="0"/>
+              </a:rPr>
+              <a:t>)</a:t>
+            </a:r>
+          </a:p>
+          <a:p>
+            <a:pPr marL="0" indent="0">
+              <a:buNone/>
+            </a:pPr>
+            <a:r>
+              <a:rPr lang="en-US" dirty="0" err="1">
+                <a:latin typeface="Courier New" panose="02070309020205020404" pitchFamily="49" charset="0"/>
+                <a:cs typeface="Courier New" panose="02070309020205020404" pitchFamily="49" charset="0"/>
+              </a:rPr>
+              <a:t>conda</a:t>
+            </a:r>
+            <a:r>
+              <a:rPr lang="en-US" dirty="0">
+                <a:latin typeface="Courier New" panose="02070309020205020404" pitchFamily="49" charset="0"/>
+                <a:cs typeface="Courier New" panose="02070309020205020404" pitchFamily="49" charset="0"/>
+              </a:rPr>
+              <a:t> create -n </a:t>
+            </a:r>
+            <a:r>
+              <a:rPr lang="en-US" dirty="0" err="1">
+                <a:latin typeface="Courier New" panose="02070309020205020404" pitchFamily="49" charset="0"/>
+                <a:cs typeface="Courier New" panose="02070309020205020404" pitchFamily="49" charset="0"/>
+              </a:rPr>
+              <a:t>ba</a:t>
+            </a:r>
+            <a:endParaRPr lang="en-US" dirty="0">
+              <a:latin typeface="Courier New" panose="02070309020205020404" pitchFamily="49" charset="0"/>
+              <a:cs typeface="Courier New" panose="02070309020205020404" pitchFamily="49" charset="0"/>
+            </a:endParaRPr>
+          </a:p>
+          <a:p>
+            <a:pPr marL="0" indent="0">
+              <a:buNone/>
+            </a:pPr>
+            <a:r>
+              <a:rPr lang="en-US" dirty="0" err="1">
+                <a:latin typeface="Courier New" panose="02070309020205020404" pitchFamily="49" charset="0"/>
+                <a:cs typeface="Courier New" panose="02070309020205020404" pitchFamily="49" charset="0"/>
+              </a:rPr>
+              <a:t>conda</a:t>
+            </a:r>
+            <a:r>
+              <a:rPr lang="en-US" dirty="0">
+                <a:latin typeface="Courier New" panose="02070309020205020404" pitchFamily="49" charset="0"/>
+                <a:cs typeface="Courier New" panose="02070309020205020404" pitchFamily="49" charset="0"/>
+              </a:rPr>
+              <a:t> activate </a:t>
+            </a:r>
+            <a:r>
+              <a:rPr lang="en-US" dirty="0" err="1">
+                <a:latin typeface="Courier New" panose="02070309020205020404" pitchFamily="49" charset="0"/>
+                <a:cs typeface="Courier New" panose="02070309020205020404" pitchFamily="49" charset="0"/>
+              </a:rPr>
+              <a:t>ba</a:t>
+            </a:r>
+            <a:endParaRPr lang="en-US" dirty="0">
+              <a:latin typeface="Courier New" panose="02070309020205020404" pitchFamily="49" charset="0"/>
+              <a:cs typeface="Courier New" panose="02070309020205020404" pitchFamily="49" charset="0"/>
+            </a:endParaRPr>
+          </a:p>
+          <a:p>
+            <a:pPr marL="0" indent="0">
+              <a:buNone/>
+            </a:pPr>
+            <a:r>
+              <a:rPr lang="en-US" dirty="0">
+                <a:latin typeface="Courier New" panose="02070309020205020404" pitchFamily="49" charset="0"/>
+                <a:cs typeface="Courier New" panose="02070309020205020404" pitchFamily="49" charset="0"/>
+              </a:rPr>
+              <a:t># install mummer4</a:t>
+            </a:r>
+          </a:p>
+          <a:p>
+            <a:pPr marL="0" indent="0">
+              <a:buNone/>
+            </a:pPr>
+            <a:r>
+              <a:rPr lang="en-US" dirty="0" err="1">
+                <a:latin typeface="Courier New" panose="02070309020205020404" pitchFamily="49" charset="0"/>
+                <a:cs typeface="Courier New" panose="02070309020205020404" pitchFamily="49" charset="0"/>
+              </a:rPr>
+              <a:t>conda</a:t>
+            </a:r>
+            <a:r>
+              <a:rPr lang="en-US" dirty="0">
+                <a:latin typeface="Courier New" panose="02070309020205020404" pitchFamily="49" charset="0"/>
+                <a:cs typeface="Courier New" panose="02070309020205020404" pitchFamily="49" charset="0"/>
+              </a:rPr>
+              <a:t> install -c </a:t>
+            </a:r>
+            <a:r>
+              <a:rPr lang="en-US" dirty="0" err="1">
+                <a:latin typeface="Courier New" panose="02070309020205020404" pitchFamily="49" charset="0"/>
+                <a:cs typeface="Courier New" panose="02070309020205020404" pitchFamily="49" charset="0"/>
+              </a:rPr>
+              <a:t>bioconda</a:t>
+            </a:r>
+            <a:r>
+              <a:rPr lang="en-US" dirty="0">
+                <a:latin typeface="Courier New" panose="02070309020205020404" pitchFamily="49" charset="0"/>
+                <a:cs typeface="Courier New" panose="02070309020205020404" pitchFamily="49" charset="0"/>
+              </a:rPr>
+              <a:t> mummer4</a:t>
+            </a:r>
+          </a:p>
+          <a:p>
+            <a:pPr marL="0" indent="0">
+              <a:buNone/>
+            </a:pPr>
+            <a:r>
+              <a:rPr lang="en-US" dirty="0">
+                <a:latin typeface="Courier New" panose="02070309020205020404" pitchFamily="49" charset="0"/>
+                <a:cs typeface="Courier New" panose="02070309020205020404" pitchFamily="49" charset="0"/>
+              </a:rPr>
+              <a:t># install R</a:t>
+            </a:r>
+          </a:p>
+          <a:p>
+            <a:pPr marL="0" indent="0">
+              <a:buNone/>
+            </a:pPr>
+            <a:r>
+              <a:rPr lang="en-US" dirty="0" err="1">
+                <a:latin typeface="Courier New" panose="02070309020205020404" pitchFamily="49" charset="0"/>
+                <a:cs typeface="Courier New" panose="02070309020205020404" pitchFamily="49" charset="0"/>
+              </a:rPr>
+              <a:t>conda</a:t>
+            </a:r>
+            <a:r>
+              <a:rPr lang="en-US" dirty="0">
+                <a:latin typeface="Courier New" panose="02070309020205020404" pitchFamily="49" charset="0"/>
+                <a:cs typeface="Courier New" panose="02070309020205020404" pitchFamily="49" charset="0"/>
+              </a:rPr>
+              <a:t> install </a:t>
+            </a:r>
+            <a:r>
+              <a:rPr lang="en-US" dirty="0" err="1">
+                <a:latin typeface="Courier New" panose="02070309020205020404" pitchFamily="49" charset="0"/>
+                <a:cs typeface="Courier New" panose="02070309020205020404" pitchFamily="49" charset="0"/>
+              </a:rPr>
+              <a:t>conda</a:t>
+            </a:r>
+            <a:r>
+              <a:rPr lang="en-US" dirty="0">
+                <a:latin typeface="Courier New" panose="02070309020205020404" pitchFamily="49" charset="0"/>
+                <a:cs typeface="Courier New" panose="02070309020205020404" pitchFamily="49" charset="0"/>
+              </a:rPr>
+              <a:t>-forge::r-base</a:t>
+            </a:r>
+          </a:p>
+        </p:txBody>
+      </p:sp>
+    </p:spTree>
+    <p:extLst>
+      <p:ext uri="{BB962C8B-B14F-4D97-AF65-F5344CB8AC3E}">
+        <p14:creationId xmlns:p14="http://schemas.microsoft.com/office/powerpoint/2010/main" val="1939304024"/>
+      </p:ext>
+    </p:extLst>
+  </p:cSld>
+  <p:clrMapOvr>
+    <a:masterClrMapping/>
+  </p:clrMapOvr>
+</p:sld>
+</file>
+
+<file path=ppt/slides/slide6.xml><?xml version="1.0" encoding="utf-8"?>
+<p:sld xmlns:a="http://schemas.openxmlformats.org/drawingml/2006/main" xmlns:r="http://schemas.openxmlformats.org/officeDocument/2006/relationships" xmlns:p="http://schemas.openxmlformats.org/presentationml/2006/main">
+  <p:cSld>
+    <p:spTree>
+      <p:nvGrpSpPr>
+        <p:cNvPr id="1" name=""/>
+        <p:cNvGrpSpPr/>
+        <p:nvPr/>
+      </p:nvGrpSpPr>
+      <p:grpSpPr>
+        <a:xfrm>
+          <a:off x="0" y="0"/>
+          <a:ext cx="0" cy="0"/>
+          <a:chOff x="0" y="0"/>
+          <a:chExt cx="0" cy="0"/>
+        </a:xfrm>
+      </p:grpSpPr>
+      <p:sp>
+        <p:nvSpPr>
+          <p:cNvPr id="2" name="Title 1">
+            <a:extLst>
+              <a:ext uri="{FF2B5EF4-FFF2-40B4-BE49-F238E27FC236}">
                 <a16:creationId xmlns:a16="http://schemas.microsoft.com/office/drawing/2014/main" id="{3E8D9B56-9C78-D01B-A55B-60E156AD9AEE}"/>
               </a:ext>
             </a:extLst>
@@ -9718,7 +10889,7 @@
         </p:spPr>
         <p:txBody>
           <a:bodyPr>
-            <a:normAutofit lnSpcReduction="10000"/>
+            <a:normAutofit fontScale="92500" lnSpcReduction="10000"/>
           </a:bodyPr>
           <a:lstStyle/>
           <a:p>
@@ -9849,35 +11020,65 @@
               <a:buNone/>
             </a:pPr>
             <a:r>
+              <a:rPr lang="en-US" sz="1800" strike="sngStrike" dirty="0">
+                <a:latin typeface="Courier New" panose="02070309020205020404" pitchFamily="49" charset="0"/>
+                <a:cs typeface="Courier New" panose="02070309020205020404" pitchFamily="49" charset="0"/>
+              </a:rPr>
+              <a:t>module load </a:t>
+            </a:r>
+            <a:r>
+              <a:rPr lang="en-US" sz="1800" strike="sngStrike" dirty="0" err="1">
+                <a:latin typeface="Courier New" panose="02070309020205020404" pitchFamily="49" charset="0"/>
+                <a:cs typeface="Courier New" panose="02070309020205020404" pitchFamily="49" charset="0"/>
+              </a:rPr>
+              <a:t>MUMmer</a:t>
+            </a:r>
+            <a:endParaRPr lang="en-US" sz="1800" strike="sngStrike" dirty="0">
+              <a:latin typeface="Courier New" panose="02070309020205020404" pitchFamily="49" charset="0"/>
+              <a:cs typeface="Courier New" panose="02070309020205020404" pitchFamily="49" charset="0"/>
+            </a:endParaRPr>
+          </a:p>
+          <a:p>
+            <a:pPr marL="0" indent="0">
+              <a:buNone/>
+            </a:pPr>
+            <a:r>
+              <a:rPr lang="en-US" sz="1800" strike="sngStrike" dirty="0">
+                <a:latin typeface="Courier New" panose="02070309020205020404" pitchFamily="49" charset="0"/>
+                <a:cs typeface="Courier New" panose="02070309020205020404" pitchFamily="49" charset="0"/>
+              </a:rPr>
+              <a:t>module load R</a:t>
+            </a:r>
+          </a:p>
+          <a:p>
+            <a:pPr marL="0" indent="0">
+              <a:buNone/>
+            </a:pPr>
+            <a:r>
+              <a:rPr lang="en-US" sz="1800" dirty="0" err="1">
+                <a:latin typeface="Courier New" panose="02070309020205020404" pitchFamily="49" charset="0"/>
+                <a:cs typeface="Courier New" panose="02070309020205020404" pitchFamily="49" charset="0"/>
+              </a:rPr>
+              <a:t>conda</a:t>
+            </a:r>
+            <a:r>
               <a:rPr lang="en-US" sz="1800" dirty="0">
                 <a:latin typeface="Courier New" panose="02070309020205020404" pitchFamily="49" charset="0"/>
                 <a:cs typeface="Courier New" panose="02070309020205020404" pitchFamily="49" charset="0"/>
               </a:rPr>
-              <a:t>module load </a:t>
+              <a:t> activate </a:t>
             </a:r>
             <a:r>
               <a:rPr lang="en-US" sz="1800" dirty="0" err="1">
                 <a:latin typeface="Courier New" panose="02070309020205020404" pitchFamily="49" charset="0"/>
                 <a:cs typeface="Courier New" panose="02070309020205020404" pitchFamily="49" charset="0"/>
               </a:rPr>
-              <a:t>MUMmer</a:t>
+              <a:t>ba</a:t>
             </a:r>
             <a:endParaRPr lang="en-US" sz="1800" dirty="0">
               <a:latin typeface="Courier New" panose="02070309020205020404" pitchFamily="49" charset="0"/>
               <a:cs typeface="Courier New" panose="02070309020205020404" pitchFamily="49" charset="0"/>
             </a:endParaRPr>
-          </a:p>
-          <a:p>
-            <a:pPr marL="0" indent="0">
-              <a:buNone/>
-            </a:pPr>
-            <a:r>
-              <a:rPr lang="en-US" sz="1800" dirty="0">
-                <a:latin typeface="Courier New" panose="02070309020205020404" pitchFamily="49" charset="0"/>
-                <a:cs typeface="Courier New" panose="02070309020205020404" pitchFamily="49" charset="0"/>
-              </a:rPr>
-              <a:t>module load R</a:t>
-            </a:r>
           </a:p>
           <a:p>
             <a:pPr marL="0" indent="0">
@@ -10005,7 +11206,7 @@
 </p:sld>
 </file>
 
-<file path=ppt/slides/slide5.xml><?xml version="1.0" encoding="utf-8"?>
+<file path=ppt/slides/slide7.xml><?xml version="1.0" encoding="utf-8"?>
 <p:sld xmlns:a="http://schemas.openxmlformats.org/drawingml/2006/main" xmlns:r="http://schemas.openxmlformats.org/officeDocument/2006/relationships" xmlns:p="http://schemas.openxmlformats.org/presentationml/2006/main">
   <p:cSld>
     <p:spTree>
@@ -10102,363 +11303,6 @@
 </p:sld>
 </file>
 
-<file path=ppt/slides/slide6.xml><?xml version="1.0" encoding="utf-8"?>
-<p:sld xmlns:a="http://schemas.openxmlformats.org/drawingml/2006/main" xmlns:r="http://schemas.openxmlformats.org/officeDocument/2006/relationships" xmlns:p="http://schemas.openxmlformats.org/presentationml/2006/main">
-  <p:cSld>
-    <p:spTree>
-      <p:nvGrpSpPr>
-        <p:cNvPr id="1" name=""/>
-        <p:cNvGrpSpPr/>
-        <p:nvPr/>
-      </p:nvGrpSpPr>
-      <p:grpSpPr>
-        <a:xfrm>
-          <a:off x="0" y="0"/>
-          <a:ext cx="0" cy="0"/>
-          <a:chOff x="0" y="0"/>
-          <a:chExt cx="0" cy="0"/>
-        </a:xfrm>
-      </p:grpSpPr>
-      <p:sp>
-        <p:nvSpPr>
-          <p:cNvPr id="2" name="Title 1">
-            <a:extLst>
-              <a:ext uri="{FF2B5EF4-FFF2-40B4-BE49-F238E27FC236}">
-                <a16:creationId xmlns:a16="http://schemas.microsoft.com/office/drawing/2014/main" id="{7BBC4144-BF94-FC77-FA85-D6E4FA15BFEF}"/>
-              </a:ext>
-            </a:extLst>
-          </p:cNvPr>
-          <p:cNvSpPr>
-            <a:spLocks noGrp="1"/>
-          </p:cNvSpPr>
-          <p:nvPr>
-            <p:ph type="title"/>
-          </p:nvPr>
-        </p:nvSpPr>
-        <p:spPr/>
-        <p:txBody>
-          <a:bodyPr/>
-          <a:lstStyle/>
-          <a:p>
-            <a:r>
-              <a:rPr lang="en-US" dirty="0"/>
-              <a:t>Problem 1</a:t>
-            </a:r>
-          </a:p>
-        </p:txBody>
-      </p:sp>
-      <p:sp>
-        <p:nvSpPr>
-          <p:cNvPr id="3" name="Content Placeholder 2">
-            <a:extLst>
-              <a:ext uri="{FF2B5EF4-FFF2-40B4-BE49-F238E27FC236}">
-                <a16:creationId xmlns:a16="http://schemas.microsoft.com/office/drawing/2014/main" id="{2CFB52ED-1C55-49D2-6F09-B399BCC41210}"/>
-              </a:ext>
-            </a:extLst>
-          </p:cNvPr>
-          <p:cNvSpPr>
-            <a:spLocks noGrp="1"/>
-          </p:cNvSpPr>
-          <p:nvPr>
-            <p:ph idx="1"/>
-          </p:nvPr>
-        </p:nvSpPr>
-        <p:spPr>
-          <a:xfrm>
-            <a:off x="457200" y="891700"/>
-            <a:ext cx="8229600" cy="1680050"/>
-          </a:xfrm>
-        </p:spPr>
-        <p:txBody>
-          <a:bodyPr>
-            <a:normAutofit/>
-          </a:bodyPr>
-          <a:lstStyle/>
-          <a:p>
-            <a:pPr marL="0" indent="0">
-              <a:buNone/>
-            </a:pPr>
-            <a:r>
-              <a:rPr lang="en-US" dirty="0"/>
-              <a:t>Two sequences:</a:t>
-            </a:r>
-          </a:p>
-          <a:p>
-            <a:pPr marL="0" indent="0">
-              <a:buNone/>
-            </a:pPr>
-            <a:r>
-              <a:rPr lang="en-US" sz="1800" dirty="0" err="1"/>
-              <a:t>ZmA</a:t>
-            </a:r>
-            <a:endParaRPr lang="en-US" sz="1800" dirty="0">
-              <a:hlinkClick r:id="rId2"/>
-            </a:endParaRPr>
-          </a:p>
-          <a:p>
-            <a:pPr marL="0" indent="0">
-              <a:buNone/>
-            </a:pPr>
-            <a:r>
-              <a:rPr lang="en-US" sz="1200" dirty="0">
-                <a:hlinkClick r:id="rId2"/>
-              </a:rPr>
-              <a:t>https://github.com/liu3zhenlab/teaching/raw/refs/heads/master/PLPTH813Bioinformatis/2025/3_data/lab03/ZmA.fasta</a:t>
-            </a:r>
-            <a:endParaRPr lang="en-US" sz="1200" dirty="0"/>
-          </a:p>
-          <a:p>
-            <a:pPr marL="0" indent="0">
-              <a:buNone/>
-            </a:pPr>
-            <a:r>
-              <a:rPr lang="en-US" sz="1800" dirty="0" err="1"/>
-              <a:t>ZmB</a:t>
-            </a:r>
-            <a:endParaRPr lang="en-US" sz="1800" dirty="0"/>
-          </a:p>
-          <a:p>
-            <a:pPr marL="0" indent="0">
-              <a:buNone/>
-            </a:pPr>
-            <a:r>
-              <a:rPr lang="en-US" sz="1200" dirty="0">
-                <a:hlinkClick r:id="rId3"/>
-              </a:rPr>
-              <a:t>https://github.com/liu3zhenlab/teaching/raw/refs/heads/master/PLPTH813Bioinformatis/2025/3_data/lab03/ZmB.fasta</a:t>
-            </a:r>
-            <a:endParaRPr lang="en-US" sz="1200" dirty="0"/>
-          </a:p>
-          <a:p>
-            <a:pPr marL="0" indent="0">
-              <a:buNone/>
-            </a:pPr>
-            <a:endParaRPr lang="en-US" sz="1200" dirty="0"/>
-          </a:p>
-        </p:txBody>
-      </p:sp>
-      <p:sp>
-        <p:nvSpPr>
-          <p:cNvPr id="4" name="TextBox 3">
-            <a:extLst>
-              <a:ext uri="{FF2B5EF4-FFF2-40B4-BE49-F238E27FC236}">
-                <a16:creationId xmlns:a16="http://schemas.microsoft.com/office/drawing/2014/main" id="{8A7CB271-EF14-26C9-2DA4-BD0743F38D4C}"/>
-              </a:ext>
-            </a:extLst>
-          </p:cNvPr>
-          <p:cNvSpPr txBox="1"/>
-          <p:nvPr/>
-        </p:nvSpPr>
-        <p:spPr>
-          <a:xfrm>
-            <a:off x="665389" y="2841172"/>
-            <a:ext cx="7813222" cy="1569660"/>
-          </a:xfrm>
-          <a:prstGeom prst="rect">
-            <a:avLst/>
-          </a:prstGeom>
-          <a:noFill/>
-        </p:spPr>
-        <p:txBody>
-          <a:bodyPr wrap="square" rtlCol="0">
-            <a:spAutoFit/>
-          </a:bodyPr>
-          <a:lstStyle/>
-          <a:p>
-            <a:r>
-              <a:rPr lang="en-US" sz="2400" dirty="0"/>
-              <a:t>Please download the data and plot a </a:t>
-            </a:r>
-            <a:r>
-              <a:rPr lang="en-US" sz="2400" dirty="0" err="1"/>
-              <a:t>dotplot</a:t>
-            </a:r>
-            <a:r>
-              <a:rPr lang="en-US" sz="2400" dirty="0"/>
-              <a:t> between the two sequence.</a:t>
-            </a:r>
-          </a:p>
-          <a:p>
-            <a:endParaRPr lang="en-US" sz="2400" dirty="0"/>
-          </a:p>
-          <a:p>
-            <a:r>
-              <a:rPr lang="en-US" sz="2400" dirty="0"/>
-              <a:t>Possible parameter: </a:t>
-            </a:r>
-            <a:r>
-              <a:rPr lang="en-US" sz="2400" dirty="0">
-                <a:latin typeface="Courier New" panose="02070309020205020404" pitchFamily="49" charset="0"/>
-                <a:cs typeface="Courier New" panose="02070309020205020404" pitchFamily="49" charset="0"/>
-              </a:rPr>
-              <a:t>--</a:t>
-            </a:r>
-            <a:r>
-              <a:rPr lang="en-US" sz="2400" dirty="0" err="1">
-                <a:latin typeface="Courier New" panose="02070309020205020404" pitchFamily="49" charset="0"/>
-                <a:cs typeface="Courier New" panose="02070309020205020404" pitchFamily="49" charset="0"/>
-              </a:rPr>
-              <a:t>minaln</a:t>
-            </a:r>
-            <a:r>
-              <a:rPr lang="en-US" sz="2400" dirty="0">
-                <a:latin typeface="Courier New" panose="02070309020205020404" pitchFamily="49" charset="0"/>
-                <a:cs typeface="Courier New" panose="02070309020205020404" pitchFamily="49" charset="0"/>
-              </a:rPr>
-              <a:t> 100</a:t>
-            </a:r>
-            <a:endParaRPr lang="en-US" sz="2400" dirty="0"/>
-          </a:p>
-        </p:txBody>
-      </p:sp>
-    </p:spTree>
-    <p:extLst>
-      <p:ext uri="{BB962C8B-B14F-4D97-AF65-F5344CB8AC3E}">
-        <p14:creationId xmlns:p14="http://schemas.microsoft.com/office/powerpoint/2010/main" val="1986264101"/>
-      </p:ext>
-    </p:extLst>
-  </p:cSld>
-  <p:clrMapOvr>
-    <a:masterClrMapping/>
-  </p:clrMapOvr>
-</p:sld>
-</file>
-
-<file path=ppt/slides/slide7.xml><?xml version="1.0" encoding="utf-8"?>
-<p:sld xmlns:a="http://schemas.openxmlformats.org/drawingml/2006/main" xmlns:r="http://schemas.openxmlformats.org/officeDocument/2006/relationships" xmlns:p="http://schemas.openxmlformats.org/presentationml/2006/main">
-  <p:cSld>
-    <p:spTree>
-      <p:nvGrpSpPr>
-        <p:cNvPr id="1" name=""/>
-        <p:cNvGrpSpPr/>
-        <p:nvPr/>
-      </p:nvGrpSpPr>
-      <p:grpSpPr>
-        <a:xfrm>
-          <a:off x="0" y="0"/>
-          <a:ext cx="0" cy="0"/>
-          <a:chOff x="0" y="0"/>
-          <a:chExt cx="0" cy="0"/>
-        </a:xfrm>
-      </p:grpSpPr>
-      <p:sp>
-        <p:nvSpPr>
-          <p:cNvPr id="2" name="Title 1"/>
-          <p:cNvSpPr>
-            <a:spLocks noGrp="1"/>
-          </p:cNvSpPr>
-          <p:nvPr>
-            <p:ph type="title"/>
-          </p:nvPr>
-        </p:nvSpPr>
-        <p:spPr>
-          <a:xfrm>
-            <a:off x="457200" y="210031"/>
-            <a:ext cx="8229600" cy="924806"/>
-          </a:xfrm>
-        </p:spPr>
-        <p:txBody>
-          <a:bodyPr>
-            <a:normAutofit/>
-          </a:bodyPr>
-          <a:lstStyle/>
-          <a:p>
-            <a:r>
-              <a:rPr lang="en-US" sz="3600" dirty="0"/>
-              <a:t>Goal of today’s lab</a:t>
-            </a:r>
-          </a:p>
-        </p:txBody>
-      </p:sp>
-      <p:sp>
-        <p:nvSpPr>
-          <p:cNvPr id="3" name="Content Placeholder 2"/>
-          <p:cNvSpPr>
-            <a:spLocks noGrp="1"/>
-          </p:cNvSpPr>
-          <p:nvPr>
-            <p:ph idx="1"/>
-          </p:nvPr>
-        </p:nvSpPr>
-        <p:spPr>
-          <a:xfrm>
-            <a:off x="1774352" y="1461406"/>
-            <a:ext cx="5823876" cy="2661557"/>
-          </a:xfrm>
-        </p:spPr>
-        <p:txBody>
-          <a:bodyPr>
-            <a:noAutofit/>
-          </a:bodyPr>
-          <a:lstStyle/>
-          <a:p>
-            <a:r>
-              <a:rPr lang="en-US" sz="2800" dirty="0">
-                <a:solidFill>
-                  <a:schemeClr val="bg1">
-                    <a:lumMod val="75000"/>
-                  </a:schemeClr>
-                </a:solidFill>
-              </a:rPr>
-              <a:t>Make a </a:t>
-            </a:r>
-            <a:r>
-              <a:rPr lang="en-US" sz="2800" dirty="0" err="1">
-                <a:solidFill>
-                  <a:schemeClr val="bg1">
-                    <a:lumMod val="75000"/>
-                  </a:schemeClr>
-                </a:solidFill>
-              </a:rPr>
-              <a:t>dotplot</a:t>
-            </a:r>
-            <a:endParaRPr lang="en-US" sz="2800" dirty="0">
-              <a:solidFill>
-                <a:schemeClr val="bg1">
-                  <a:lumMod val="75000"/>
-                </a:schemeClr>
-              </a:solidFill>
-            </a:endParaRPr>
-          </a:p>
-          <a:p>
-            <a:r>
-              <a:rPr lang="en-US" sz="2800" dirty="0"/>
-              <a:t>Create BLAST database</a:t>
-            </a:r>
-          </a:p>
-          <a:p>
-            <a:r>
-              <a:rPr lang="en-US" sz="2800" dirty="0"/>
-              <a:t>BLASTN</a:t>
-            </a:r>
-          </a:p>
-          <a:p>
-            <a:r>
-              <a:rPr lang="en-US" sz="2800" dirty="0"/>
-              <a:t>BLASTP</a:t>
-            </a:r>
-          </a:p>
-          <a:p>
-            <a:r>
-              <a:rPr lang="en-US" sz="2800" dirty="0"/>
-              <a:t>Extract sequences from database</a:t>
-            </a:r>
-          </a:p>
-        </p:txBody>
-      </p:sp>
-    </p:spTree>
-    <p:extLst>
-      <p:ext uri="{BB962C8B-B14F-4D97-AF65-F5344CB8AC3E}">
-        <p14:creationId xmlns:p14="http://schemas.microsoft.com/office/powerpoint/2010/main" val="1701507504"/>
-      </p:ext>
-    </p:extLst>
-  </p:cSld>
-  <p:clrMapOvr>
-    <a:masterClrMapping/>
-  </p:clrMapOvr>
-</p:sld>
-</file>
-
 <file path=ppt/slides/slide8.xml><?xml version="1.0" encoding="utf-8"?>
 <p:sld xmlns:a="http://schemas.openxmlformats.org/drawingml/2006/main" xmlns:r="http://schemas.openxmlformats.org/officeDocument/2006/relationships" xmlns:p="http://schemas.openxmlformats.org/presentationml/2006/main">
   <p:cSld>
@@ -10481,7 +11325,7 @@
           <p:cNvPr id="2" name="Title 1">
             <a:extLst>
               <a:ext uri="{FF2B5EF4-FFF2-40B4-BE49-F238E27FC236}">
-                <a16:creationId xmlns:a16="http://schemas.microsoft.com/office/drawing/2014/main" id="{9F0415AB-9825-F74F-8B4C-69A2FFDAFBE6}"/>
+                <a16:creationId xmlns:a16="http://schemas.microsoft.com/office/drawing/2014/main" id="{9A06EC1E-5C72-9044-8CB9-BD2FD358DE3E}"/>
               </a:ext>
             </a:extLst>
           </p:cNvPr>
@@ -10492,74 +11336,55 @@
             <p:ph type="title"/>
           </p:nvPr>
         </p:nvSpPr>
-        <p:spPr>
-          <a:xfrm>
-            <a:off x="457200" y="279457"/>
-            <a:ext cx="8229600" cy="579740"/>
-          </a:xfrm>
-        </p:spPr>
+        <p:spPr/>
         <p:txBody>
           <a:bodyPr>
-            <a:normAutofit/>
+            <a:normAutofit fontScale="90000"/>
           </a:bodyPr>
           <a:lstStyle/>
           <a:p>
             <a:r>
-              <a:rPr lang="en-US" sz="3200" dirty="0"/>
-              <a:t>Load modules</a:t>
-            </a:r>
-          </a:p>
-        </p:txBody>
-      </p:sp>
-      <p:sp>
-        <p:nvSpPr>
-          <p:cNvPr id="3" name="Content Placeholder 2">
+              <a:rPr lang="en-US" sz="3600" dirty="0" err="1"/>
+              <a:t>ondemand.beocat.ksu.edu</a:t>
+            </a:r>
+            <a:endParaRPr lang="en-US" sz="3600" dirty="0"/>
+          </a:p>
+        </p:txBody>
+      </p:sp>
+      <p:pic>
+        <p:nvPicPr>
+          <p:cNvPr id="6" name="Picture 5">
             <a:extLst>
               <a:ext uri="{FF2B5EF4-FFF2-40B4-BE49-F238E27FC236}">
-                <a16:creationId xmlns:a16="http://schemas.microsoft.com/office/drawing/2014/main" id="{7C3BAB38-69F4-8C47-951F-CCBEC8CE792C}"/>
+                <a16:creationId xmlns:a16="http://schemas.microsoft.com/office/drawing/2014/main" id="{5E78E917-86B4-E042-96F5-674DE9E2F521}"/>
               </a:ext>
             </a:extLst>
           </p:cNvPr>
-          <p:cNvSpPr>
-            <a:spLocks noGrp="1"/>
-          </p:cNvSpPr>
-          <p:nvPr>
-            <p:ph idx="1"/>
-          </p:nvPr>
-        </p:nvSpPr>
+          <p:cNvPicPr>
+            <a:picLocks noChangeAspect="1"/>
+          </p:cNvPicPr>
+          <p:nvPr/>
+        </p:nvPicPr>
+        <p:blipFill>
+          <a:blip r:embed="rId2"/>
+          <a:stretch>
+            <a:fillRect/>
+          </a:stretch>
+        </p:blipFill>
         <p:spPr>
           <a:xfrm>
-            <a:off x="1875437" y="1751239"/>
-            <a:ext cx="5833998" cy="1641021"/>
+            <a:off x="457200" y="1494445"/>
+            <a:ext cx="8179594" cy="1824777"/>
           </a:xfrm>
+          <a:prstGeom prst="rect">
+            <a:avLst/>
+          </a:prstGeom>
         </p:spPr>
-        <p:txBody>
-          <a:bodyPr/>
-          <a:lstStyle/>
-          <a:p>
-            <a:r>
-              <a:rPr lang="en-US" sz="3200" dirty="0"/>
-              <a:t>Blast+</a:t>
-            </a:r>
-          </a:p>
-          <a:p>
-            <a:pPr marL="0" indent="0">
-              <a:buNone/>
-            </a:pPr>
-            <a:r>
-              <a:rPr lang="en-US" sz="3200" dirty="0">
-                <a:latin typeface="Courier New" panose="02070309020205020404" pitchFamily="49" charset="0"/>
-                <a:cs typeface="Courier New" panose="02070309020205020404" pitchFamily="49" charset="0"/>
-              </a:rPr>
-              <a:t>module load BLAST+</a:t>
-            </a:r>
-          </a:p>
-        </p:txBody>
-      </p:sp>
+      </p:pic>
     </p:spTree>
     <p:extLst>
       <p:ext uri="{BB962C8B-B14F-4D97-AF65-F5344CB8AC3E}">
-        <p14:creationId xmlns:p14="http://schemas.microsoft.com/office/powerpoint/2010/main" val="1961660135"/>
+        <p14:creationId xmlns:p14="http://schemas.microsoft.com/office/powerpoint/2010/main" val="3315421258"/>
       </p:ext>
     </p:extLst>
   </p:cSld>
@@ -10588,7 +11413,13 @@
       </p:grpSpPr>
       <p:sp>
         <p:nvSpPr>
-          <p:cNvPr id="2" name="Title 1"/>
+          <p:cNvPr id="2" name="Title 1">
+            <a:extLst>
+              <a:ext uri="{FF2B5EF4-FFF2-40B4-BE49-F238E27FC236}">
+                <a16:creationId xmlns:a16="http://schemas.microsoft.com/office/drawing/2014/main" id="{7BBC4144-BF94-FC77-FA85-D6E4FA15BFEF}"/>
+              </a:ext>
+            </a:extLst>
+          </p:cNvPr>
           <p:cNvSpPr>
             <a:spLocks noGrp="1"/>
           </p:cNvSpPr>
@@ -10596,26 +11427,27 @@
             <p:ph type="title"/>
           </p:nvPr>
         </p:nvSpPr>
-        <p:spPr>
-          <a:xfrm>
-            <a:off x="457200" y="269421"/>
-            <a:ext cx="8229600" cy="579740"/>
-          </a:xfrm>
-        </p:spPr>
+        <p:spPr/>
         <p:txBody>
           <a:bodyPr/>
           <a:lstStyle/>
           <a:p>
             <a:r>
               <a:rPr lang="en-US" dirty="0"/>
-              <a:t>Genome sequence data</a:t>
-            </a:r>
-          </a:p>
-        </p:txBody>
-      </p:sp>
-      <p:sp>
-        <p:nvSpPr>
-          <p:cNvPr id="3" name="Content Placeholder 2"/>
+              <a:t>Problem 1</a:t>
+            </a:r>
+          </a:p>
+        </p:txBody>
+      </p:sp>
+      <p:sp>
+        <p:nvSpPr>
+          <p:cNvPr id="3" name="Content Placeholder 2">
+            <a:extLst>
+              <a:ext uri="{FF2B5EF4-FFF2-40B4-BE49-F238E27FC236}">
+                <a16:creationId xmlns:a16="http://schemas.microsoft.com/office/drawing/2014/main" id="{2CFB52ED-1C55-49D2-6F09-B399BCC41210}"/>
+              </a:ext>
+            </a:extLst>
+          </p:cNvPr>
           <p:cNvSpPr>
             <a:spLocks noGrp="1"/>
           </p:cNvSpPr>
@@ -10625,8 +11457,8 @@
         </p:nvSpPr>
         <p:spPr>
           <a:xfrm>
-            <a:off x="378996" y="955892"/>
-            <a:ext cx="8566484" cy="3918187"/>
+            <a:off x="457200" y="891700"/>
+            <a:ext cx="8229600" cy="1680050"/>
           </a:xfrm>
         </p:spPr>
         <p:txBody>
@@ -10635,218 +11467,146 @@
           </a:bodyPr>
           <a:lstStyle/>
           <a:p>
-            <a:pPr>
-              <a:lnSpc>
-                <a:spcPct val="120000"/>
-              </a:lnSpc>
-            </a:pPr>
-            <a:r>
-              <a:rPr lang="en-US" dirty="0" err="1"/>
-              <a:t>E.coli</a:t>
-            </a:r>
+            <a:pPr marL="0" indent="0">
+              <a:buNone/>
+            </a:pPr>
             <a:r>
               <a:rPr lang="en-US" dirty="0"/>
-              <a:t> K-12 </a:t>
-            </a:r>
-            <a:r>
-              <a:rPr lang="fr-FR" dirty="0"/>
-              <a:t>MG1655 </a:t>
-            </a:r>
-            <a:r>
-              <a:rPr lang="fr-FR" dirty="0" err="1"/>
-              <a:t>reference</a:t>
-            </a:r>
-            <a:r>
-              <a:rPr lang="fr-FR" dirty="0"/>
-              <a:t> </a:t>
-            </a:r>
-            <a:r>
-              <a:rPr lang="fr-FR" dirty="0" err="1"/>
-              <a:t>genome</a:t>
-            </a:r>
-            <a:r>
-              <a:rPr lang="fr-FR" dirty="0"/>
-              <a:t> </a:t>
-            </a:r>
-            <a:r>
-              <a:rPr lang="fr-FR" dirty="0" err="1"/>
-              <a:t>sequence</a:t>
-            </a:r>
-            <a:endParaRPr lang="fr-FR" dirty="0"/>
+              <a:t>Two sequences:</a:t>
+            </a:r>
           </a:p>
           <a:p>
             <a:pPr marL="0" indent="0">
-              <a:lnSpc>
-                <a:spcPct val="120000"/>
-              </a:lnSpc>
-              <a:buNone/>
-            </a:pPr>
-            <a:r>
-              <a:rPr lang="fr-FR" dirty="0"/>
-              <a:t># </a:t>
-            </a:r>
-            <a:r>
-              <a:rPr lang="fr-FR" dirty="0" err="1"/>
-              <a:t>create</a:t>
-            </a:r>
-            <a:r>
-              <a:rPr lang="fr-FR" dirty="0"/>
-              <a:t> a new directory for </a:t>
-            </a:r>
-            <a:r>
-              <a:rPr lang="fr-FR" dirty="0" err="1"/>
-              <a:t>today's</a:t>
-            </a:r>
-            <a:r>
-              <a:rPr lang="fr-FR" dirty="0"/>
-              <a:t> practice</a:t>
-            </a:r>
+              <a:buNone/>
+            </a:pPr>
+            <a:r>
+              <a:rPr lang="en-US" sz="1800" dirty="0" err="1"/>
+              <a:t>ZmA</a:t>
+            </a:r>
+            <a:endParaRPr lang="en-US" sz="1800" dirty="0">
+              <a:hlinkClick r:id="rId2"/>
+            </a:endParaRPr>
           </a:p>
           <a:p>
             <a:pPr marL="0" indent="0">
-              <a:lnSpc>
-                <a:spcPct val="120000"/>
-              </a:lnSpc>
-              <a:buNone/>
-            </a:pPr>
-            <a:r>
-              <a:rPr lang="fr-FR" sz="2800" dirty="0" err="1">
-                <a:latin typeface="Courier"/>
-                <a:cs typeface="Courier"/>
-              </a:rPr>
-              <a:t>mkdir</a:t>
-            </a:r>
-            <a:r>
-              <a:rPr lang="fr-FR" sz="2800" dirty="0">
-                <a:latin typeface="Courier"/>
-                <a:cs typeface="Courier"/>
-              </a:rPr>
-              <a:t> blast</a:t>
-            </a:r>
+              <a:buNone/>
+            </a:pPr>
+            <a:r>
+              <a:rPr lang="en-US" sz="1200" dirty="0">
+                <a:hlinkClick r:id="rId2"/>
+              </a:rPr>
+              <a:t>https://github.com/liu3zhenlab/teaching/raw/refs/heads/master/PLPTH813Bioinformatis/2025/3_data/lab03/ZmA.fasta</a:t>
+            </a:r>
+            <a:endParaRPr lang="en-US" sz="1200" dirty="0"/>
           </a:p>
           <a:p>
             <a:pPr marL="0" indent="0">
-              <a:lnSpc>
-                <a:spcPct val="120000"/>
-              </a:lnSpc>
-              <a:buNone/>
-            </a:pPr>
-            <a:r>
-              <a:rPr lang="fr-FR" sz="2800" dirty="0">
-                <a:latin typeface="Courier"/>
-                <a:cs typeface="Courier"/>
-              </a:rPr>
-              <a:t>cd blast</a:t>
-            </a:r>
+              <a:buNone/>
+            </a:pPr>
+            <a:r>
+              <a:rPr lang="en-US" sz="1800" dirty="0" err="1"/>
+              <a:t>ZmB</a:t>
+            </a:r>
+            <a:endParaRPr lang="en-US" sz="1800" dirty="0"/>
           </a:p>
           <a:p>
             <a:pPr marL="0" indent="0">
-              <a:lnSpc>
-                <a:spcPct val="120000"/>
-              </a:lnSpc>
-              <a:buNone/>
-            </a:pPr>
-            <a:r>
-              <a:rPr lang="fr-FR" sz="2800" dirty="0" err="1">
-                <a:latin typeface="Courier"/>
-                <a:cs typeface="Courier"/>
-              </a:rPr>
-              <a:t>mkdir</a:t>
-            </a:r>
-            <a:r>
-              <a:rPr lang="fr-FR" sz="2800" dirty="0">
-                <a:latin typeface="Courier"/>
-                <a:cs typeface="Courier"/>
-              </a:rPr>
-              <a:t> </a:t>
-            </a:r>
-            <a:r>
-              <a:rPr lang="fr-FR" sz="2800" dirty="0" err="1">
-                <a:latin typeface="Courier"/>
-                <a:cs typeface="Courier"/>
-              </a:rPr>
-              <a:t>db</a:t>
-            </a:r>
-            <a:endParaRPr lang="fr-FR" sz="2800" dirty="0">
-              <a:latin typeface="Courier"/>
-              <a:cs typeface="Courier"/>
-            </a:endParaRPr>
+              <a:buNone/>
+            </a:pPr>
+            <a:r>
+              <a:rPr lang="en-US" sz="1200" dirty="0">
+                <a:hlinkClick r:id="rId3"/>
+              </a:rPr>
+              <a:t>https://github.com/liu3zhenlab/teaching/raw/refs/heads/master/PLPTH813Bioinformatis/2025/3_data/lab03/ZmB.fasta</a:t>
+            </a:r>
+            <a:endParaRPr lang="en-US" sz="1200" dirty="0"/>
           </a:p>
           <a:p>
             <a:pPr marL="0" indent="0">
-              <a:lnSpc>
-                <a:spcPct val="120000"/>
-              </a:lnSpc>
-              <a:buNone/>
-            </a:pPr>
-            <a:r>
-              <a:rPr lang="fr-FR" sz="2800" dirty="0">
-                <a:latin typeface="Courier"/>
-                <a:cs typeface="Courier"/>
-              </a:rPr>
-              <a:t>cd </a:t>
-            </a:r>
-            <a:r>
-              <a:rPr lang="fr-FR" sz="2800" dirty="0" err="1">
-                <a:latin typeface="Courier"/>
-                <a:cs typeface="Courier"/>
-              </a:rPr>
-              <a:t>db</a:t>
-            </a:r>
-            <a:endParaRPr lang="fr-FR" sz="2800" dirty="0">
-              <a:latin typeface="Courier"/>
-              <a:cs typeface="Courier"/>
-            </a:endParaRPr>
-          </a:p>
-          <a:p>
-            <a:pPr marL="0" indent="0">
-              <a:lnSpc>
-                <a:spcPct val="120000"/>
-              </a:lnSpc>
-              <a:buNone/>
-            </a:pPr>
-            <a:r>
-              <a:rPr lang="en-US" sz="2000" dirty="0" err="1">
-                <a:latin typeface="Courier"/>
-                <a:cs typeface="Courier"/>
-              </a:rPr>
-              <a:t>wget</a:t>
-            </a:r>
-            <a:r>
-              <a:rPr lang="en-US" sz="2000" dirty="0">
-                <a:latin typeface="Courier"/>
-                <a:cs typeface="Courier"/>
-              </a:rPr>
-              <a:t> </a:t>
-            </a:r>
-            <a:r>
-              <a:rPr lang="en-US" sz="1300" dirty="0">
-                <a:latin typeface="Courier"/>
-                <a:cs typeface="Courier"/>
-              </a:rPr>
-              <a:t>https://</a:t>
-            </a:r>
-            <a:r>
-              <a:rPr lang="en-US" sz="1300" dirty="0" err="1">
-                <a:latin typeface="Courier"/>
-                <a:cs typeface="Courier"/>
-              </a:rPr>
-              <a:t>people.beocat.ksu.edu</a:t>
-            </a:r>
-            <a:r>
-              <a:rPr lang="en-US" sz="1300" dirty="0">
-                <a:latin typeface="Courier"/>
-                <a:cs typeface="Courier"/>
-              </a:rPr>
-              <a:t>/~liu3zhen/PLPTH813/data/references/MG1655.fasta</a:t>
-            </a:r>
+              <a:buNone/>
+            </a:pPr>
+            <a:endParaRPr lang="en-US" sz="1200" dirty="0"/>
+          </a:p>
+        </p:txBody>
+      </p:sp>
+      <p:sp>
+        <p:nvSpPr>
+          <p:cNvPr id="4" name="TextBox 3">
+            <a:extLst>
+              <a:ext uri="{FF2B5EF4-FFF2-40B4-BE49-F238E27FC236}">
+                <a16:creationId xmlns:a16="http://schemas.microsoft.com/office/drawing/2014/main" id="{8A7CB271-EF14-26C9-2DA4-BD0743F38D4C}"/>
+              </a:ext>
+            </a:extLst>
+          </p:cNvPr>
+          <p:cNvSpPr txBox="1"/>
+          <p:nvPr/>
+        </p:nvSpPr>
+        <p:spPr>
+          <a:xfrm>
+            <a:off x="665389" y="2841172"/>
+            <a:ext cx="7813222" cy="1569660"/>
+          </a:xfrm>
+          <a:prstGeom prst="rect">
+            <a:avLst/>
+          </a:prstGeom>
+          <a:noFill/>
+        </p:spPr>
+        <p:txBody>
+          <a:bodyPr wrap="square" rtlCol="0">
+            <a:spAutoFit/>
+          </a:bodyPr>
+          <a:lstStyle/>
+          <a:p>
+            <a:r>
+              <a:rPr lang="en-US" sz="2400" dirty="0"/>
+              <a:t>Please download the data and plot a </a:t>
+            </a:r>
+            <a:r>
+              <a:rPr lang="en-US" sz="2400" dirty="0" err="1"/>
+              <a:t>dotplot</a:t>
+            </a:r>
+            <a:r>
+              <a:rPr lang="en-US" sz="2400" dirty="0"/>
+              <a:t> between the two sequences.</a:t>
+            </a:r>
+          </a:p>
+          <a:p>
+            <a:endParaRPr lang="en-US" sz="2400" dirty="0"/>
+          </a:p>
+          <a:p>
+            <a:r>
+              <a:rPr lang="en-US" sz="2400" dirty="0"/>
+              <a:t>Possible parameter: </a:t>
+            </a:r>
+            <a:r>
+              <a:rPr lang="en-US" sz="2400" dirty="0">
+                <a:latin typeface="Courier New" panose="02070309020205020404" pitchFamily="49" charset="0"/>
+                <a:cs typeface="Courier New" panose="02070309020205020404" pitchFamily="49" charset="0"/>
+              </a:rPr>
+              <a:t>--</a:t>
+            </a:r>
+            <a:r>
+              <a:rPr lang="en-US" sz="2400" dirty="0" err="1">
+                <a:latin typeface="Courier New" panose="02070309020205020404" pitchFamily="49" charset="0"/>
+                <a:cs typeface="Courier New" panose="02070309020205020404" pitchFamily="49" charset="0"/>
+              </a:rPr>
+              <a:t>minaln</a:t>
+            </a:r>
+            <a:r>
+              <a:rPr lang="en-US" sz="2400" dirty="0">
+                <a:latin typeface="Courier New" panose="02070309020205020404" pitchFamily="49" charset="0"/>
+                <a:cs typeface="Courier New" panose="02070309020205020404" pitchFamily="49" charset="0"/>
+              </a:rPr>
+              <a:t> 100</a:t>
+            </a:r>
+            <a:endParaRPr lang="en-US" sz="2400" dirty="0"/>
           </a:p>
         </p:txBody>
       </p:sp>
     </p:spTree>
     <p:extLst>
       <p:ext uri="{BB962C8B-B14F-4D97-AF65-F5344CB8AC3E}">
-        <p14:creationId xmlns:p14="http://schemas.microsoft.com/office/powerpoint/2010/main" val="2000764796"/>
+        <p14:creationId xmlns:p14="http://schemas.microsoft.com/office/powerpoint/2010/main" val="1986264101"/>
       </p:ext>
     </p:extLst>
   </p:cSld>

--- a/PLPTH813Bioinformatis/2025/2_lab/lab03_alignment.pptx
+++ b/PLPTH813Bioinformatis/2025/2_lab/lab03_alignment.pptx
@@ -230,7 +230,7 @@
           <a:p>
             <a:fld id="{08E6E0A8-E17C-C949-B17E-7A1A6494483A}" type="datetimeFigureOut">
               <a:rPr lang="en-US" smtClean="0"/>
-              <a:t>2/12/25</a:t>
+              <a:t>2/17/25</a:t>
             </a:fld>
             <a:endParaRPr lang="en-US"/>
           </a:p>
@@ -949,7 +949,7 @@
           <a:p>
             <a:fld id="{42B8B0BE-C8D7-EB48-AD68-71DB5002F24B}" type="datetimeFigureOut">
               <a:rPr lang="en-US" smtClean="0"/>
-              <a:t>2/12/25</a:t>
+              <a:t>2/17/25</a:t>
             </a:fld>
             <a:endParaRPr lang="en-US"/>
           </a:p>
@@ -1117,7 +1117,7 @@
           <a:p>
             <a:fld id="{42B8B0BE-C8D7-EB48-AD68-71DB5002F24B}" type="datetimeFigureOut">
               <a:rPr lang="en-US" smtClean="0"/>
-              <a:t>2/12/25</a:t>
+              <a:t>2/17/25</a:t>
             </a:fld>
             <a:endParaRPr lang="en-US"/>
           </a:p>
@@ -1295,7 +1295,7 @@
           <a:p>
             <a:fld id="{42B8B0BE-C8D7-EB48-AD68-71DB5002F24B}" type="datetimeFigureOut">
               <a:rPr lang="en-US" smtClean="0"/>
-              <a:t>2/12/25</a:t>
+              <a:t>2/17/25</a:t>
             </a:fld>
             <a:endParaRPr lang="en-US"/>
           </a:p>
@@ -1463,7 +1463,7 @@
           <a:p>
             <a:fld id="{42B8B0BE-C8D7-EB48-AD68-71DB5002F24B}" type="datetimeFigureOut">
               <a:rPr lang="en-US" smtClean="0"/>
-              <a:t>2/12/25</a:t>
+              <a:t>2/17/25</a:t>
             </a:fld>
             <a:endParaRPr lang="en-US"/>
           </a:p>
@@ -1708,7 +1708,7 @@
           <a:p>
             <a:fld id="{42B8B0BE-C8D7-EB48-AD68-71DB5002F24B}" type="datetimeFigureOut">
               <a:rPr lang="en-US" smtClean="0"/>
-              <a:t>2/12/25</a:t>
+              <a:t>2/17/25</a:t>
             </a:fld>
             <a:endParaRPr lang="en-US"/>
           </a:p>
@@ -1993,7 +1993,7 @@
           <a:p>
             <a:fld id="{42B8B0BE-C8D7-EB48-AD68-71DB5002F24B}" type="datetimeFigureOut">
               <a:rPr lang="en-US" smtClean="0"/>
-              <a:t>2/12/25</a:t>
+              <a:t>2/17/25</a:t>
             </a:fld>
             <a:endParaRPr lang="en-US"/>
           </a:p>
@@ -2412,7 +2412,7 @@
           <a:p>
             <a:fld id="{42B8B0BE-C8D7-EB48-AD68-71DB5002F24B}" type="datetimeFigureOut">
               <a:rPr lang="en-US" smtClean="0"/>
-              <a:t>2/12/25</a:t>
+              <a:t>2/17/25</a:t>
             </a:fld>
             <a:endParaRPr lang="en-US"/>
           </a:p>
@@ -2529,7 +2529,7 @@
           <a:p>
             <a:fld id="{42B8B0BE-C8D7-EB48-AD68-71DB5002F24B}" type="datetimeFigureOut">
               <a:rPr lang="en-US" smtClean="0"/>
-              <a:t>2/12/25</a:t>
+              <a:t>2/17/25</a:t>
             </a:fld>
             <a:endParaRPr lang="en-US"/>
           </a:p>
@@ -2624,7 +2624,7 @@
           <a:p>
             <a:fld id="{42B8B0BE-C8D7-EB48-AD68-71DB5002F24B}" type="datetimeFigureOut">
               <a:rPr lang="en-US" smtClean="0"/>
-              <a:t>2/12/25</a:t>
+              <a:t>2/17/25</a:t>
             </a:fld>
             <a:endParaRPr lang="en-US"/>
           </a:p>
@@ -2899,7 +2899,7 @@
           <a:p>
             <a:fld id="{42B8B0BE-C8D7-EB48-AD68-71DB5002F24B}" type="datetimeFigureOut">
               <a:rPr lang="en-US" smtClean="0"/>
-              <a:t>2/12/25</a:t>
+              <a:t>2/17/25</a:t>
             </a:fld>
             <a:endParaRPr lang="en-US"/>
           </a:p>
@@ -3151,7 +3151,7 @@
           <a:p>
             <a:fld id="{42B8B0BE-C8D7-EB48-AD68-71DB5002F24B}" type="datetimeFigureOut">
               <a:rPr lang="en-US" smtClean="0"/>
-              <a:t>2/12/25</a:t>
+              <a:t>2/17/25</a:t>
             </a:fld>
             <a:endParaRPr lang="en-US"/>
           </a:p>
@@ -3362,7 +3362,7 @@
           <a:p>
             <a:fld id="{42B8B0BE-C8D7-EB48-AD68-71DB5002F24B}" type="datetimeFigureOut">
               <a:rPr lang="en-US" smtClean="0"/>
-              <a:t>2/12/25</a:t>
+              <a:t>2/17/25</a:t>
             </a:fld>
             <a:endParaRPr lang="en-US"/>
           </a:p>

--- a/PLPTH813Bioinformatis/2025/2_lab/lab03_alignment.pptx
+++ b/PLPTH813Bioinformatis/2025/2_lab/lab03_alignment.pptx
@@ -230,7 +230,7 @@
           <a:p>
             <a:fld id="{08E6E0A8-E17C-C949-B17E-7A1A6494483A}" type="datetimeFigureOut">
               <a:rPr lang="en-US" smtClean="0"/>
-              <a:t>2/17/25</a:t>
+              <a:t>2/25/25</a:t>
             </a:fld>
             <a:endParaRPr lang="en-US"/>
           </a:p>
@@ -949,7 +949,7 @@
           <a:p>
             <a:fld id="{42B8B0BE-C8D7-EB48-AD68-71DB5002F24B}" type="datetimeFigureOut">
               <a:rPr lang="en-US" smtClean="0"/>
-              <a:t>2/17/25</a:t>
+              <a:t>2/25/25</a:t>
             </a:fld>
             <a:endParaRPr lang="en-US"/>
           </a:p>
@@ -1117,7 +1117,7 @@
           <a:p>
             <a:fld id="{42B8B0BE-C8D7-EB48-AD68-71DB5002F24B}" type="datetimeFigureOut">
               <a:rPr lang="en-US" smtClean="0"/>
-              <a:t>2/17/25</a:t>
+              <a:t>2/25/25</a:t>
             </a:fld>
             <a:endParaRPr lang="en-US"/>
           </a:p>
@@ -1295,7 +1295,7 @@
           <a:p>
             <a:fld id="{42B8B0BE-C8D7-EB48-AD68-71DB5002F24B}" type="datetimeFigureOut">
               <a:rPr lang="en-US" smtClean="0"/>
-              <a:t>2/17/25</a:t>
+              <a:t>2/25/25</a:t>
             </a:fld>
             <a:endParaRPr lang="en-US"/>
           </a:p>
@@ -1463,7 +1463,7 @@
           <a:p>
             <a:fld id="{42B8B0BE-C8D7-EB48-AD68-71DB5002F24B}" type="datetimeFigureOut">
               <a:rPr lang="en-US" smtClean="0"/>
-              <a:t>2/17/25</a:t>
+              <a:t>2/25/25</a:t>
             </a:fld>
             <a:endParaRPr lang="en-US"/>
           </a:p>
@@ -1708,7 +1708,7 @@
           <a:p>
             <a:fld id="{42B8B0BE-C8D7-EB48-AD68-71DB5002F24B}" type="datetimeFigureOut">
               <a:rPr lang="en-US" smtClean="0"/>
-              <a:t>2/17/25</a:t>
+              <a:t>2/25/25</a:t>
             </a:fld>
             <a:endParaRPr lang="en-US"/>
           </a:p>
@@ -1993,7 +1993,7 @@
           <a:p>
             <a:fld id="{42B8B0BE-C8D7-EB48-AD68-71DB5002F24B}" type="datetimeFigureOut">
               <a:rPr lang="en-US" smtClean="0"/>
-              <a:t>2/17/25</a:t>
+              <a:t>2/25/25</a:t>
             </a:fld>
             <a:endParaRPr lang="en-US"/>
           </a:p>
@@ -2412,7 +2412,7 @@
           <a:p>
             <a:fld id="{42B8B0BE-C8D7-EB48-AD68-71DB5002F24B}" type="datetimeFigureOut">
               <a:rPr lang="en-US" smtClean="0"/>
-              <a:t>2/17/25</a:t>
+              <a:t>2/25/25</a:t>
             </a:fld>
             <a:endParaRPr lang="en-US"/>
           </a:p>
@@ -2529,7 +2529,7 @@
           <a:p>
             <a:fld id="{42B8B0BE-C8D7-EB48-AD68-71DB5002F24B}" type="datetimeFigureOut">
               <a:rPr lang="en-US" smtClean="0"/>
-              <a:t>2/17/25</a:t>
+              <a:t>2/25/25</a:t>
             </a:fld>
             <a:endParaRPr lang="en-US"/>
           </a:p>
@@ -2624,7 +2624,7 @@
           <a:p>
             <a:fld id="{42B8B0BE-C8D7-EB48-AD68-71DB5002F24B}" type="datetimeFigureOut">
               <a:rPr lang="en-US" smtClean="0"/>
-              <a:t>2/17/25</a:t>
+              <a:t>2/25/25</a:t>
             </a:fld>
             <a:endParaRPr lang="en-US"/>
           </a:p>
@@ -2899,7 +2899,7 @@
           <a:p>
             <a:fld id="{42B8B0BE-C8D7-EB48-AD68-71DB5002F24B}" type="datetimeFigureOut">
               <a:rPr lang="en-US" smtClean="0"/>
-              <a:t>2/17/25</a:t>
+              <a:t>2/25/25</a:t>
             </a:fld>
             <a:endParaRPr lang="en-US"/>
           </a:p>
@@ -3151,7 +3151,7 @@
           <a:p>
             <a:fld id="{42B8B0BE-C8D7-EB48-AD68-71DB5002F24B}" type="datetimeFigureOut">
               <a:rPr lang="en-US" smtClean="0"/>
-              <a:t>2/17/25</a:t>
+              <a:t>2/25/25</a:t>
             </a:fld>
             <a:endParaRPr lang="en-US"/>
           </a:p>
@@ -3362,7 +3362,7 @@
           <a:p>
             <a:fld id="{42B8B0BE-C8D7-EB48-AD68-71DB5002F24B}" type="datetimeFigureOut">
               <a:rPr lang="en-US" smtClean="0"/>
-              <a:t>2/17/25</a:t>
+              <a:t>2/25/25</a:t>
             </a:fld>
             <a:endParaRPr lang="en-US"/>
           </a:p>
@@ -10270,46 +10270,6 @@
           </a:p>
         </p:txBody>
       </p:sp>
-      <p:sp>
-        <p:nvSpPr>
-          <p:cNvPr id="3" name="TextBox 2">
-            <a:extLst>
-              <a:ext uri="{FF2B5EF4-FFF2-40B4-BE49-F238E27FC236}">
-                <a16:creationId xmlns:a16="http://schemas.microsoft.com/office/drawing/2014/main" id="{38794503-493B-868C-B0CA-FA66E2B215EF}"/>
-              </a:ext>
-            </a:extLst>
-          </p:cNvPr>
-          <p:cNvSpPr txBox="1"/>
-          <p:nvPr/>
-        </p:nvSpPr>
-        <p:spPr>
-          <a:xfrm>
-            <a:off x="2792186" y="228540"/>
-            <a:ext cx="2890157" cy="4708981"/>
-          </a:xfrm>
-          <a:prstGeom prst="rect">
-            <a:avLst/>
-          </a:prstGeom>
-          <a:noFill/>
-        </p:spPr>
-        <p:txBody>
-          <a:bodyPr wrap="square" rtlCol="0">
-            <a:spAutoFit/>
-          </a:bodyPr>
-          <a:lstStyle/>
-          <a:p>
-            <a:pPr algn="ctr"/>
-            <a:r>
-              <a:rPr lang="en-US" sz="30000" dirty="0">
-                <a:solidFill>
-                  <a:srgbClr val="FF0000"/>
-                </a:solidFill>
-              </a:rPr>
-              <a:t>X</a:t>
-            </a:r>
-          </a:p>
-        </p:txBody>
-      </p:sp>
     </p:spTree>
     <p:extLst>
       <p:ext uri="{BB962C8B-B14F-4D97-AF65-F5344CB8AC3E}">
@@ -10605,8 +10565,8 @@
         </p:nvSpPr>
         <p:spPr>
           <a:xfrm>
-            <a:off x="1273628" y="1135732"/>
-            <a:ext cx="6890657" cy="3215833"/>
+            <a:off x="1146842" y="989735"/>
+            <a:ext cx="6767713" cy="3536161"/>
           </a:xfrm>
         </p:spPr>
         <p:txBody>
@@ -10652,6 +10612,21 @@
                 <a:cs typeface="Courier New" panose="02070309020205020404" pitchFamily="49" charset="0"/>
               </a:rPr>
               <a:t>)</a:t>
+            </a:r>
+          </a:p>
+          <a:p>
+            <a:pPr marL="0" indent="0">
+              <a:buNone/>
+            </a:pPr>
+            <a:r>
+              <a:rPr lang="en-US" dirty="0">
+                <a:solidFill>
+                  <a:srgbClr val="C00000"/>
+                </a:solidFill>
+                <a:latin typeface="Courier New" panose="02070309020205020404" pitchFamily="49" charset="0"/>
+                <a:cs typeface="Courier New" panose="02070309020205020404" pitchFamily="49" charset="0"/>
+              </a:rPr>
+              <a:t>source ~/anaconda3/bin/activate</a:t>
             </a:r>
           </a:p>
           <a:p>
